--- a/assets/files/Tema6/arb_dec/6.3 Árboles de decisión.pptx
+++ b/assets/files/Tema6/arb_dec/6.3 Árboles de decisión.pptx
@@ -8085,37 +8085,9 @@
           <a:chExt cx="0" cy="0"/>
         </a:xfrm>
       </p:grpSpPr>
-      <p:pic>
-        <p:nvPicPr>
-          <p:cNvPr id="96" name="Google Shape;96;p19"/>
-          <p:cNvPicPr preferRelativeResize="0"/>
-          <p:nvPr/>
-        </p:nvPicPr>
-        <p:blipFill>
-          <a:blip r:embed="rId3">
-            <a:alphaModFix/>
-          </a:blip>
-          <a:stretch>
-            <a:fillRect/>
-          </a:stretch>
-        </p:blipFill>
-        <p:spPr>
-          <a:xfrm>
-            <a:off x="3462000" y="457200"/>
-            <a:ext cx="5682000" cy="4433326"/>
-          </a:xfrm>
-          <a:prstGeom prst="rect">
-            <a:avLst/>
-          </a:prstGeom>
-          <a:noFill/>
-          <a:ln>
-            <a:noFill/>
-          </a:ln>
-        </p:spPr>
-      </p:pic>
       <p:sp>
         <p:nvSpPr>
-          <p:cNvPr id="97" name="Google Shape;97;p19"/>
+          <p:cNvPr id="96" name="Google Shape;96;p19"/>
           <p:cNvSpPr txBox="1"/>
           <p:nvPr>
             <p:ph type="title"/>
@@ -8155,12 +8127,12 @@
       </p:sp>
       <p:pic>
         <p:nvPicPr>
-          <p:cNvPr id="98" name="Google Shape;98;p19"/>
+          <p:cNvPr id="97" name="Google Shape;97;p19"/>
           <p:cNvPicPr preferRelativeResize="0"/>
           <p:nvPr/>
         </p:nvPicPr>
         <p:blipFill>
-          <a:blip r:embed="rId4">
+          <a:blip r:embed="rId3">
             <a:alphaModFix/>
           </a:blip>
           <a:stretch>
@@ -8169,7 +8141,7 @@
         </p:blipFill>
         <p:spPr>
           <a:xfrm>
-            <a:off x="0" y="2547007"/>
+            <a:off x="762000" y="2547007"/>
             <a:ext cx="3462000" cy="2596493"/>
           </a:xfrm>
           <a:prstGeom prst="rect">
@@ -8183,7 +8155,7 @@
       </p:pic>
       <p:sp>
         <p:nvSpPr>
-          <p:cNvPr id="99" name="Google Shape;99;p19"/>
+          <p:cNvPr id="98" name="Google Shape;98;p19"/>
           <p:cNvSpPr txBox="1"/>
           <p:nvPr>
             <p:ph idx="1" type="body"/>
@@ -8221,6 +8193,34 @@
           </a:p>
         </p:txBody>
       </p:sp>
+      <p:pic>
+        <p:nvPicPr>
+          <p:cNvPr id="99" name="Google Shape;99;p19"/>
+          <p:cNvPicPr preferRelativeResize="0"/>
+          <p:nvPr/>
+        </p:nvPicPr>
+        <p:blipFill>
+          <a:blip r:embed="rId4">
+            <a:alphaModFix/>
+          </a:blip>
+          <a:stretch>
+            <a:fillRect/>
+          </a:stretch>
+        </p:blipFill>
+        <p:spPr>
+          <a:xfrm>
+            <a:off x="4211651" y="632500"/>
+            <a:ext cx="4779949" cy="3752100"/>
+          </a:xfrm>
+          <a:prstGeom prst="rect">
+            <a:avLst/>
+          </a:prstGeom>
+          <a:noFill/>
+          <a:ln>
+            <a:noFill/>
+          </a:ln>
+        </p:spPr>
+      </p:pic>
     </p:spTree>
   </p:cSld>
   <p:clrMapOvr>
@@ -8485,6 +8485,285 @@
 </file>
 
 <file path=ppt/theme/theme1.xml><?xml version="1.0" encoding="utf-8"?>
+<a:theme xmlns:a="http://schemas.openxmlformats.org/drawingml/2006/main" xmlns:r="http://schemas.openxmlformats.org/officeDocument/2006/relationships" name="Beach Day">
+  <a:themeElements>
+    <a:clrScheme name="Beach Day">
+      <a:dk1>
+        <a:srgbClr val="00FDC8"/>
+      </a:dk1>
+      <a:lt1>
+        <a:srgbClr val="FFFFFF"/>
+      </a:lt1>
+      <a:dk2>
+        <a:srgbClr val="666666"/>
+      </a:dk2>
+      <a:lt2>
+        <a:srgbClr val="EEEEEE"/>
+      </a:lt2>
+      <a:accent1>
+        <a:srgbClr val="212121"/>
+      </a:accent1>
+      <a:accent2>
+        <a:srgbClr val="455A64"/>
+      </a:accent2>
+      <a:accent3>
+        <a:srgbClr val="78909C"/>
+      </a:accent3>
+      <a:accent4>
+        <a:srgbClr val="7C7CE0"/>
+      </a:accent4>
+      <a:accent5>
+        <a:srgbClr val="DB4437"/>
+      </a:accent5>
+      <a:accent6>
+        <a:srgbClr val="F6CD4C"/>
+      </a:accent6>
+      <a:hlink>
+        <a:srgbClr val="DB4437"/>
+      </a:hlink>
+      <a:folHlink>
+        <a:srgbClr val="DB4437"/>
+      </a:folHlink>
+    </a:clrScheme>
+    <a:fontScheme name="Office">
+      <a:majorFont>
+        <a:latin typeface="Arial"/>
+        <a:ea typeface=""/>
+        <a:cs typeface=""/>
+        <a:font script="Jpan" typeface="ＭＳ Ｐゴシック"/>
+        <a:font script="Hang" typeface="맑은 고딕"/>
+        <a:font script="Hans" typeface="宋体"/>
+        <a:font script="Hant" typeface="新細明體"/>
+        <a:font script="Arab" typeface="Times New Roman"/>
+        <a:font script="Hebr" typeface="Times New Roman"/>
+        <a:font script="Thai" typeface="Angsana New"/>
+        <a:font script="Ethi" typeface="Nyala"/>
+        <a:font script="Beng" typeface="Vrinda"/>
+        <a:font script="Gujr" typeface="Shruti"/>
+        <a:font script="Khmr" typeface="MoolBoran"/>
+        <a:font script="Knda" typeface="Tunga"/>
+        <a:font script="Guru" typeface="Raavi"/>
+        <a:font script="Cans" typeface="Euphemia"/>
+        <a:font script="Cher" typeface="Plantagenet Cherokee"/>
+        <a:font script="Yiii" typeface="Microsoft Yi Baiti"/>
+        <a:font script="Tibt" typeface="Microsoft Himalaya"/>
+        <a:font script="Thaa" typeface="MV Boli"/>
+        <a:font script="Deva" typeface="Mangal"/>
+        <a:font script="Telu" typeface="Gautami"/>
+        <a:font script="Taml" typeface="Latha"/>
+        <a:font script="Syrc" typeface="Estrangelo Edessa"/>
+        <a:font script="Orya" typeface="Kalinga"/>
+        <a:font script="Mlym" typeface="Kartika"/>
+        <a:font script="Laoo" typeface="DokChampa"/>
+        <a:font script="Sinh" typeface="Iskoola Pota"/>
+        <a:font script="Mong" typeface="Mongolian Baiti"/>
+        <a:font script="Viet" typeface="Times New Roman"/>
+        <a:font script="Uigh" typeface="Microsoft Uighur"/>
+        <a:font script="Geor" typeface="Sylfaen"/>
+      </a:majorFont>
+      <a:minorFont>
+        <a:latin typeface="Arial"/>
+        <a:ea typeface=""/>
+        <a:cs typeface=""/>
+        <a:font script="Jpan" typeface="ＭＳ Ｐゴシック"/>
+        <a:font script="Hang" typeface="맑은 고딕"/>
+        <a:font script="Hans" typeface="宋体"/>
+        <a:font script="Hant" typeface="新細明體"/>
+        <a:font script="Arab" typeface="Arial"/>
+        <a:font script="Hebr" typeface="Arial"/>
+        <a:font script="Thai" typeface="Cordia New"/>
+        <a:font script="Ethi" typeface="Nyala"/>
+        <a:font script="Beng" typeface="Vrinda"/>
+        <a:font script="Gujr" typeface="Shruti"/>
+        <a:font script="Khmr" typeface="DaunPenh"/>
+        <a:font script="Knda" typeface="Tunga"/>
+        <a:font script="Guru" typeface="Raavi"/>
+        <a:font script="Cans" typeface="Euphemia"/>
+        <a:font script="Cher" typeface="Plantagenet Cherokee"/>
+        <a:font script="Yiii" typeface="Microsoft Yi Baiti"/>
+        <a:font script="Tibt" typeface="Microsoft Himalaya"/>
+        <a:font script="Thaa" typeface="MV Boli"/>
+        <a:font script="Deva" typeface="Mangal"/>
+        <a:font script="Telu" typeface="Gautami"/>
+        <a:font script="Taml" typeface="Latha"/>
+        <a:font script="Syrc" typeface="Estrangelo Edessa"/>
+        <a:font script="Orya" typeface="Kalinga"/>
+        <a:font script="Mlym" typeface="Kartika"/>
+        <a:font script="Laoo" typeface="DokChampa"/>
+        <a:font script="Sinh" typeface="Iskoola Pota"/>
+        <a:font script="Mong" typeface="Mongolian Baiti"/>
+        <a:font script="Viet" typeface="Arial"/>
+        <a:font script="Uigh" typeface="Microsoft Uighur"/>
+        <a:font script="Geor" typeface="Sylfaen"/>
+      </a:minorFont>
+    </a:fontScheme>
+    <a:fmtScheme name="Office">
+      <a:fillStyleLst>
+        <a:solidFill>
+          <a:schemeClr val="phClr"/>
+        </a:solidFill>
+        <a:gradFill rotWithShape="1">
+          <a:gsLst>
+            <a:gs pos="0">
+              <a:schemeClr val="phClr">
+                <a:tint val="50000"/>
+                <a:satMod val="300000"/>
+              </a:schemeClr>
+            </a:gs>
+            <a:gs pos="35000">
+              <a:schemeClr val="phClr">
+                <a:tint val="37000"/>
+                <a:satMod val="300000"/>
+              </a:schemeClr>
+            </a:gs>
+            <a:gs pos="100000">
+              <a:schemeClr val="phClr">
+                <a:tint val="15000"/>
+                <a:satMod val="350000"/>
+              </a:schemeClr>
+            </a:gs>
+          </a:gsLst>
+          <a:lin ang="16200000" scaled="1"/>
+        </a:gradFill>
+        <a:gradFill rotWithShape="1">
+          <a:gsLst>
+            <a:gs pos="0">
+              <a:schemeClr val="phClr">
+                <a:tint val="100000"/>
+                <a:shade val="100000"/>
+                <a:satMod val="130000"/>
+              </a:schemeClr>
+            </a:gs>
+            <a:gs pos="100000">
+              <a:schemeClr val="phClr">
+                <a:tint val="50000"/>
+                <a:shade val="100000"/>
+                <a:satMod val="350000"/>
+              </a:schemeClr>
+            </a:gs>
+          </a:gsLst>
+          <a:lin ang="16200000" scaled="0"/>
+        </a:gradFill>
+      </a:fillStyleLst>
+      <a:lnStyleLst>
+        <a:ln w="9525" cap="flat" cmpd="sng" algn="ctr">
+          <a:solidFill>
+            <a:schemeClr val="phClr">
+              <a:shade val="95000"/>
+              <a:satMod val="105000"/>
+            </a:schemeClr>
+          </a:solidFill>
+          <a:prstDash val="solid"/>
+        </a:ln>
+        <a:ln w="25400" cap="flat" cmpd="sng" algn="ctr">
+          <a:solidFill>
+            <a:schemeClr val="phClr"/>
+          </a:solidFill>
+          <a:prstDash val="solid"/>
+        </a:ln>
+        <a:ln w="38100" cap="flat" cmpd="sng" algn="ctr">
+          <a:solidFill>
+            <a:schemeClr val="phClr"/>
+          </a:solidFill>
+          <a:prstDash val="solid"/>
+        </a:ln>
+      </a:lnStyleLst>
+      <a:effectStyleLst>
+        <a:effectStyle>
+          <a:effectLst>
+            <a:outerShdw blurRad="40000" dist="20000" dir="5400000" rotWithShape="0">
+              <a:srgbClr val="000000">
+                <a:alpha val="38000"/>
+              </a:srgbClr>
+            </a:outerShdw>
+          </a:effectLst>
+        </a:effectStyle>
+        <a:effectStyle>
+          <a:effectLst>
+            <a:outerShdw blurRad="40000" dist="23000" dir="5400000" rotWithShape="0">
+              <a:srgbClr val="000000">
+                <a:alpha val="35000"/>
+              </a:srgbClr>
+            </a:outerShdw>
+          </a:effectLst>
+        </a:effectStyle>
+        <a:effectStyle>
+          <a:effectLst>
+            <a:outerShdw blurRad="40000" dist="23000" dir="5400000" rotWithShape="0">
+              <a:srgbClr val="000000">
+                <a:alpha val="35000"/>
+              </a:srgbClr>
+            </a:outerShdw>
+          </a:effectLst>
+          <a:scene3d>
+            <a:camera prst="orthographicFront">
+              <a:rot lat="0" lon="0" rev="0"/>
+            </a:camera>
+            <a:lightRig rig="threePt" dir="t">
+              <a:rot lat="0" lon="0" rev="1200000"/>
+            </a:lightRig>
+          </a:scene3d>
+          <a:sp3d>
+            <a:bevelT w="63500" h="25400"/>
+          </a:sp3d>
+        </a:effectStyle>
+      </a:effectStyleLst>
+      <a:bgFillStyleLst>
+        <a:solidFill>
+          <a:schemeClr val="phClr"/>
+        </a:solidFill>
+        <a:gradFill rotWithShape="1">
+          <a:gsLst>
+            <a:gs pos="0">
+              <a:schemeClr val="phClr">
+                <a:tint val="40000"/>
+                <a:satMod val="350000"/>
+              </a:schemeClr>
+            </a:gs>
+            <a:gs pos="40000">
+              <a:schemeClr val="phClr">
+                <a:tint val="45000"/>
+                <a:shade val="99000"/>
+                <a:satMod val="350000"/>
+              </a:schemeClr>
+            </a:gs>
+            <a:gs pos="100000">
+              <a:schemeClr val="phClr">
+                <a:shade val="20000"/>
+                <a:satMod val="255000"/>
+              </a:schemeClr>
+            </a:gs>
+          </a:gsLst>
+          <a:path path="circle">
+            <a:fillToRect l="50000" t="-80000" r="50000" b="180000"/>
+          </a:path>
+        </a:gradFill>
+        <a:gradFill rotWithShape="1">
+          <a:gsLst>
+            <a:gs pos="0">
+              <a:schemeClr val="phClr">
+                <a:tint val="80000"/>
+                <a:satMod val="300000"/>
+              </a:schemeClr>
+            </a:gs>
+            <a:gs pos="100000">
+              <a:schemeClr val="phClr">
+                <a:shade val="30000"/>
+                <a:satMod val="200000"/>
+              </a:schemeClr>
+            </a:gs>
+          </a:gsLst>
+          <a:path path="circle">
+            <a:fillToRect l="50000" t="50000" r="50000" b="50000"/>
+          </a:path>
+        </a:gradFill>
+      </a:bgFillStyleLst>
+    </a:fmtScheme>
+  </a:themeElements>
+</a:theme>
+</file>
+
+<file path=ppt/theme/theme2.xml><?xml version="1.0" encoding="utf-8"?>
 <a:theme xmlns:a="http://schemas.openxmlformats.org/drawingml/2006/main" xmlns:r="http://schemas.openxmlformats.org/officeDocument/2006/relationships">
   <a:themeElements>
     <a:clrScheme name="Default">
@@ -8761,283 +9040,4 @@
     </a:fmtScheme>
   </a:themeElements>
 </a:theme>
-</file>
-
-<file path=ppt/theme/theme2.xml><?xml version="1.0" encoding="utf-8"?>
-<a:theme xmlns:a="http://schemas.openxmlformats.org/drawingml/2006/main" xmlns:r="http://schemas.openxmlformats.org/officeDocument/2006/relationships" name="Beach Day">
-  <a:themeElements>
-    <a:clrScheme name="Beach Day">
-      <a:dk1>
-        <a:srgbClr val="00FDC8"/>
-      </a:dk1>
-      <a:lt1>
-        <a:srgbClr val="FFFFFF"/>
-      </a:lt1>
-      <a:dk2>
-        <a:srgbClr val="666666"/>
-      </a:dk2>
-      <a:lt2>
-        <a:srgbClr val="EEEEEE"/>
-      </a:lt2>
-      <a:accent1>
-        <a:srgbClr val="212121"/>
-      </a:accent1>
-      <a:accent2>
-        <a:srgbClr val="455A64"/>
-      </a:accent2>
-      <a:accent3>
-        <a:srgbClr val="78909C"/>
-      </a:accent3>
-      <a:accent4>
-        <a:srgbClr val="7C7CE0"/>
-      </a:accent4>
-      <a:accent5>
-        <a:srgbClr val="DB4437"/>
-      </a:accent5>
-      <a:accent6>
-        <a:srgbClr val="F6CD4C"/>
-      </a:accent6>
-      <a:hlink>
-        <a:srgbClr val="DB4437"/>
-      </a:hlink>
-      <a:folHlink>
-        <a:srgbClr val="DB4437"/>
-      </a:folHlink>
-    </a:clrScheme>
-    <a:fontScheme name="Office">
-      <a:majorFont>
-        <a:latin typeface="Arial"/>
-        <a:ea typeface=""/>
-        <a:cs typeface=""/>
-        <a:font script="Jpan" typeface="ＭＳ Ｐゴシック"/>
-        <a:font script="Hang" typeface="맑은 고딕"/>
-        <a:font script="Hans" typeface="宋体"/>
-        <a:font script="Hant" typeface="新細明體"/>
-        <a:font script="Arab" typeface="Times New Roman"/>
-        <a:font script="Hebr" typeface="Times New Roman"/>
-        <a:font script="Thai" typeface="Angsana New"/>
-        <a:font script="Ethi" typeface="Nyala"/>
-        <a:font script="Beng" typeface="Vrinda"/>
-        <a:font script="Gujr" typeface="Shruti"/>
-        <a:font script="Khmr" typeface="MoolBoran"/>
-        <a:font script="Knda" typeface="Tunga"/>
-        <a:font script="Guru" typeface="Raavi"/>
-        <a:font script="Cans" typeface="Euphemia"/>
-        <a:font script="Cher" typeface="Plantagenet Cherokee"/>
-        <a:font script="Yiii" typeface="Microsoft Yi Baiti"/>
-        <a:font script="Tibt" typeface="Microsoft Himalaya"/>
-        <a:font script="Thaa" typeface="MV Boli"/>
-        <a:font script="Deva" typeface="Mangal"/>
-        <a:font script="Telu" typeface="Gautami"/>
-        <a:font script="Taml" typeface="Latha"/>
-        <a:font script="Syrc" typeface="Estrangelo Edessa"/>
-        <a:font script="Orya" typeface="Kalinga"/>
-        <a:font script="Mlym" typeface="Kartika"/>
-        <a:font script="Laoo" typeface="DokChampa"/>
-        <a:font script="Sinh" typeface="Iskoola Pota"/>
-        <a:font script="Mong" typeface="Mongolian Baiti"/>
-        <a:font script="Viet" typeface="Times New Roman"/>
-        <a:font script="Uigh" typeface="Microsoft Uighur"/>
-        <a:font script="Geor" typeface="Sylfaen"/>
-      </a:majorFont>
-      <a:minorFont>
-        <a:latin typeface="Arial"/>
-        <a:ea typeface=""/>
-        <a:cs typeface=""/>
-        <a:font script="Jpan" typeface="ＭＳ Ｐゴシック"/>
-        <a:font script="Hang" typeface="맑은 고딕"/>
-        <a:font script="Hans" typeface="宋体"/>
-        <a:font script="Hant" typeface="新細明體"/>
-        <a:font script="Arab" typeface="Arial"/>
-        <a:font script="Hebr" typeface="Arial"/>
-        <a:font script="Thai" typeface="Cordia New"/>
-        <a:font script="Ethi" typeface="Nyala"/>
-        <a:font script="Beng" typeface="Vrinda"/>
-        <a:font script="Gujr" typeface="Shruti"/>
-        <a:font script="Khmr" typeface="DaunPenh"/>
-        <a:font script="Knda" typeface="Tunga"/>
-        <a:font script="Guru" typeface="Raavi"/>
-        <a:font script="Cans" typeface="Euphemia"/>
-        <a:font script="Cher" typeface="Plantagenet Cherokee"/>
-        <a:font script="Yiii" typeface="Microsoft Yi Baiti"/>
-        <a:font script="Tibt" typeface="Microsoft Himalaya"/>
-        <a:font script="Thaa" typeface="MV Boli"/>
-        <a:font script="Deva" typeface="Mangal"/>
-        <a:font script="Telu" typeface="Gautami"/>
-        <a:font script="Taml" typeface="Latha"/>
-        <a:font script="Syrc" typeface="Estrangelo Edessa"/>
-        <a:font script="Orya" typeface="Kalinga"/>
-        <a:font script="Mlym" typeface="Kartika"/>
-        <a:font script="Laoo" typeface="DokChampa"/>
-        <a:font script="Sinh" typeface="Iskoola Pota"/>
-        <a:font script="Mong" typeface="Mongolian Baiti"/>
-        <a:font script="Viet" typeface="Arial"/>
-        <a:font script="Uigh" typeface="Microsoft Uighur"/>
-        <a:font script="Geor" typeface="Sylfaen"/>
-      </a:minorFont>
-    </a:fontScheme>
-    <a:fmtScheme name="Office">
-      <a:fillStyleLst>
-        <a:solidFill>
-          <a:schemeClr val="phClr"/>
-        </a:solidFill>
-        <a:gradFill rotWithShape="1">
-          <a:gsLst>
-            <a:gs pos="0">
-              <a:schemeClr val="phClr">
-                <a:tint val="50000"/>
-                <a:satMod val="300000"/>
-              </a:schemeClr>
-            </a:gs>
-            <a:gs pos="35000">
-              <a:schemeClr val="phClr">
-                <a:tint val="37000"/>
-                <a:satMod val="300000"/>
-              </a:schemeClr>
-            </a:gs>
-            <a:gs pos="100000">
-              <a:schemeClr val="phClr">
-                <a:tint val="15000"/>
-                <a:satMod val="350000"/>
-              </a:schemeClr>
-            </a:gs>
-          </a:gsLst>
-          <a:lin ang="16200000" scaled="1"/>
-        </a:gradFill>
-        <a:gradFill rotWithShape="1">
-          <a:gsLst>
-            <a:gs pos="0">
-              <a:schemeClr val="phClr">
-                <a:tint val="100000"/>
-                <a:shade val="100000"/>
-                <a:satMod val="130000"/>
-              </a:schemeClr>
-            </a:gs>
-            <a:gs pos="100000">
-              <a:schemeClr val="phClr">
-                <a:tint val="50000"/>
-                <a:shade val="100000"/>
-                <a:satMod val="350000"/>
-              </a:schemeClr>
-            </a:gs>
-          </a:gsLst>
-          <a:lin ang="16200000" scaled="0"/>
-        </a:gradFill>
-      </a:fillStyleLst>
-      <a:lnStyleLst>
-        <a:ln w="9525" cap="flat" cmpd="sng" algn="ctr">
-          <a:solidFill>
-            <a:schemeClr val="phClr">
-              <a:shade val="95000"/>
-              <a:satMod val="105000"/>
-            </a:schemeClr>
-          </a:solidFill>
-          <a:prstDash val="solid"/>
-        </a:ln>
-        <a:ln w="25400" cap="flat" cmpd="sng" algn="ctr">
-          <a:solidFill>
-            <a:schemeClr val="phClr"/>
-          </a:solidFill>
-          <a:prstDash val="solid"/>
-        </a:ln>
-        <a:ln w="38100" cap="flat" cmpd="sng" algn="ctr">
-          <a:solidFill>
-            <a:schemeClr val="phClr"/>
-          </a:solidFill>
-          <a:prstDash val="solid"/>
-        </a:ln>
-      </a:lnStyleLst>
-      <a:effectStyleLst>
-        <a:effectStyle>
-          <a:effectLst>
-            <a:outerShdw blurRad="40000" dist="20000" dir="5400000" rotWithShape="0">
-              <a:srgbClr val="000000">
-                <a:alpha val="38000"/>
-              </a:srgbClr>
-            </a:outerShdw>
-          </a:effectLst>
-        </a:effectStyle>
-        <a:effectStyle>
-          <a:effectLst>
-            <a:outerShdw blurRad="40000" dist="23000" dir="5400000" rotWithShape="0">
-              <a:srgbClr val="000000">
-                <a:alpha val="35000"/>
-              </a:srgbClr>
-            </a:outerShdw>
-          </a:effectLst>
-        </a:effectStyle>
-        <a:effectStyle>
-          <a:effectLst>
-            <a:outerShdw blurRad="40000" dist="23000" dir="5400000" rotWithShape="0">
-              <a:srgbClr val="000000">
-                <a:alpha val="35000"/>
-              </a:srgbClr>
-            </a:outerShdw>
-          </a:effectLst>
-          <a:scene3d>
-            <a:camera prst="orthographicFront">
-              <a:rot lat="0" lon="0" rev="0"/>
-            </a:camera>
-            <a:lightRig rig="threePt" dir="t">
-              <a:rot lat="0" lon="0" rev="1200000"/>
-            </a:lightRig>
-          </a:scene3d>
-          <a:sp3d>
-            <a:bevelT w="63500" h="25400"/>
-          </a:sp3d>
-        </a:effectStyle>
-      </a:effectStyleLst>
-      <a:bgFillStyleLst>
-        <a:solidFill>
-          <a:schemeClr val="phClr"/>
-        </a:solidFill>
-        <a:gradFill rotWithShape="1">
-          <a:gsLst>
-            <a:gs pos="0">
-              <a:schemeClr val="phClr">
-                <a:tint val="40000"/>
-                <a:satMod val="350000"/>
-              </a:schemeClr>
-            </a:gs>
-            <a:gs pos="40000">
-              <a:schemeClr val="phClr">
-                <a:tint val="45000"/>
-                <a:shade val="99000"/>
-                <a:satMod val="350000"/>
-              </a:schemeClr>
-            </a:gs>
-            <a:gs pos="100000">
-              <a:schemeClr val="phClr">
-                <a:shade val="20000"/>
-                <a:satMod val="255000"/>
-              </a:schemeClr>
-            </a:gs>
-          </a:gsLst>
-          <a:path path="circle">
-            <a:fillToRect l="50000" t="-80000" r="50000" b="180000"/>
-          </a:path>
-        </a:gradFill>
-        <a:gradFill rotWithShape="1">
-          <a:gsLst>
-            <a:gs pos="0">
-              <a:schemeClr val="phClr">
-                <a:tint val="80000"/>
-                <a:satMod val="300000"/>
-              </a:schemeClr>
-            </a:gs>
-            <a:gs pos="100000">
-              <a:schemeClr val="phClr">
-                <a:shade val="30000"/>
-                <a:satMod val="200000"/>
-              </a:schemeClr>
-            </a:gs>
-          </a:gsLst>
-          <a:path path="circle">
-            <a:fillToRect l="50000" t="50000" r="50000" b="50000"/>
-          </a:path>
-        </a:gradFill>
-      </a:bgFillStyleLst>
-    </a:fmtScheme>
-  </a:themeElements>
-</a:theme>
 </file>
--- a/assets/files/Tema6/arb_dec/6.3 Árboles de decisión.pptx
+++ b/assets/files/Tema6/arb_dec/6.3 Árboles de decisión.pptx
@@ -18,21 +18,30 @@
     <p:sldId id="263" r:id="rId13"/>
     <p:sldId id="264" r:id="rId14"/>
     <p:sldId id="265" r:id="rId15"/>
+    <p:sldId id="266" r:id="rId16"/>
+    <p:sldId id="267" r:id="rId17"/>
+    <p:sldId id="268" r:id="rId18"/>
+    <p:sldId id="269" r:id="rId19"/>
+    <p:sldId id="270" r:id="rId20"/>
+    <p:sldId id="271" r:id="rId21"/>
+    <p:sldId id="272" r:id="rId22"/>
+    <p:sldId id="273" r:id="rId23"/>
+    <p:sldId id="274" r:id="rId24"/>
   </p:sldIdLst>
   <p:sldSz cy="5143500" cx="9144000"/>
   <p:notesSz cx="6858000" cy="9144000"/>
   <p:embeddedFontLst>
     <p:embeddedFont>
       <p:font typeface="Amatic SC"/>
-      <p:regular r:id="rId16"/>
-      <p:bold r:id="rId17"/>
+      <p:regular r:id="rId25"/>
+      <p:bold r:id="rId26"/>
     </p:embeddedFont>
     <p:embeddedFont>
       <p:font typeface="Source Code Pro"/>
-      <p:regular r:id="rId18"/>
-      <p:bold r:id="rId19"/>
-      <p:italic r:id="rId20"/>
-      <p:boldItalic r:id="rId21"/>
+      <p:regular r:id="rId27"/>
+      <p:bold r:id="rId28"/>
+      <p:italic r:id="rId29"/>
+      <p:boldItalic r:id="rId30"/>
     </p:embeddedFont>
   </p:embeddedFontLst>
   <p:defaultTextStyle>
@@ -813,7 +822,7 @@
   <p:cSld>
     <p:spTree>
       <p:nvGrpSpPr>
-        <p:cNvPr id="112" name="Shape 112"/>
+        <p:cNvPr id="113" name="Shape 113"/>
         <p:cNvGrpSpPr/>
         <p:nvPr/>
       </p:nvGrpSpPr>
@@ -827,7 +836,7 @@
       </p:grpSpPr>
       <p:sp>
         <p:nvSpPr>
-          <p:cNvPr id="113" name="Google Shape;113;gb078ea1e8c_0_51:notes"/>
+          <p:cNvPr id="114" name="Google Shape;114;gb078ea1e8c_0_43:notes"/>
           <p:cNvSpPr/>
           <p:nvPr>
             <p:ph idx="2" type="sldImg"/>
@@ -862,7 +871,898 @@
       </p:sp>
       <p:sp>
         <p:nvSpPr>
-          <p:cNvPr id="114" name="Google Shape;114;gb078ea1e8c_0_51:notes"/>
+          <p:cNvPr id="115" name="Google Shape;115;gb078ea1e8c_0_43:notes"/>
+          <p:cNvSpPr txBox="1"/>
+          <p:nvPr>
+            <p:ph idx="1" type="body"/>
+          </p:nvPr>
+        </p:nvSpPr>
+        <p:spPr>
+          <a:xfrm>
+            <a:off x="685800" y="4343400"/>
+            <a:ext cx="5486400" cy="4114800"/>
+          </a:xfrm>
+          <a:prstGeom prst="rect">
+            <a:avLst/>
+          </a:prstGeom>
+        </p:spPr>
+        <p:txBody>
+          <a:bodyPr anchorCtr="0" anchor="t" bIns="91425" lIns="91425" spcFirstLastPara="1" rIns="91425" wrap="square" tIns="91425">
+            <a:noAutofit/>
+          </a:bodyPr>
+          <a:lstStyle/>
+          <a:p>
+            <a:pPr indent="0" lvl="0" marL="0" rtl="0" algn="l">
+              <a:spcBef>
+                <a:spcPts val="0"/>
+              </a:spcBef>
+              <a:spcAft>
+                <a:spcPts val="0"/>
+              </a:spcAft>
+              <a:buNone/>
+            </a:pPr>
+            <a:r>
+              <a:t/>
+            </a:r>
+            <a:endParaRPr/>
+          </a:p>
+        </p:txBody>
+      </p:sp>
+    </p:spTree>
+  </p:cSld>
+  <p:clrMapOvr>
+    <a:masterClrMapping/>
+  </p:clrMapOvr>
+</p:notes>
+</file>
+
+<file path=ppt/notesSlides/notesSlide11.xml><?xml version="1.0" encoding="utf-8"?>
+<p:notes xmlns:a="http://schemas.openxmlformats.org/drawingml/2006/main" xmlns:r="http://schemas.openxmlformats.org/officeDocument/2006/relationships" xmlns:mc="http://schemas.openxmlformats.org/markup-compatibility/2006" xmlns:mv="urn:schemas-microsoft-com:mac:vml" xmlns:p="http://schemas.openxmlformats.org/presentationml/2006/main" xmlns:c="http://schemas.openxmlformats.org/drawingml/2006/chart" xmlns:dgm="http://schemas.openxmlformats.org/drawingml/2006/diagram" xmlns:o="urn:schemas-microsoft-com:office:office" xmlns:v="urn:schemas-microsoft-com:vml" xmlns:pvml="urn:schemas-microsoft-com:office:powerpoint" xmlns:com="http://schemas.openxmlformats.org/drawingml/2006/compatibility" xmlns:p14="http://schemas.microsoft.com/office/powerpoint/2010/main" xmlns:p15="http://schemas.microsoft.com/office/powerpoint/2012/main" xmlns:ahyp="http://schemas.microsoft.com/office/drawing/2018/hyperlinkcolor" showMasterPhAnim="0" showMasterSp="0">
+  <p:cSld>
+    <p:spTree>
+      <p:nvGrpSpPr>
+        <p:cNvPr id="120" name="Shape 120"/>
+        <p:cNvGrpSpPr/>
+        <p:nvPr/>
+      </p:nvGrpSpPr>
+      <p:grpSpPr>
+        <a:xfrm>
+          <a:off x="0" y="0"/>
+          <a:ext cx="0" cy="0"/>
+          <a:chOff x="0" y="0"/>
+          <a:chExt cx="0" cy="0"/>
+        </a:xfrm>
+      </p:grpSpPr>
+      <p:sp>
+        <p:nvSpPr>
+          <p:cNvPr id="121" name="Google Shape;121;gbe10b1220e_0_68:notes"/>
+          <p:cNvSpPr/>
+          <p:nvPr>
+            <p:ph idx="2" type="sldImg"/>
+          </p:nvPr>
+        </p:nvSpPr>
+        <p:spPr>
+          <a:xfrm>
+            <a:off x="381188" y="685800"/>
+            <a:ext cx="6096300" cy="3429000"/>
+          </a:xfrm>
+          <a:custGeom>
+            <a:rect b="b" l="l" r="r" t="t"/>
+            <a:pathLst>
+              <a:path extrusionOk="0" h="120000" w="120000">
+                <a:moveTo>
+                  <a:pt x="0" y="0"/>
+                </a:moveTo>
+                <a:lnTo>
+                  <a:pt x="120000" y="0"/>
+                </a:lnTo>
+                <a:lnTo>
+                  <a:pt x="120000" y="120000"/>
+                </a:lnTo>
+                <a:lnTo>
+                  <a:pt x="0" y="120000"/>
+                </a:lnTo>
+                <a:close/>
+              </a:path>
+            </a:pathLst>
+          </a:custGeom>
+        </p:spPr>
+      </p:sp>
+      <p:sp>
+        <p:nvSpPr>
+          <p:cNvPr id="122" name="Google Shape;122;gbe10b1220e_0_68:notes"/>
+          <p:cNvSpPr txBox="1"/>
+          <p:nvPr>
+            <p:ph idx="1" type="body"/>
+          </p:nvPr>
+        </p:nvSpPr>
+        <p:spPr>
+          <a:xfrm>
+            <a:off x="685800" y="4343400"/>
+            <a:ext cx="5486400" cy="4114800"/>
+          </a:xfrm>
+          <a:prstGeom prst="rect">
+            <a:avLst/>
+          </a:prstGeom>
+        </p:spPr>
+        <p:txBody>
+          <a:bodyPr anchorCtr="0" anchor="t" bIns="91425" lIns="91425" spcFirstLastPara="1" rIns="91425" wrap="square" tIns="91425">
+            <a:noAutofit/>
+          </a:bodyPr>
+          <a:lstStyle/>
+          <a:p>
+            <a:pPr indent="0" lvl="0" marL="0" rtl="0" algn="l">
+              <a:spcBef>
+                <a:spcPts val="0"/>
+              </a:spcBef>
+              <a:spcAft>
+                <a:spcPts val="0"/>
+              </a:spcAft>
+              <a:buNone/>
+            </a:pPr>
+            <a:r>
+              <a:t/>
+            </a:r>
+            <a:endParaRPr/>
+          </a:p>
+        </p:txBody>
+      </p:sp>
+    </p:spTree>
+  </p:cSld>
+  <p:clrMapOvr>
+    <a:masterClrMapping/>
+  </p:clrMapOvr>
+</p:notes>
+</file>
+
+<file path=ppt/notesSlides/notesSlide12.xml><?xml version="1.0" encoding="utf-8"?>
+<p:notes xmlns:a="http://schemas.openxmlformats.org/drawingml/2006/main" xmlns:r="http://schemas.openxmlformats.org/officeDocument/2006/relationships" xmlns:mc="http://schemas.openxmlformats.org/markup-compatibility/2006" xmlns:mv="urn:schemas-microsoft-com:mac:vml" xmlns:p="http://schemas.openxmlformats.org/presentationml/2006/main" xmlns:c="http://schemas.openxmlformats.org/drawingml/2006/chart" xmlns:dgm="http://schemas.openxmlformats.org/drawingml/2006/diagram" xmlns:o="urn:schemas-microsoft-com:office:office" xmlns:v="urn:schemas-microsoft-com:vml" xmlns:pvml="urn:schemas-microsoft-com:office:powerpoint" xmlns:com="http://schemas.openxmlformats.org/drawingml/2006/compatibility" xmlns:p14="http://schemas.microsoft.com/office/powerpoint/2010/main" xmlns:p15="http://schemas.microsoft.com/office/powerpoint/2012/main" xmlns:ahyp="http://schemas.microsoft.com/office/drawing/2018/hyperlinkcolor" showMasterPhAnim="0" showMasterSp="0">
+  <p:cSld>
+    <p:spTree>
+      <p:nvGrpSpPr>
+        <p:cNvPr id="128" name="Shape 128"/>
+        <p:cNvGrpSpPr/>
+        <p:nvPr/>
+      </p:nvGrpSpPr>
+      <p:grpSpPr>
+        <a:xfrm>
+          <a:off x="0" y="0"/>
+          <a:ext cx="0" cy="0"/>
+          <a:chOff x="0" y="0"/>
+          <a:chExt cx="0" cy="0"/>
+        </a:xfrm>
+      </p:grpSpPr>
+      <p:sp>
+        <p:nvSpPr>
+          <p:cNvPr id="129" name="Google Shape;129;gbe10b1220e_0_75:notes"/>
+          <p:cNvSpPr/>
+          <p:nvPr>
+            <p:ph idx="2" type="sldImg"/>
+          </p:nvPr>
+        </p:nvSpPr>
+        <p:spPr>
+          <a:xfrm>
+            <a:off x="381188" y="685800"/>
+            <a:ext cx="6096300" cy="3429000"/>
+          </a:xfrm>
+          <a:custGeom>
+            <a:rect b="b" l="l" r="r" t="t"/>
+            <a:pathLst>
+              <a:path extrusionOk="0" h="120000" w="120000">
+                <a:moveTo>
+                  <a:pt x="0" y="0"/>
+                </a:moveTo>
+                <a:lnTo>
+                  <a:pt x="120000" y="0"/>
+                </a:lnTo>
+                <a:lnTo>
+                  <a:pt x="120000" y="120000"/>
+                </a:lnTo>
+                <a:lnTo>
+                  <a:pt x="0" y="120000"/>
+                </a:lnTo>
+                <a:close/>
+              </a:path>
+            </a:pathLst>
+          </a:custGeom>
+        </p:spPr>
+      </p:sp>
+      <p:sp>
+        <p:nvSpPr>
+          <p:cNvPr id="130" name="Google Shape;130;gbe10b1220e_0_75:notes"/>
+          <p:cNvSpPr txBox="1"/>
+          <p:nvPr>
+            <p:ph idx="1" type="body"/>
+          </p:nvPr>
+        </p:nvSpPr>
+        <p:spPr>
+          <a:xfrm>
+            <a:off x="685800" y="4343400"/>
+            <a:ext cx="5486400" cy="4114800"/>
+          </a:xfrm>
+          <a:prstGeom prst="rect">
+            <a:avLst/>
+          </a:prstGeom>
+        </p:spPr>
+        <p:txBody>
+          <a:bodyPr anchorCtr="0" anchor="t" bIns="91425" lIns="91425" spcFirstLastPara="1" rIns="91425" wrap="square" tIns="91425">
+            <a:noAutofit/>
+          </a:bodyPr>
+          <a:lstStyle/>
+          <a:p>
+            <a:pPr indent="0" lvl="0" marL="0" rtl="0" algn="l">
+              <a:spcBef>
+                <a:spcPts val="0"/>
+              </a:spcBef>
+              <a:spcAft>
+                <a:spcPts val="0"/>
+              </a:spcAft>
+              <a:buNone/>
+            </a:pPr>
+            <a:r>
+              <a:t/>
+            </a:r>
+            <a:endParaRPr/>
+          </a:p>
+        </p:txBody>
+      </p:sp>
+    </p:spTree>
+  </p:cSld>
+  <p:clrMapOvr>
+    <a:masterClrMapping/>
+  </p:clrMapOvr>
+</p:notes>
+</file>
+
+<file path=ppt/notesSlides/notesSlide13.xml><?xml version="1.0" encoding="utf-8"?>
+<p:notes xmlns:a="http://schemas.openxmlformats.org/drawingml/2006/main" xmlns:r="http://schemas.openxmlformats.org/officeDocument/2006/relationships" xmlns:mc="http://schemas.openxmlformats.org/markup-compatibility/2006" xmlns:mv="urn:schemas-microsoft-com:mac:vml" xmlns:p="http://schemas.openxmlformats.org/presentationml/2006/main" xmlns:c="http://schemas.openxmlformats.org/drawingml/2006/chart" xmlns:dgm="http://schemas.openxmlformats.org/drawingml/2006/diagram" xmlns:o="urn:schemas-microsoft-com:office:office" xmlns:v="urn:schemas-microsoft-com:vml" xmlns:pvml="urn:schemas-microsoft-com:office:powerpoint" xmlns:com="http://schemas.openxmlformats.org/drawingml/2006/compatibility" xmlns:p14="http://schemas.microsoft.com/office/powerpoint/2010/main" xmlns:p15="http://schemas.microsoft.com/office/powerpoint/2012/main" xmlns:ahyp="http://schemas.microsoft.com/office/drawing/2018/hyperlinkcolor" showMasterPhAnim="0" showMasterSp="0">
+  <p:cSld>
+    <p:spTree>
+      <p:nvGrpSpPr>
+        <p:cNvPr id="136" name="Shape 136"/>
+        <p:cNvGrpSpPr/>
+        <p:nvPr/>
+      </p:nvGrpSpPr>
+      <p:grpSpPr>
+        <a:xfrm>
+          <a:off x="0" y="0"/>
+          <a:ext cx="0" cy="0"/>
+          <a:chOff x="0" y="0"/>
+          <a:chExt cx="0" cy="0"/>
+        </a:xfrm>
+      </p:grpSpPr>
+      <p:sp>
+        <p:nvSpPr>
+          <p:cNvPr id="137" name="Google Shape;137;gbe10b1220e_0_82:notes"/>
+          <p:cNvSpPr/>
+          <p:nvPr>
+            <p:ph idx="2" type="sldImg"/>
+          </p:nvPr>
+        </p:nvSpPr>
+        <p:spPr>
+          <a:xfrm>
+            <a:off x="381188" y="685800"/>
+            <a:ext cx="6096300" cy="3429000"/>
+          </a:xfrm>
+          <a:custGeom>
+            <a:rect b="b" l="l" r="r" t="t"/>
+            <a:pathLst>
+              <a:path extrusionOk="0" h="120000" w="120000">
+                <a:moveTo>
+                  <a:pt x="0" y="0"/>
+                </a:moveTo>
+                <a:lnTo>
+                  <a:pt x="120000" y="0"/>
+                </a:lnTo>
+                <a:lnTo>
+                  <a:pt x="120000" y="120000"/>
+                </a:lnTo>
+                <a:lnTo>
+                  <a:pt x="0" y="120000"/>
+                </a:lnTo>
+                <a:close/>
+              </a:path>
+            </a:pathLst>
+          </a:custGeom>
+        </p:spPr>
+      </p:sp>
+      <p:sp>
+        <p:nvSpPr>
+          <p:cNvPr id="138" name="Google Shape;138;gbe10b1220e_0_82:notes"/>
+          <p:cNvSpPr txBox="1"/>
+          <p:nvPr>
+            <p:ph idx="1" type="body"/>
+          </p:nvPr>
+        </p:nvSpPr>
+        <p:spPr>
+          <a:xfrm>
+            <a:off x="685800" y="4343400"/>
+            <a:ext cx="5486400" cy="4114800"/>
+          </a:xfrm>
+          <a:prstGeom prst="rect">
+            <a:avLst/>
+          </a:prstGeom>
+        </p:spPr>
+        <p:txBody>
+          <a:bodyPr anchorCtr="0" anchor="t" bIns="91425" lIns="91425" spcFirstLastPara="1" rIns="91425" wrap="square" tIns="91425">
+            <a:noAutofit/>
+          </a:bodyPr>
+          <a:lstStyle/>
+          <a:p>
+            <a:pPr indent="0" lvl="0" marL="0" rtl="0" algn="l">
+              <a:spcBef>
+                <a:spcPts val="0"/>
+              </a:spcBef>
+              <a:spcAft>
+                <a:spcPts val="0"/>
+              </a:spcAft>
+              <a:buNone/>
+            </a:pPr>
+            <a:r>
+              <a:t/>
+            </a:r>
+            <a:endParaRPr/>
+          </a:p>
+        </p:txBody>
+      </p:sp>
+    </p:spTree>
+  </p:cSld>
+  <p:clrMapOvr>
+    <a:masterClrMapping/>
+  </p:clrMapOvr>
+</p:notes>
+</file>
+
+<file path=ppt/notesSlides/notesSlide14.xml><?xml version="1.0" encoding="utf-8"?>
+<p:notes xmlns:a="http://schemas.openxmlformats.org/drawingml/2006/main" xmlns:r="http://schemas.openxmlformats.org/officeDocument/2006/relationships" xmlns:mc="http://schemas.openxmlformats.org/markup-compatibility/2006" xmlns:mv="urn:schemas-microsoft-com:mac:vml" xmlns:p="http://schemas.openxmlformats.org/presentationml/2006/main" xmlns:c="http://schemas.openxmlformats.org/drawingml/2006/chart" xmlns:dgm="http://schemas.openxmlformats.org/drawingml/2006/diagram" xmlns:o="urn:schemas-microsoft-com:office:office" xmlns:v="urn:schemas-microsoft-com:vml" xmlns:pvml="urn:schemas-microsoft-com:office:powerpoint" xmlns:com="http://schemas.openxmlformats.org/drawingml/2006/compatibility" xmlns:p14="http://schemas.microsoft.com/office/powerpoint/2010/main" xmlns:p15="http://schemas.microsoft.com/office/powerpoint/2012/main" xmlns:ahyp="http://schemas.microsoft.com/office/drawing/2018/hyperlinkcolor" showMasterPhAnim="0" showMasterSp="0">
+  <p:cSld>
+    <p:spTree>
+      <p:nvGrpSpPr>
+        <p:cNvPr id="145" name="Shape 145"/>
+        <p:cNvGrpSpPr/>
+        <p:nvPr/>
+      </p:nvGrpSpPr>
+      <p:grpSpPr>
+        <a:xfrm>
+          <a:off x="0" y="0"/>
+          <a:ext cx="0" cy="0"/>
+          <a:chOff x="0" y="0"/>
+          <a:chExt cx="0" cy="0"/>
+        </a:xfrm>
+      </p:grpSpPr>
+      <p:sp>
+        <p:nvSpPr>
+          <p:cNvPr id="146" name="Google Shape;146;gbe10b1220e_0_90:notes"/>
+          <p:cNvSpPr/>
+          <p:nvPr>
+            <p:ph idx="2" type="sldImg"/>
+          </p:nvPr>
+        </p:nvSpPr>
+        <p:spPr>
+          <a:xfrm>
+            <a:off x="381188" y="685800"/>
+            <a:ext cx="6096300" cy="3429000"/>
+          </a:xfrm>
+          <a:custGeom>
+            <a:rect b="b" l="l" r="r" t="t"/>
+            <a:pathLst>
+              <a:path extrusionOk="0" h="120000" w="120000">
+                <a:moveTo>
+                  <a:pt x="0" y="0"/>
+                </a:moveTo>
+                <a:lnTo>
+                  <a:pt x="120000" y="0"/>
+                </a:lnTo>
+                <a:lnTo>
+                  <a:pt x="120000" y="120000"/>
+                </a:lnTo>
+                <a:lnTo>
+                  <a:pt x="0" y="120000"/>
+                </a:lnTo>
+                <a:close/>
+              </a:path>
+            </a:pathLst>
+          </a:custGeom>
+        </p:spPr>
+      </p:sp>
+      <p:sp>
+        <p:nvSpPr>
+          <p:cNvPr id="147" name="Google Shape;147;gbe10b1220e_0_90:notes"/>
+          <p:cNvSpPr txBox="1"/>
+          <p:nvPr>
+            <p:ph idx="1" type="body"/>
+          </p:nvPr>
+        </p:nvSpPr>
+        <p:spPr>
+          <a:xfrm>
+            <a:off x="685800" y="4343400"/>
+            <a:ext cx="5486400" cy="4114800"/>
+          </a:xfrm>
+          <a:prstGeom prst="rect">
+            <a:avLst/>
+          </a:prstGeom>
+        </p:spPr>
+        <p:txBody>
+          <a:bodyPr anchorCtr="0" anchor="t" bIns="91425" lIns="91425" spcFirstLastPara="1" rIns="91425" wrap="square" tIns="91425">
+            <a:noAutofit/>
+          </a:bodyPr>
+          <a:lstStyle/>
+          <a:p>
+            <a:pPr indent="0" lvl="0" marL="0" rtl="0" algn="l">
+              <a:spcBef>
+                <a:spcPts val="0"/>
+              </a:spcBef>
+              <a:spcAft>
+                <a:spcPts val="0"/>
+              </a:spcAft>
+              <a:buNone/>
+            </a:pPr>
+            <a:r>
+              <a:t/>
+            </a:r>
+            <a:endParaRPr/>
+          </a:p>
+        </p:txBody>
+      </p:sp>
+    </p:spTree>
+  </p:cSld>
+  <p:clrMapOvr>
+    <a:masterClrMapping/>
+  </p:clrMapOvr>
+</p:notes>
+</file>
+
+<file path=ppt/notesSlides/notesSlide15.xml><?xml version="1.0" encoding="utf-8"?>
+<p:notes xmlns:a="http://schemas.openxmlformats.org/drawingml/2006/main" xmlns:r="http://schemas.openxmlformats.org/officeDocument/2006/relationships" xmlns:mc="http://schemas.openxmlformats.org/markup-compatibility/2006" xmlns:mv="urn:schemas-microsoft-com:mac:vml" xmlns:p="http://schemas.openxmlformats.org/presentationml/2006/main" xmlns:c="http://schemas.openxmlformats.org/drawingml/2006/chart" xmlns:dgm="http://schemas.openxmlformats.org/drawingml/2006/diagram" xmlns:o="urn:schemas-microsoft-com:office:office" xmlns:v="urn:schemas-microsoft-com:vml" xmlns:pvml="urn:schemas-microsoft-com:office:powerpoint" xmlns:com="http://schemas.openxmlformats.org/drawingml/2006/compatibility" xmlns:p14="http://schemas.microsoft.com/office/powerpoint/2010/main" xmlns:p15="http://schemas.microsoft.com/office/powerpoint/2012/main" xmlns:ahyp="http://schemas.microsoft.com/office/drawing/2018/hyperlinkcolor" showMasterPhAnim="0" showMasterSp="0">
+  <p:cSld>
+    <p:spTree>
+      <p:nvGrpSpPr>
+        <p:cNvPr id="154" name="Shape 154"/>
+        <p:cNvGrpSpPr/>
+        <p:nvPr/>
+      </p:nvGrpSpPr>
+      <p:grpSpPr>
+        <a:xfrm>
+          <a:off x="0" y="0"/>
+          <a:ext cx="0" cy="0"/>
+          <a:chOff x="0" y="0"/>
+          <a:chExt cx="0" cy="0"/>
+        </a:xfrm>
+      </p:grpSpPr>
+      <p:sp>
+        <p:nvSpPr>
+          <p:cNvPr id="155" name="Google Shape;155;gbe10b1220e_0_97:notes"/>
+          <p:cNvSpPr/>
+          <p:nvPr>
+            <p:ph idx="2" type="sldImg"/>
+          </p:nvPr>
+        </p:nvSpPr>
+        <p:spPr>
+          <a:xfrm>
+            <a:off x="381188" y="685800"/>
+            <a:ext cx="6096300" cy="3429000"/>
+          </a:xfrm>
+          <a:custGeom>
+            <a:rect b="b" l="l" r="r" t="t"/>
+            <a:pathLst>
+              <a:path extrusionOk="0" h="120000" w="120000">
+                <a:moveTo>
+                  <a:pt x="0" y="0"/>
+                </a:moveTo>
+                <a:lnTo>
+                  <a:pt x="120000" y="0"/>
+                </a:lnTo>
+                <a:lnTo>
+                  <a:pt x="120000" y="120000"/>
+                </a:lnTo>
+                <a:lnTo>
+                  <a:pt x="0" y="120000"/>
+                </a:lnTo>
+                <a:close/>
+              </a:path>
+            </a:pathLst>
+          </a:custGeom>
+        </p:spPr>
+      </p:sp>
+      <p:sp>
+        <p:nvSpPr>
+          <p:cNvPr id="156" name="Google Shape;156;gbe10b1220e_0_97:notes"/>
+          <p:cNvSpPr txBox="1"/>
+          <p:nvPr>
+            <p:ph idx="1" type="body"/>
+          </p:nvPr>
+        </p:nvSpPr>
+        <p:spPr>
+          <a:xfrm>
+            <a:off x="685800" y="4343400"/>
+            <a:ext cx="5486400" cy="4114800"/>
+          </a:xfrm>
+          <a:prstGeom prst="rect">
+            <a:avLst/>
+          </a:prstGeom>
+        </p:spPr>
+        <p:txBody>
+          <a:bodyPr anchorCtr="0" anchor="t" bIns="91425" lIns="91425" spcFirstLastPara="1" rIns="91425" wrap="square" tIns="91425">
+            <a:noAutofit/>
+          </a:bodyPr>
+          <a:lstStyle/>
+          <a:p>
+            <a:pPr indent="0" lvl="0" marL="0" rtl="0" algn="l">
+              <a:spcBef>
+                <a:spcPts val="0"/>
+              </a:spcBef>
+              <a:spcAft>
+                <a:spcPts val="0"/>
+              </a:spcAft>
+              <a:buNone/>
+            </a:pPr>
+            <a:r>
+              <a:t/>
+            </a:r>
+            <a:endParaRPr/>
+          </a:p>
+        </p:txBody>
+      </p:sp>
+    </p:spTree>
+  </p:cSld>
+  <p:clrMapOvr>
+    <a:masterClrMapping/>
+  </p:clrMapOvr>
+</p:notes>
+</file>
+
+<file path=ppt/notesSlides/notesSlide16.xml><?xml version="1.0" encoding="utf-8"?>
+<p:notes xmlns:a="http://schemas.openxmlformats.org/drawingml/2006/main" xmlns:r="http://schemas.openxmlformats.org/officeDocument/2006/relationships" xmlns:mc="http://schemas.openxmlformats.org/markup-compatibility/2006" xmlns:mv="urn:schemas-microsoft-com:mac:vml" xmlns:p="http://schemas.openxmlformats.org/presentationml/2006/main" xmlns:c="http://schemas.openxmlformats.org/drawingml/2006/chart" xmlns:dgm="http://schemas.openxmlformats.org/drawingml/2006/diagram" xmlns:o="urn:schemas-microsoft-com:office:office" xmlns:v="urn:schemas-microsoft-com:vml" xmlns:pvml="urn:schemas-microsoft-com:office:powerpoint" xmlns:com="http://schemas.openxmlformats.org/drawingml/2006/compatibility" xmlns:p14="http://schemas.microsoft.com/office/powerpoint/2010/main" xmlns:p15="http://schemas.microsoft.com/office/powerpoint/2012/main" xmlns:ahyp="http://schemas.microsoft.com/office/drawing/2018/hyperlinkcolor" showMasterPhAnim="0" showMasterSp="0">
+  <p:cSld>
+    <p:spTree>
+      <p:nvGrpSpPr>
+        <p:cNvPr id="163" name="Shape 163"/>
+        <p:cNvGrpSpPr/>
+        <p:nvPr/>
+      </p:nvGrpSpPr>
+      <p:grpSpPr>
+        <a:xfrm>
+          <a:off x="0" y="0"/>
+          <a:ext cx="0" cy="0"/>
+          <a:chOff x="0" y="0"/>
+          <a:chExt cx="0" cy="0"/>
+        </a:xfrm>
+      </p:grpSpPr>
+      <p:sp>
+        <p:nvSpPr>
+          <p:cNvPr id="164" name="Google Shape;164;gbe10b1220e_0_104:notes"/>
+          <p:cNvSpPr/>
+          <p:nvPr>
+            <p:ph idx="2" type="sldImg"/>
+          </p:nvPr>
+        </p:nvSpPr>
+        <p:spPr>
+          <a:xfrm>
+            <a:off x="381188" y="685800"/>
+            <a:ext cx="6096300" cy="3429000"/>
+          </a:xfrm>
+          <a:custGeom>
+            <a:rect b="b" l="l" r="r" t="t"/>
+            <a:pathLst>
+              <a:path extrusionOk="0" h="120000" w="120000">
+                <a:moveTo>
+                  <a:pt x="0" y="0"/>
+                </a:moveTo>
+                <a:lnTo>
+                  <a:pt x="120000" y="0"/>
+                </a:lnTo>
+                <a:lnTo>
+                  <a:pt x="120000" y="120000"/>
+                </a:lnTo>
+                <a:lnTo>
+                  <a:pt x="0" y="120000"/>
+                </a:lnTo>
+                <a:close/>
+              </a:path>
+            </a:pathLst>
+          </a:custGeom>
+        </p:spPr>
+      </p:sp>
+      <p:sp>
+        <p:nvSpPr>
+          <p:cNvPr id="165" name="Google Shape;165;gbe10b1220e_0_104:notes"/>
+          <p:cNvSpPr txBox="1"/>
+          <p:nvPr>
+            <p:ph idx="1" type="body"/>
+          </p:nvPr>
+        </p:nvSpPr>
+        <p:spPr>
+          <a:xfrm>
+            <a:off x="685800" y="4343400"/>
+            <a:ext cx="5486400" cy="4114800"/>
+          </a:xfrm>
+          <a:prstGeom prst="rect">
+            <a:avLst/>
+          </a:prstGeom>
+        </p:spPr>
+        <p:txBody>
+          <a:bodyPr anchorCtr="0" anchor="t" bIns="91425" lIns="91425" spcFirstLastPara="1" rIns="91425" wrap="square" tIns="91425">
+            <a:noAutofit/>
+          </a:bodyPr>
+          <a:lstStyle/>
+          <a:p>
+            <a:pPr indent="0" lvl="0" marL="0" rtl="0" algn="l">
+              <a:spcBef>
+                <a:spcPts val="0"/>
+              </a:spcBef>
+              <a:spcAft>
+                <a:spcPts val="0"/>
+              </a:spcAft>
+              <a:buNone/>
+            </a:pPr>
+            <a:r>
+              <a:t/>
+            </a:r>
+            <a:endParaRPr/>
+          </a:p>
+        </p:txBody>
+      </p:sp>
+    </p:spTree>
+  </p:cSld>
+  <p:clrMapOvr>
+    <a:masterClrMapping/>
+  </p:clrMapOvr>
+</p:notes>
+</file>
+
+<file path=ppt/notesSlides/notesSlide17.xml><?xml version="1.0" encoding="utf-8"?>
+<p:notes xmlns:a="http://schemas.openxmlformats.org/drawingml/2006/main" xmlns:r="http://schemas.openxmlformats.org/officeDocument/2006/relationships" xmlns:mc="http://schemas.openxmlformats.org/markup-compatibility/2006" xmlns:mv="urn:schemas-microsoft-com:mac:vml" xmlns:p="http://schemas.openxmlformats.org/presentationml/2006/main" xmlns:c="http://schemas.openxmlformats.org/drawingml/2006/chart" xmlns:dgm="http://schemas.openxmlformats.org/drawingml/2006/diagram" xmlns:o="urn:schemas-microsoft-com:office:office" xmlns:v="urn:schemas-microsoft-com:vml" xmlns:pvml="urn:schemas-microsoft-com:office:powerpoint" xmlns:com="http://schemas.openxmlformats.org/drawingml/2006/compatibility" xmlns:p14="http://schemas.microsoft.com/office/powerpoint/2010/main" xmlns:p15="http://schemas.microsoft.com/office/powerpoint/2012/main" xmlns:ahyp="http://schemas.microsoft.com/office/drawing/2018/hyperlinkcolor" showMasterPhAnim="0" showMasterSp="0">
+  <p:cSld>
+    <p:spTree>
+      <p:nvGrpSpPr>
+        <p:cNvPr id="172" name="Shape 172"/>
+        <p:cNvGrpSpPr/>
+        <p:nvPr/>
+      </p:nvGrpSpPr>
+      <p:grpSpPr>
+        <a:xfrm>
+          <a:off x="0" y="0"/>
+          <a:ext cx="0" cy="0"/>
+          <a:chOff x="0" y="0"/>
+          <a:chExt cx="0" cy="0"/>
+        </a:xfrm>
+      </p:grpSpPr>
+      <p:sp>
+        <p:nvSpPr>
+          <p:cNvPr id="173" name="Google Shape;173;gbe10b1220e_0_124:notes"/>
+          <p:cNvSpPr/>
+          <p:nvPr>
+            <p:ph idx="2" type="sldImg"/>
+          </p:nvPr>
+        </p:nvSpPr>
+        <p:spPr>
+          <a:xfrm>
+            <a:off x="381188" y="685800"/>
+            <a:ext cx="6096300" cy="3429000"/>
+          </a:xfrm>
+          <a:custGeom>
+            <a:rect b="b" l="l" r="r" t="t"/>
+            <a:pathLst>
+              <a:path extrusionOk="0" h="120000" w="120000">
+                <a:moveTo>
+                  <a:pt x="0" y="0"/>
+                </a:moveTo>
+                <a:lnTo>
+                  <a:pt x="120000" y="0"/>
+                </a:lnTo>
+                <a:lnTo>
+                  <a:pt x="120000" y="120000"/>
+                </a:lnTo>
+                <a:lnTo>
+                  <a:pt x="0" y="120000"/>
+                </a:lnTo>
+                <a:close/>
+              </a:path>
+            </a:pathLst>
+          </a:custGeom>
+        </p:spPr>
+      </p:sp>
+      <p:sp>
+        <p:nvSpPr>
+          <p:cNvPr id="174" name="Google Shape;174;gbe10b1220e_0_124:notes"/>
+          <p:cNvSpPr txBox="1"/>
+          <p:nvPr>
+            <p:ph idx="1" type="body"/>
+          </p:nvPr>
+        </p:nvSpPr>
+        <p:spPr>
+          <a:xfrm>
+            <a:off x="685800" y="4343400"/>
+            <a:ext cx="5486400" cy="4114800"/>
+          </a:xfrm>
+          <a:prstGeom prst="rect">
+            <a:avLst/>
+          </a:prstGeom>
+        </p:spPr>
+        <p:txBody>
+          <a:bodyPr anchorCtr="0" anchor="t" bIns="91425" lIns="91425" spcFirstLastPara="1" rIns="91425" wrap="square" tIns="91425">
+            <a:noAutofit/>
+          </a:bodyPr>
+          <a:lstStyle/>
+          <a:p>
+            <a:pPr indent="0" lvl="0" marL="0" rtl="0" algn="l">
+              <a:spcBef>
+                <a:spcPts val="0"/>
+              </a:spcBef>
+              <a:spcAft>
+                <a:spcPts val="0"/>
+              </a:spcAft>
+              <a:buNone/>
+            </a:pPr>
+            <a:r>
+              <a:t/>
+            </a:r>
+            <a:endParaRPr/>
+          </a:p>
+        </p:txBody>
+      </p:sp>
+    </p:spTree>
+  </p:cSld>
+  <p:clrMapOvr>
+    <a:masterClrMapping/>
+  </p:clrMapOvr>
+</p:notes>
+</file>
+
+<file path=ppt/notesSlides/notesSlide18.xml><?xml version="1.0" encoding="utf-8"?>
+<p:notes xmlns:a="http://schemas.openxmlformats.org/drawingml/2006/main" xmlns:r="http://schemas.openxmlformats.org/officeDocument/2006/relationships" xmlns:mc="http://schemas.openxmlformats.org/markup-compatibility/2006" xmlns:mv="urn:schemas-microsoft-com:mac:vml" xmlns:p="http://schemas.openxmlformats.org/presentationml/2006/main" xmlns:c="http://schemas.openxmlformats.org/drawingml/2006/chart" xmlns:dgm="http://schemas.openxmlformats.org/drawingml/2006/diagram" xmlns:o="urn:schemas-microsoft-com:office:office" xmlns:v="urn:schemas-microsoft-com:vml" xmlns:pvml="urn:schemas-microsoft-com:office:powerpoint" xmlns:com="http://schemas.openxmlformats.org/drawingml/2006/compatibility" xmlns:p14="http://schemas.microsoft.com/office/powerpoint/2010/main" xmlns:p15="http://schemas.microsoft.com/office/powerpoint/2012/main" xmlns:ahyp="http://schemas.microsoft.com/office/drawing/2018/hyperlinkcolor" showMasterPhAnim="0" showMasterSp="0">
+  <p:cSld>
+    <p:spTree>
+      <p:nvGrpSpPr>
+        <p:cNvPr id="180" name="Shape 180"/>
+        <p:cNvGrpSpPr/>
+        <p:nvPr/>
+      </p:nvGrpSpPr>
+      <p:grpSpPr>
+        <a:xfrm>
+          <a:off x="0" y="0"/>
+          <a:ext cx="0" cy="0"/>
+          <a:chOff x="0" y="0"/>
+          <a:chExt cx="0" cy="0"/>
+        </a:xfrm>
+      </p:grpSpPr>
+      <p:sp>
+        <p:nvSpPr>
+          <p:cNvPr id="181" name="Google Shape;181;gb078ea1e8c_0_51:notes"/>
+          <p:cNvSpPr/>
+          <p:nvPr>
+            <p:ph idx="2" type="sldImg"/>
+          </p:nvPr>
+        </p:nvSpPr>
+        <p:spPr>
+          <a:xfrm>
+            <a:off x="381188" y="685800"/>
+            <a:ext cx="6096300" cy="3429000"/>
+          </a:xfrm>
+          <a:custGeom>
+            <a:rect b="b" l="l" r="r" t="t"/>
+            <a:pathLst>
+              <a:path extrusionOk="0" h="120000" w="120000">
+                <a:moveTo>
+                  <a:pt x="0" y="0"/>
+                </a:moveTo>
+                <a:lnTo>
+                  <a:pt x="120000" y="0"/>
+                </a:lnTo>
+                <a:lnTo>
+                  <a:pt x="120000" y="120000"/>
+                </a:lnTo>
+                <a:lnTo>
+                  <a:pt x="0" y="120000"/>
+                </a:lnTo>
+                <a:close/>
+              </a:path>
+            </a:pathLst>
+          </a:custGeom>
+        </p:spPr>
+      </p:sp>
+      <p:sp>
+        <p:nvSpPr>
+          <p:cNvPr id="182" name="Google Shape;182;gb078ea1e8c_0_51:notes"/>
+          <p:cNvSpPr txBox="1"/>
+          <p:nvPr>
+            <p:ph idx="1" type="body"/>
+          </p:nvPr>
+        </p:nvSpPr>
+        <p:spPr>
+          <a:xfrm>
+            <a:off x="685800" y="4343400"/>
+            <a:ext cx="5486400" cy="4114800"/>
+          </a:xfrm>
+          <a:prstGeom prst="rect">
+            <a:avLst/>
+          </a:prstGeom>
+        </p:spPr>
+        <p:txBody>
+          <a:bodyPr anchorCtr="0" anchor="t" bIns="91425" lIns="91425" spcFirstLastPara="1" rIns="91425" wrap="square" tIns="91425">
+            <a:noAutofit/>
+          </a:bodyPr>
+          <a:lstStyle/>
+          <a:p>
+            <a:pPr indent="0" lvl="0" marL="0" rtl="0" algn="l">
+              <a:spcBef>
+                <a:spcPts val="0"/>
+              </a:spcBef>
+              <a:spcAft>
+                <a:spcPts val="0"/>
+              </a:spcAft>
+              <a:buNone/>
+            </a:pPr>
+            <a:r>
+              <a:t/>
+            </a:r>
+            <a:endParaRPr/>
+          </a:p>
+        </p:txBody>
+      </p:sp>
+    </p:spTree>
+  </p:cSld>
+  <p:clrMapOvr>
+    <a:masterClrMapping/>
+  </p:clrMapOvr>
+</p:notes>
+</file>
+
+<file path=ppt/notesSlides/notesSlide19.xml><?xml version="1.0" encoding="utf-8"?>
+<p:notes xmlns:a="http://schemas.openxmlformats.org/drawingml/2006/main" xmlns:r="http://schemas.openxmlformats.org/officeDocument/2006/relationships" xmlns:mc="http://schemas.openxmlformats.org/markup-compatibility/2006" xmlns:mv="urn:schemas-microsoft-com:mac:vml" xmlns:p="http://schemas.openxmlformats.org/presentationml/2006/main" xmlns:c="http://schemas.openxmlformats.org/drawingml/2006/chart" xmlns:dgm="http://schemas.openxmlformats.org/drawingml/2006/diagram" xmlns:o="urn:schemas-microsoft-com:office:office" xmlns:v="urn:schemas-microsoft-com:vml" xmlns:pvml="urn:schemas-microsoft-com:office:powerpoint" xmlns:com="http://schemas.openxmlformats.org/drawingml/2006/compatibility" xmlns:p14="http://schemas.microsoft.com/office/powerpoint/2010/main" xmlns:p15="http://schemas.microsoft.com/office/powerpoint/2012/main" xmlns:ahyp="http://schemas.microsoft.com/office/drawing/2018/hyperlinkcolor" showMasterPhAnim="0" showMasterSp="0">
+  <p:cSld>
+    <p:spTree>
+      <p:nvGrpSpPr>
+        <p:cNvPr id="188" name="Shape 188"/>
+        <p:cNvGrpSpPr/>
+        <p:nvPr/>
+      </p:nvGrpSpPr>
+      <p:grpSpPr>
+        <a:xfrm>
+          <a:off x="0" y="0"/>
+          <a:ext cx="0" cy="0"/>
+          <a:chOff x="0" y="0"/>
+          <a:chExt cx="0" cy="0"/>
+        </a:xfrm>
+      </p:grpSpPr>
+      <p:sp>
+        <p:nvSpPr>
+          <p:cNvPr id="189" name="Google Shape;189;gbe10b1220e_0_114:notes"/>
+          <p:cNvSpPr/>
+          <p:nvPr>
+            <p:ph idx="2" type="sldImg"/>
+          </p:nvPr>
+        </p:nvSpPr>
+        <p:spPr>
+          <a:xfrm>
+            <a:off x="381188" y="685800"/>
+            <a:ext cx="6096300" cy="3429000"/>
+          </a:xfrm>
+          <a:custGeom>
+            <a:rect b="b" l="l" r="r" t="t"/>
+            <a:pathLst>
+              <a:path extrusionOk="0" h="120000" w="120000">
+                <a:moveTo>
+                  <a:pt x="0" y="0"/>
+                </a:moveTo>
+                <a:lnTo>
+                  <a:pt x="120000" y="0"/>
+                </a:lnTo>
+                <a:lnTo>
+                  <a:pt x="120000" y="120000"/>
+                </a:lnTo>
+                <a:lnTo>
+                  <a:pt x="0" y="120000"/>
+                </a:lnTo>
+                <a:close/>
+              </a:path>
+            </a:pathLst>
+          </a:custGeom>
+        </p:spPr>
+      </p:sp>
+      <p:sp>
+        <p:nvSpPr>
+          <p:cNvPr id="190" name="Google Shape;190;gbe10b1220e_0_114:notes"/>
           <p:cNvSpPr txBox="1"/>
           <p:nvPr>
             <p:ph idx="1" type="body"/>
@@ -1011,7 +1911,7 @@
   <p:cSld>
     <p:spTree>
       <p:nvGrpSpPr>
-        <p:cNvPr id="66" name="Shape 66"/>
+        <p:cNvPr id="67" name="Shape 67"/>
         <p:cNvGrpSpPr/>
         <p:nvPr/>
       </p:nvGrpSpPr>
@@ -1025,7 +1925,7 @@
       </p:grpSpPr>
       <p:sp>
         <p:nvSpPr>
-          <p:cNvPr id="67" name="Google Shape;67;gb078ea1e8c_0_3:notes"/>
+          <p:cNvPr id="68" name="Google Shape;68;gbe10b1220e_0_134:notes"/>
           <p:cNvSpPr/>
           <p:nvPr>
             <p:ph idx="2" type="sldImg"/>
@@ -1060,7 +1960,7 @@
       </p:sp>
       <p:sp>
         <p:nvSpPr>
-          <p:cNvPr id="68" name="Google Shape;68;gb078ea1e8c_0_3:notes"/>
+          <p:cNvPr id="69" name="Google Shape;69;gbe10b1220e_0_134:notes"/>
           <p:cNvSpPr txBox="1"/>
           <p:nvPr>
             <p:ph idx="1" type="body"/>
@@ -1124,7 +2024,7 @@
       </p:grpSpPr>
       <p:sp>
         <p:nvSpPr>
-          <p:cNvPr id="75" name="Google Shape;75;gc6f59039d_0_20:notes"/>
+          <p:cNvPr id="75" name="Google Shape;75;gb078ea1e8c_0_3:notes"/>
           <p:cNvSpPr/>
           <p:nvPr>
             <p:ph idx="2" type="sldImg"/>
@@ -1159,7 +2059,7 @@
       </p:sp>
       <p:sp>
         <p:nvSpPr>
-          <p:cNvPr id="76" name="Google Shape;76;gc6f59039d_0_20:notes"/>
+          <p:cNvPr id="76" name="Google Shape;76;gb078ea1e8c_0_3:notes"/>
           <p:cNvSpPr txBox="1"/>
           <p:nvPr>
             <p:ph idx="1" type="body"/>
@@ -1209,7 +2109,7 @@
   <p:cSld>
     <p:spTree>
       <p:nvGrpSpPr>
-        <p:cNvPr id="79" name="Shape 79"/>
+        <p:cNvPr id="82" name="Shape 82"/>
         <p:cNvGrpSpPr/>
         <p:nvPr/>
       </p:nvGrpSpPr>
@@ -1223,7 +2123,7 @@
       </p:grpSpPr>
       <p:sp>
         <p:nvSpPr>
-          <p:cNvPr id="80" name="Google Shape;80;gb078ea1e8c_0_12:notes"/>
+          <p:cNvPr id="83" name="Google Shape;83;gc6f59039d_0_20:notes"/>
           <p:cNvSpPr/>
           <p:nvPr>
             <p:ph idx="2" type="sldImg"/>
@@ -1258,7 +2158,7 @@
       </p:sp>
       <p:sp>
         <p:nvSpPr>
-          <p:cNvPr id="81" name="Google Shape;81;gb078ea1e8c_0_12:notes"/>
+          <p:cNvPr id="84" name="Google Shape;84;gc6f59039d_0_20:notes"/>
           <p:cNvSpPr txBox="1"/>
           <p:nvPr>
             <p:ph idx="1" type="body"/>
@@ -1322,7 +2222,7 @@
       </p:grpSpPr>
       <p:sp>
         <p:nvSpPr>
-          <p:cNvPr id="88" name="Google Shape;88;gb078ea1e8c_0_26:notes"/>
+          <p:cNvPr id="88" name="Google Shape;88;gb078ea1e8c_0_12:notes"/>
           <p:cNvSpPr/>
           <p:nvPr>
             <p:ph idx="2" type="sldImg"/>
@@ -1357,7 +2257,7 @@
       </p:sp>
       <p:sp>
         <p:nvSpPr>
-          <p:cNvPr id="89" name="Google Shape;89;gb078ea1e8c_0_26:notes"/>
+          <p:cNvPr id="89" name="Google Shape;89;gb078ea1e8c_0_12:notes"/>
           <p:cNvSpPr txBox="1"/>
           <p:nvPr>
             <p:ph idx="1" type="body"/>
@@ -1407,7 +2307,7 @@
   <p:cSld>
     <p:spTree>
       <p:nvGrpSpPr>
-        <p:cNvPr id="92" name="Shape 92"/>
+        <p:cNvPr id="95" name="Shape 95"/>
         <p:cNvGrpSpPr/>
         <p:nvPr/>
       </p:nvGrpSpPr>
@@ -1421,7 +2321,7 @@
       </p:grpSpPr>
       <p:sp>
         <p:nvSpPr>
-          <p:cNvPr id="93" name="Google Shape;93;gb078ea1e8c_0_30:notes"/>
+          <p:cNvPr id="96" name="Google Shape;96;gb078ea1e8c_0_26:notes"/>
           <p:cNvSpPr/>
           <p:nvPr>
             <p:ph idx="2" type="sldImg"/>
@@ -1456,7 +2356,7 @@
       </p:sp>
       <p:sp>
         <p:nvSpPr>
-          <p:cNvPr id="94" name="Google Shape;94;gb078ea1e8c_0_30:notes"/>
+          <p:cNvPr id="97" name="Google Shape;97;gb078ea1e8c_0_26:notes"/>
           <p:cNvSpPr txBox="1"/>
           <p:nvPr>
             <p:ph idx="1" type="body"/>
@@ -1520,7 +2420,7 @@
       </p:grpSpPr>
       <p:sp>
         <p:nvSpPr>
-          <p:cNvPr id="101" name="Google Shape;101;gb078ea1e8c_0_39:notes"/>
+          <p:cNvPr id="101" name="Google Shape;101;gb078ea1e8c_0_30:notes"/>
           <p:cNvSpPr/>
           <p:nvPr>
             <p:ph idx="2" type="sldImg"/>
@@ -1555,7 +2455,7 @@
       </p:sp>
       <p:sp>
         <p:nvSpPr>
-          <p:cNvPr id="102" name="Google Shape;102;gb078ea1e8c_0_39:notes"/>
+          <p:cNvPr id="102" name="Google Shape;102;gb078ea1e8c_0_30:notes"/>
           <p:cNvSpPr txBox="1"/>
           <p:nvPr>
             <p:ph idx="1" type="body"/>
@@ -1605,7 +2505,7 @@
   <p:cSld>
     <p:spTree>
       <p:nvGrpSpPr>
-        <p:cNvPr id="105" name="Shape 105"/>
+        <p:cNvPr id="108" name="Shape 108"/>
         <p:cNvGrpSpPr/>
         <p:nvPr/>
       </p:nvGrpSpPr>
@@ -1619,7 +2519,7 @@
       </p:grpSpPr>
       <p:sp>
         <p:nvSpPr>
-          <p:cNvPr id="106" name="Google Shape;106;gb078ea1e8c_0_43:notes"/>
+          <p:cNvPr id="109" name="Google Shape;109;gb078ea1e8c_0_39:notes"/>
           <p:cNvSpPr/>
           <p:nvPr>
             <p:ph idx="2" type="sldImg"/>
@@ -1654,7 +2554,7 @@
       </p:sp>
       <p:sp>
         <p:nvSpPr>
-          <p:cNvPr id="107" name="Google Shape;107;gb078ea1e8c_0_43:notes"/>
+          <p:cNvPr id="110" name="Google Shape;110;gb078ea1e8c_0_39:notes"/>
           <p:cNvSpPr txBox="1"/>
           <p:nvPr>
             <p:ph idx="1" type="body"/>
@@ -7138,7 +8038,7 @@
             </a:pPr>
             <a:r>
               <a:rPr lang="es"/>
-              <a:t>Fecha:</a:t>
+              <a:t>Fecha: 12-Febrero-2021</a:t>
             </a:r>
             <a:endParaRPr/>
           </a:p>
@@ -7157,7 +8057,7 @@
   <p:cSld>
     <p:spTree>
       <p:nvGrpSpPr>
-        <p:cNvPr id="115" name="Shape 115"/>
+        <p:cNvPr id="116" name="Shape 116"/>
         <p:cNvGrpSpPr/>
         <p:nvPr/>
       </p:nvGrpSpPr>
@@ -7171,7 +8071,7 @@
       </p:grpSpPr>
       <p:sp>
         <p:nvSpPr>
-          <p:cNvPr id="116" name="Google Shape;116;p22"/>
+          <p:cNvPr id="117" name="Google Shape;117;p22"/>
           <p:cNvSpPr txBox="1"/>
           <p:nvPr>
             <p:ph type="title"/>
@@ -7203,47 +8103,7 @@
             </a:pPr>
             <a:r>
               <a:rPr lang="es"/>
-              <a:t>poda</a:t>
-            </a:r>
-            <a:endParaRPr/>
-          </a:p>
-        </p:txBody>
-      </p:sp>
-      <p:sp>
-        <p:nvSpPr>
-          <p:cNvPr id="117" name="Google Shape;117;p22"/>
-          <p:cNvSpPr txBox="1"/>
-          <p:nvPr>
-            <p:ph idx="1" type="body"/>
-          </p:nvPr>
-        </p:nvSpPr>
-        <p:spPr>
-          <a:xfrm>
-            <a:off x="311700" y="4179700"/>
-            <a:ext cx="3102300" cy="801000"/>
-          </a:xfrm>
-          <a:prstGeom prst="rect">
-            <a:avLst/>
-          </a:prstGeom>
-        </p:spPr>
-        <p:txBody>
-          <a:bodyPr anchorCtr="0" anchor="t" bIns="91425" lIns="91425" spcFirstLastPara="1" rIns="91425" wrap="square" tIns="91425">
-            <a:noAutofit/>
-          </a:bodyPr>
-          <a:lstStyle/>
-          <a:p>
-            <a:pPr indent="0" lvl="0" marL="0" rtl="0" algn="l">
-              <a:spcBef>
-                <a:spcPts val="0"/>
-              </a:spcBef>
-              <a:spcAft>
-                <a:spcPts val="1600"/>
-              </a:spcAft>
-              <a:buNone/>
-            </a:pPr>
-            <a:r>
-              <a:rPr lang="es"/>
-              <a:t>árbol con alto sesgo</a:t>
+              <a:t>¿cómo se determinan los nodos de decisión?</a:t>
             </a:r>
             <a:endParaRPr/>
           </a:p>
@@ -7260,7 +8120,7 @@
         <p:spPr>
           <a:xfrm>
             <a:off x="311700" y="1228675"/>
-            <a:ext cx="8152500" cy="3330300"/>
+            <a:ext cx="4992000" cy="3752100"/>
           </a:xfrm>
           <a:prstGeom prst="rect">
             <a:avLst/>
@@ -7282,8 +8142,7 @@
               <a:buNone/>
             </a:pPr>
             <a:r>
-              <a:rPr lang="es"/>
-              <a:t>El criterio de paro (de generación de nodos de decisión) influye en el rendimiento del modelo. Usualmente se prefieren árboles con pocos niveles. </a:t>
+              <a:t/>
             </a:r>
             <a:endParaRPr/>
           </a:p>
@@ -7314,8 +8173,8 @@
         </p:nvSpPr>
         <p:spPr>
           <a:xfrm>
-            <a:off x="4959900" y="4179700"/>
-            <a:ext cx="3652200" cy="801000"/>
+            <a:off x="311700" y="1228675"/>
+            <a:ext cx="8152500" cy="3330300"/>
           </a:xfrm>
           <a:prstGeom prst="rect">
             <a:avLst/>
@@ -7332,21 +8191,215 @@
                 <a:spcPts val="0"/>
               </a:spcBef>
               <a:spcAft>
-                <a:spcPts val="1600"/>
+                <a:spcPts val="0"/>
               </a:spcAft>
               <a:buNone/>
             </a:pPr>
             <a:r>
               <a:rPr lang="es"/>
-              <a:t>árbol con alta varianza</a:t>
+              <a:t>La creación de un árbol binario de decisión es un proceso de dividir en espacio de entrada (variables predictoras). Usualmente se usa un enfoque voraz recursivo  para hacer la división del espacio de entrada. </a:t>
+            </a:r>
+            <a:endParaRPr/>
+          </a:p>
+          <a:p>
+            <a:pPr indent="0" lvl="0" marL="0" rtl="0" algn="l">
+              <a:spcBef>
+                <a:spcPts val="1600"/>
+              </a:spcBef>
+              <a:spcAft>
+                <a:spcPts val="0"/>
+              </a:spcAft>
+              <a:buNone/>
+            </a:pPr>
+            <a:r>
+              <a:rPr lang="es"/>
+              <a:t>Este procedimiento es numérico, el split con el menor costo es el seleccionado. Para regresión se usa una función de costo, para clasificación se usa el índice de Gini que indica la pureza de los nodos hoja. </a:t>
+            </a:r>
+            <a:endParaRPr/>
+          </a:p>
+          <a:p>
+            <a:pPr indent="0" lvl="0" marL="0" rtl="0" algn="l">
+              <a:spcBef>
+                <a:spcPts val="1600"/>
+              </a:spcBef>
+              <a:spcAft>
+                <a:spcPts val="1600"/>
+              </a:spcAft>
+              <a:buNone/>
+            </a:pPr>
+            <a:r>
+              <a:t/>
             </a:r>
             <a:endParaRPr/>
           </a:p>
         </p:txBody>
       </p:sp>
+    </p:spTree>
+  </p:cSld>
+  <p:clrMapOvr>
+    <a:masterClrMapping/>
+  </p:clrMapOvr>
+</p:sld>
+</file>
+
+<file path=ppt/slides/slide11.xml><?xml version="1.0" encoding="utf-8"?>
+<p:sld xmlns:a="http://schemas.openxmlformats.org/drawingml/2006/main" xmlns:r="http://schemas.openxmlformats.org/officeDocument/2006/relationships" xmlns:mc="http://schemas.openxmlformats.org/markup-compatibility/2006" xmlns:mv="urn:schemas-microsoft-com:mac:vml" xmlns:p="http://schemas.openxmlformats.org/presentationml/2006/main" xmlns:c="http://schemas.openxmlformats.org/drawingml/2006/chart" xmlns:dgm="http://schemas.openxmlformats.org/drawingml/2006/diagram" xmlns:o="urn:schemas-microsoft-com:office:office" xmlns:v="urn:schemas-microsoft-com:vml" xmlns:pvml="urn:schemas-microsoft-com:office:powerpoint" xmlns:com="http://schemas.openxmlformats.org/drawingml/2006/compatibility" xmlns:p14="http://schemas.microsoft.com/office/powerpoint/2010/main" xmlns:p15="http://schemas.microsoft.com/office/powerpoint/2012/main" xmlns:ahyp="http://schemas.microsoft.com/office/drawing/2018/hyperlinkcolor">
+  <p:cSld>
+    <p:spTree>
+      <p:nvGrpSpPr>
+        <p:cNvPr id="123" name="Shape 123"/>
+        <p:cNvGrpSpPr/>
+        <p:nvPr/>
+      </p:nvGrpSpPr>
+      <p:grpSpPr>
+        <a:xfrm>
+          <a:off x="0" y="0"/>
+          <a:ext cx="0" cy="0"/>
+          <a:chOff x="0" y="0"/>
+          <a:chExt cx="0" cy="0"/>
+        </a:xfrm>
+      </p:grpSpPr>
+      <p:sp>
+        <p:nvSpPr>
+          <p:cNvPr id="124" name="Google Shape;124;p23"/>
+          <p:cNvSpPr txBox="1"/>
+          <p:nvPr>
+            <p:ph type="title"/>
+          </p:nvPr>
+        </p:nvSpPr>
+        <p:spPr>
+          <a:xfrm>
+            <a:off x="311700" y="292850"/>
+            <a:ext cx="8520600" cy="801000"/>
+          </a:xfrm>
+          <a:prstGeom prst="rect">
+            <a:avLst/>
+          </a:prstGeom>
+        </p:spPr>
+        <p:txBody>
+          <a:bodyPr anchorCtr="0" anchor="t" bIns="91425" lIns="91425" spcFirstLastPara="1" rIns="91425" wrap="square" tIns="91425">
+            <a:noAutofit/>
+          </a:bodyPr>
+          <a:lstStyle/>
+          <a:p>
+            <a:pPr indent="0" lvl="0" marL="0" rtl="0" algn="l">
+              <a:spcBef>
+                <a:spcPts val="0"/>
+              </a:spcBef>
+              <a:spcAft>
+                <a:spcPts val="0"/>
+              </a:spcAft>
+              <a:buNone/>
+            </a:pPr>
+            <a:r>
+              <a:rPr lang="es"/>
+              <a:t>¿cómo construyo un árbol de decisión con mis datos?</a:t>
+            </a:r>
+            <a:endParaRPr/>
+          </a:p>
+        </p:txBody>
+      </p:sp>
+      <p:sp>
+        <p:nvSpPr>
+          <p:cNvPr id="125" name="Google Shape;125;p23"/>
+          <p:cNvSpPr txBox="1"/>
+          <p:nvPr>
+            <p:ph idx="1" type="body"/>
+          </p:nvPr>
+        </p:nvSpPr>
+        <p:spPr>
+          <a:xfrm>
+            <a:off x="76200" y="1228675"/>
+            <a:ext cx="6134700" cy="3340200"/>
+          </a:xfrm>
+          <a:prstGeom prst="rect">
+            <a:avLst/>
+          </a:prstGeom>
+        </p:spPr>
+        <p:txBody>
+          <a:bodyPr anchorCtr="0" anchor="t" bIns="91425" lIns="91425" spcFirstLastPara="1" rIns="91425" wrap="square" tIns="91425">
+            <a:noAutofit/>
+          </a:bodyPr>
+          <a:lstStyle/>
+          <a:p>
+            <a:pPr indent="0" lvl="0" marL="0" rtl="0" algn="l">
+              <a:spcBef>
+                <a:spcPts val="0"/>
+              </a:spcBef>
+              <a:spcAft>
+                <a:spcPts val="0"/>
+              </a:spcAft>
+              <a:buNone/>
+            </a:pPr>
+            <a:r>
+              <a:rPr lang="es"/>
+              <a:t>Supongamos que yo tengo este dataset sobre especies animales, la misión es encontrar una forma de clasificar la especie dadas 4 características.</a:t>
+            </a:r>
+            <a:endParaRPr/>
+          </a:p>
+          <a:p>
+            <a:pPr indent="0" lvl="0" marL="0" rtl="0" algn="l">
+              <a:spcBef>
+                <a:spcPts val="1600"/>
+              </a:spcBef>
+              <a:spcAft>
+                <a:spcPts val="1600"/>
+              </a:spcAft>
+              <a:buNone/>
+            </a:pPr>
+            <a:r>
+              <a:rPr lang="es"/>
+              <a:t>Empecemos haciendo preguntas ¿?</a:t>
+            </a:r>
+            <a:endParaRPr/>
+          </a:p>
+        </p:txBody>
+      </p:sp>
+      <p:sp>
+        <p:nvSpPr>
+          <p:cNvPr id="126" name="Google Shape;126;p23"/>
+          <p:cNvSpPr txBox="1"/>
+          <p:nvPr/>
+        </p:nvSpPr>
+        <p:spPr>
+          <a:xfrm>
+            <a:off x="6801900" y="4568875"/>
+            <a:ext cx="2342100" cy="600300"/>
+          </a:xfrm>
+          <a:prstGeom prst="rect">
+            <a:avLst/>
+          </a:prstGeom>
+          <a:noFill/>
+          <a:ln>
+            <a:noFill/>
+          </a:ln>
+        </p:spPr>
+        <p:txBody>
+          <a:bodyPr anchorCtr="0" anchor="t" bIns="91425" lIns="91425" spcFirstLastPara="1" rIns="91425" wrap="square" tIns="91425">
+            <a:spAutoFit/>
+          </a:bodyPr>
+          <a:lstStyle/>
+          <a:p>
+            <a:pPr indent="0" lvl="0" marL="0" rtl="0" algn="l">
+              <a:spcBef>
+                <a:spcPts val="0"/>
+              </a:spcBef>
+              <a:spcAft>
+                <a:spcPts val="0"/>
+              </a:spcAft>
+              <a:buNone/>
+            </a:pPr>
+            <a:r>
+              <a:rPr lang="es" sz="900"/>
+              <a:t>https://towardsdatascience.com/machine-learning-basics-descision-tree-from-scratch-part-ii-dee664d46831</a:t>
+            </a:r>
+            <a:endParaRPr sz="900"/>
+          </a:p>
+        </p:txBody>
+      </p:sp>
       <p:pic>
         <p:nvPicPr>
-          <p:cNvPr id="120" name="Google Shape;120;p22"/>
+          <p:cNvPr id="127" name="Google Shape;127;p23"/>
           <p:cNvPicPr preferRelativeResize="0"/>
           <p:nvPr/>
         </p:nvPicPr>
@@ -7360,8 +8413,8 @@
         </p:blipFill>
         <p:spPr>
           <a:xfrm>
-            <a:off x="184575" y="2829697"/>
-            <a:ext cx="3102300" cy="1119410"/>
+            <a:off x="6210900" y="1246250"/>
+            <a:ext cx="2628300" cy="3135103"/>
           </a:xfrm>
           <a:prstGeom prst="rect">
             <a:avLst/>
@@ -7372,9 +8425,390 @@
           </a:ln>
         </p:spPr>
       </p:pic>
+    </p:spTree>
+  </p:cSld>
+  <p:clrMapOvr>
+    <a:masterClrMapping/>
+  </p:clrMapOvr>
+</p:sld>
+</file>
+
+<file path=ppt/slides/slide12.xml><?xml version="1.0" encoding="utf-8"?>
+<p:sld xmlns:a="http://schemas.openxmlformats.org/drawingml/2006/main" xmlns:r="http://schemas.openxmlformats.org/officeDocument/2006/relationships" xmlns:mc="http://schemas.openxmlformats.org/markup-compatibility/2006" xmlns:mv="urn:schemas-microsoft-com:mac:vml" xmlns:p="http://schemas.openxmlformats.org/presentationml/2006/main" xmlns:c="http://schemas.openxmlformats.org/drawingml/2006/chart" xmlns:dgm="http://schemas.openxmlformats.org/drawingml/2006/diagram" xmlns:o="urn:schemas-microsoft-com:office:office" xmlns:v="urn:schemas-microsoft-com:vml" xmlns:pvml="urn:schemas-microsoft-com:office:powerpoint" xmlns:com="http://schemas.openxmlformats.org/drawingml/2006/compatibility" xmlns:p14="http://schemas.microsoft.com/office/powerpoint/2010/main" xmlns:p15="http://schemas.microsoft.com/office/powerpoint/2012/main" xmlns:ahyp="http://schemas.microsoft.com/office/drawing/2018/hyperlinkcolor">
+  <p:cSld>
+    <p:spTree>
+      <p:nvGrpSpPr>
+        <p:cNvPr id="131" name="Shape 131"/>
+        <p:cNvGrpSpPr/>
+        <p:nvPr/>
+      </p:nvGrpSpPr>
+      <p:grpSpPr>
+        <a:xfrm>
+          <a:off x="0" y="0"/>
+          <a:ext cx="0" cy="0"/>
+          <a:chOff x="0" y="0"/>
+          <a:chExt cx="0" cy="0"/>
+        </a:xfrm>
+      </p:grpSpPr>
+      <p:sp>
+        <p:nvSpPr>
+          <p:cNvPr id="132" name="Google Shape;132;p24"/>
+          <p:cNvSpPr txBox="1"/>
+          <p:nvPr>
+            <p:ph type="title"/>
+          </p:nvPr>
+        </p:nvSpPr>
+        <p:spPr>
+          <a:xfrm>
+            <a:off x="311700" y="292850"/>
+            <a:ext cx="8520600" cy="801000"/>
+          </a:xfrm>
+          <a:prstGeom prst="rect">
+            <a:avLst/>
+          </a:prstGeom>
+        </p:spPr>
+        <p:txBody>
+          <a:bodyPr anchorCtr="0" anchor="t" bIns="91425" lIns="91425" spcFirstLastPara="1" rIns="91425" wrap="square" tIns="91425">
+            <a:noAutofit/>
+          </a:bodyPr>
+          <a:lstStyle/>
+          <a:p>
+            <a:pPr indent="0" lvl="0" marL="0" rtl="0" algn="l">
+              <a:spcBef>
+                <a:spcPts val="0"/>
+              </a:spcBef>
+              <a:spcAft>
+                <a:spcPts val="0"/>
+              </a:spcAft>
+              <a:buNone/>
+            </a:pPr>
+            <a:r>
+              <a:rPr lang="es"/>
+              <a:t>¿cómo construyo un árbol de decisión con mis datos?</a:t>
+            </a:r>
+            <a:endParaRPr/>
+          </a:p>
+        </p:txBody>
+      </p:sp>
+      <p:sp>
+        <p:nvSpPr>
+          <p:cNvPr id="133" name="Google Shape;133;p24"/>
+          <p:cNvSpPr txBox="1"/>
+          <p:nvPr>
+            <p:ph idx="1" type="body"/>
+          </p:nvPr>
+        </p:nvSpPr>
+        <p:spPr>
+          <a:xfrm>
+            <a:off x="5892900" y="1161275"/>
+            <a:ext cx="3251100" cy="3340200"/>
+          </a:xfrm>
+          <a:prstGeom prst="rect">
+            <a:avLst/>
+          </a:prstGeom>
+        </p:spPr>
+        <p:txBody>
+          <a:bodyPr anchorCtr="0" anchor="t" bIns="91425" lIns="91425" spcFirstLastPara="1" rIns="91425" wrap="square" tIns="91425">
+            <a:noAutofit/>
+          </a:bodyPr>
+          <a:lstStyle/>
+          <a:p>
+            <a:pPr indent="0" lvl="0" marL="0" rtl="0" algn="l">
+              <a:spcBef>
+                <a:spcPts val="0"/>
+              </a:spcBef>
+              <a:spcAft>
+                <a:spcPts val="1600"/>
+              </a:spcAft>
+              <a:buNone/>
+            </a:pPr>
+            <a:r>
+              <a:rPr lang="es"/>
+              <a:t>Si preguntamos ¿tiene dientes? podemos observar no hay tanta separabilidad entre especies con esta pregunta… Cuánta información estamos ganando a partir de la impureza de la característica... </a:t>
+            </a:r>
+            <a:endParaRPr/>
+          </a:p>
+        </p:txBody>
+      </p:sp>
+      <p:sp>
+        <p:nvSpPr>
+          <p:cNvPr id="134" name="Google Shape;134;p24"/>
+          <p:cNvSpPr txBox="1"/>
+          <p:nvPr/>
+        </p:nvSpPr>
+        <p:spPr>
+          <a:xfrm>
+            <a:off x="6801900" y="4568875"/>
+            <a:ext cx="2342100" cy="600300"/>
+          </a:xfrm>
+          <a:prstGeom prst="rect">
+            <a:avLst/>
+          </a:prstGeom>
+          <a:noFill/>
+          <a:ln>
+            <a:noFill/>
+          </a:ln>
+        </p:spPr>
+        <p:txBody>
+          <a:bodyPr anchorCtr="0" anchor="t" bIns="91425" lIns="91425" spcFirstLastPara="1" rIns="91425" wrap="square" tIns="91425">
+            <a:spAutoFit/>
+          </a:bodyPr>
+          <a:lstStyle/>
+          <a:p>
+            <a:pPr indent="0" lvl="0" marL="0" rtl="0" algn="l">
+              <a:spcBef>
+                <a:spcPts val="0"/>
+              </a:spcBef>
+              <a:spcAft>
+                <a:spcPts val="0"/>
+              </a:spcAft>
+              <a:buNone/>
+            </a:pPr>
+            <a:r>
+              <a:rPr lang="es" sz="900"/>
+              <a:t>https://towardsdatascience.com/machine-learning-basics-descision-tree-from-scratch-part-ii-dee664d46831</a:t>
+            </a:r>
+            <a:endParaRPr sz="900"/>
+          </a:p>
+        </p:txBody>
+      </p:sp>
       <p:pic>
         <p:nvPicPr>
-          <p:cNvPr id="121" name="Google Shape;121;p22"/>
+          <p:cNvPr id="135" name="Google Shape;135;p24"/>
+          <p:cNvPicPr preferRelativeResize="0"/>
+          <p:nvPr/>
+        </p:nvPicPr>
+        <p:blipFill>
+          <a:blip r:embed="rId3">
+            <a:alphaModFix/>
+          </a:blip>
+          <a:stretch>
+            <a:fillRect/>
+          </a:stretch>
+        </p:blipFill>
+        <p:spPr>
+          <a:xfrm>
+            <a:off x="10925" y="1140575"/>
+            <a:ext cx="5819400" cy="3675425"/>
+          </a:xfrm>
+          <a:prstGeom prst="rect">
+            <a:avLst/>
+          </a:prstGeom>
+          <a:noFill/>
+          <a:ln>
+            <a:noFill/>
+          </a:ln>
+        </p:spPr>
+      </p:pic>
+    </p:spTree>
+  </p:cSld>
+  <p:clrMapOvr>
+    <a:masterClrMapping/>
+  </p:clrMapOvr>
+</p:sld>
+</file>
+
+<file path=ppt/slides/slide13.xml><?xml version="1.0" encoding="utf-8"?>
+<p:sld xmlns:a="http://schemas.openxmlformats.org/drawingml/2006/main" xmlns:r="http://schemas.openxmlformats.org/officeDocument/2006/relationships" xmlns:mc="http://schemas.openxmlformats.org/markup-compatibility/2006" xmlns:mv="urn:schemas-microsoft-com:mac:vml" xmlns:p="http://schemas.openxmlformats.org/presentationml/2006/main" xmlns:c="http://schemas.openxmlformats.org/drawingml/2006/chart" xmlns:dgm="http://schemas.openxmlformats.org/drawingml/2006/diagram" xmlns:o="urn:schemas-microsoft-com:office:office" xmlns:v="urn:schemas-microsoft-com:vml" xmlns:pvml="urn:schemas-microsoft-com:office:powerpoint" xmlns:com="http://schemas.openxmlformats.org/drawingml/2006/compatibility" xmlns:p14="http://schemas.microsoft.com/office/powerpoint/2010/main" xmlns:p15="http://schemas.microsoft.com/office/powerpoint/2012/main" xmlns:ahyp="http://schemas.microsoft.com/office/drawing/2018/hyperlinkcolor">
+  <p:cSld>
+    <p:spTree>
+      <p:nvGrpSpPr>
+        <p:cNvPr id="139" name="Shape 139"/>
+        <p:cNvGrpSpPr/>
+        <p:nvPr/>
+      </p:nvGrpSpPr>
+      <p:grpSpPr>
+        <a:xfrm>
+          <a:off x="0" y="0"/>
+          <a:ext cx="0" cy="0"/>
+          <a:chOff x="0" y="0"/>
+          <a:chExt cx="0" cy="0"/>
+        </a:xfrm>
+      </p:grpSpPr>
+      <p:sp>
+        <p:nvSpPr>
+          <p:cNvPr id="140" name="Google Shape;140;p25"/>
+          <p:cNvSpPr txBox="1"/>
+          <p:nvPr>
+            <p:ph type="title"/>
+          </p:nvPr>
+        </p:nvSpPr>
+        <p:spPr>
+          <a:xfrm>
+            <a:off x="311700" y="292850"/>
+            <a:ext cx="8520600" cy="801000"/>
+          </a:xfrm>
+          <a:prstGeom prst="rect">
+            <a:avLst/>
+          </a:prstGeom>
+        </p:spPr>
+        <p:txBody>
+          <a:bodyPr anchorCtr="0" anchor="t" bIns="91425" lIns="91425" spcFirstLastPara="1" rIns="91425" wrap="square" tIns="91425">
+            <a:noAutofit/>
+          </a:bodyPr>
+          <a:lstStyle/>
+          <a:p>
+            <a:pPr indent="0" lvl="0" marL="0" rtl="0" algn="l">
+              <a:spcBef>
+                <a:spcPts val="0"/>
+              </a:spcBef>
+              <a:spcAft>
+                <a:spcPts val="0"/>
+              </a:spcAft>
+              <a:buNone/>
+            </a:pPr>
+            <a:r>
+              <a:rPr lang="es"/>
+              <a:t>impureza de gini</a:t>
+            </a:r>
+            <a:endParaRPr/>
+          </a:p>
+        </p:txBody>
+      </p:sp>
+      <p:sp>
+        <p:nvSpPr>
+          <p:cNvPr id="141" name="Google Shape;141;p25"/>
+          <p:cNvSpPr txBox="1"/>
+          <p:nvPr>
+            <p:ph idx="1" type="body"/>
+          </p:nvPr>
+        </p:nvSpPr>
+        <p:spPr>
+          <a:xfrm>
+            <a:off x="239275" y="1161275"/>
+            <a:ext cx="8904900" cy="3340200"/>
+          </a:xfrm>
+          <a:prstGeom prst="rect">
+            <a:avLst/>
+          </a:prstGeom>
+        </p:spPr>
+        <p:txBody>
+          <a:bodyPr anchorCtr="0" anchor="t" bIns="91425" lIns="91425" spcFirstLastPara="1" rIns="91425" wrap="square" tIns="91425">
+            <a:noAutofit/>
+          </a:bodyPr>
+          <a:lstStyle/>
+          <a:p>
+            <a:pPr indent="0" lvl="0" marL="0" rtl="0" algn="l">
+              <a:spcBef>
+                <a:spcPts val="0"/>
+              </a:spcBef>
+              <a:spcAft>
+                <a:spcPts val="0"/>
+              </a:spcAft>
+              <a:buNone/>
+            </a:pPr>
+            <a:r>
+              <a:rPr lang="es"/>
+              <a:t>El índice de impureza se calcula como:</a:t>
+            </a:r>
+            <a:endParaRPr/>
+          </a:p>
+          <a:p>
+            <a:pPr indent="0" lvl="0" marL="0" rtl="0" algn="l">
+              <a:spcBef>
+                <a:spcPts val="1600"/>
+              </a:spcBef>
+              <a:spcAft>
+                <a:spcPts val="0"/>
+              </a:spcAft>
+              <a:buNone/>
+            </a:pPr>
+            <a:r>
+              <a:t/>
+            </a:r>
+            <a:endParaRPr/>
+          </a:p>
+          <a:p>
+            <a:pPr indent="0" lvl="0" marL="0" rtl="0" algn="l">
+              <a:spcBef>
+                <a:spcPts val="1600"/>
+              </a:spcBef>
+              <a:spcAft>
+                <a:spcPts val="1600"/>
+              </a:spcAft>
+              <a:buNone/>
+            </a:pPr>
+            <a:r>
+              <a:rPr lang="es"/>
+              <a:t>donde p_j es la probabilidad de la clase j-ésima, donde m es el número de clases. Este índice mide la probabilidad de que una instancia sea mal clasificada dado que seleccione cierta característica. En teoría queremos la característica con el índice de Gini más bajo. </a:t>
+            </a:r>
+            <a:endParaRPr/>
+          </a:p>
+        </p:txBody>
+      </p:sp>
+      <p:sp>
+        <p:nvSpPr>
+          <p:cNvPr id="142" name="Google Shape;142;p25"/>
+          <p:cNvSpPr txBox="1"/>
+          <p:nvPr/>
+        </p:nvSpPr>
+        <p:spPr>
+          <a:xfrm>
+            <a:off x="6801900" y="4568875"/>
+            <a:ext cx="2342100" cy="600300"/>
+          </a:xfrm>
+          <a:prstGeom prst="rect">
+            <a:avLst/>
+          </a:prstGeom>
+          <a:noFill/>
+          <a:ln>
+            <a:noFill/>
+          </a:ln>
+        </p:spPr>
+        <p:txBody>
+          <a:bodyPr anchorCtr="0" anchor="t" bIns="91425" lIns="91425" spcFirstLastPara="1" rIns="91425" wrap="square" tIns="91425">
+            <a:spAutoFit/>
+          </a:bodyPr>
+          <a:lstStyle/>
+          <a:p>
+            <a:pPr indent="0" lvl="0" marL="0" rtl="0" algn="l">
+              <a:spcBef>
+                <a:spcPts val="0"/>
+              </a:spcBef>
+              <a:spcAft>
+                <a:spcPts val="0"/>
+              </a:spcAft>
+              <a:buNone/>
+            </a:pPr>
+            <a:r>
+              <a:rPr lang="es" sz="900"/>
+              <a:t>https://towardsdatascience.com/machine-learning-basics-descision-tree-from-scratch-part-ii-dee664d46831</a:t>
+            </a:r>
+            <a:endParaRPr sz="900"/>
+          </a:p>
+        </p:txBody>
+      </p:sp>
+      <p:pic>
+        <p:nvPicPr>
+          <p:cNvPr descr="&lt;math xmlns=&quot;http://www.w3.org/1998/Math/MathML&quot;&gt;&lt;mi&gt;G&lt;/mi&gt;&lt;mi&gt;i&lt;/mi&gt;&lt;mi&gt;n&lt;/mi&gt;&lt;mi&gt;i&lt;/mi&gt;&lt;mi&gt;I&lt;/mi&gt;&lt;mi&gt;n&lt;/mi&gt;&lt;mi&gt;d&lt;/mi&gt;&lt;mi&gt;e&lt;/mi&gt;&lt;mi&gt;x&lt;/mi&gt;&lt;mo&gt;&amp;#xA0;&lt;/mo&gt;&lt;mo&gt;=&lt;/mo&gt;&lt;mo&gt;&amp;#xA0;&lt;/mo&gt;&lt;mn&gt;1&lt;/mn&gt;&lt;mo&gt;&amp;#xA0;&lt;/mo&gt;&lt;mo&gt;-&lt;/mo&gt;&lt;mo&gt;&amp;#xA0;&lt;/mo&gt;&lt;munderover&gt;&lt;mrow&gt;&lt;mo&gt;&amp;#x2211;&lt;/mo&gt;&lt;msup&gt;&lt;msub&gt;&lt;mi&gt;p&lt;/mi&gt;&lt;mi&gt;j&lt;/mi&gt;&lt;/msub&gt;&lt;mn&gt;2&lt;/mn&gt;&lt;/msup&gt;&lt;/mrow&gt;&lt;mrow&gt;&lt;mi&gt;j&lt;/mi&gt;&lt;mo&gt;=&lt;/mo&gt;&lt;mn&gt;1&lt;/mn&gt;&lt;/mrow&gt;&lt;mi&gt;m&lt;/mi&gt;&lt;/munderover&gt;&lt;/math&gt;" id="143" name="Google Shape;143;p25" title="G i n i I n d e x space equals space 1 space minus space stack sum p subscript j squared with j equals 1 below and m on top"/>
+          <p:cNvPicPr preferRelativeResize="0"/>
+          <p:nvPr/>
+        </p:nvPicPr>
+        <p:blipFill>
+          <a:blip r:embed="rId3">
+            <a:alphaModFix/>
+          </a:blip>
+          <a:stretch>
+            <a:fillRect/>
+          </a:stretch>
+        </p:blipFill>
+        <p:spPr>
+          <a:xfrm>
+            <a:off x="2799100" y="1586300"/>
+            <a:ext cx="2342101" cy="771803"/>
+          </a:xfrm>
+          <a:prstGeom prst="rect">
+            <a:avLst/>
+          </a:prstGeom>
+          <a:noFill/>
+          <a:ln>
+            <a:noFill/>
+          </a:ln>
+        </p:spPr>
+      </p:pic>
+      <p:pic>
+        <p:nvPicPr>
+          <p:cNvPr descr="&lt;math xmlns=&quot;http://www.w3.org/1998/Math/MathML&quot;&gt;&lt;mi&gt;M&lt;/mi&gt;&lt;mi&gt;e&lt;/mi&gt;&lt;mi&gt;j&lt;/mi&gt;&lt;mi&gt;o&lt;/mi&gt;&lt;mi&gt;r&lt;/mi&gt;&lt;mo&gt;&amp;#xA0;&lt;/mo&gt;&lt;mi&gt;c&lt;/mi&gt;&lt;mi&gt;a&lt;/mi&gt;&lt;mi&gt;s&lt;/mi&gt;&lt;mi&gt;o&lt;/mi&gt;&lt;mo&gt;:&lt;/mo&gt;&lt;mo&gt;&amp;#x2009;&lt;/mo&gt;&lt;mo&gt;&amp;#xA0;&lt;/mo&gt;&lt;mi&gt;G&lt;/mi&gt;&lt;mi&gt;i&lt;/mi&gt;&lt;mi&gt;n&lt;/mi&gt;&lt;mi&gt;i&lt;/mi&gt;&lt;mi&gt;I&lt;/mi&gt;&lt;mi&gt;n&lt;/mi&gt;&lt;mi&gt;d&lt;/mi&gt;&lt;mi&gt;e&lt;/mi&gt;&lt;mi&gt;x&lt;/mi&gt;&lt;mo&gt;&amp;#xA0;&lt;/mo&gt;&lt;mo&gt;=&lt;/mo&gt;&lt;mo&gt;&amp;#x2009;&lt;/mo&gt;&lt;mn&gt;1&lt;/mn&gt;&lt;mo&gt;-&lt;/mo&gt;&lt;mfenced&gt;&lt;mrow&gt;&lt;mn&gt;1&lt;/mn&gt;&lt;mo&gt;+&lt;/mo&gt;&lt;mn&gt;0&lt;/mn&gt;&lt;mo&gt;+&lt;/mo&gt;&lt;mo&gt;.&lt;/mo&gt;&lt;mo&gt;.&lt;/mo&gt;&lt;mo&gt;.&lt;/mo&gt;&lt;mo&gt;+&lt;/mo&gt;&lt;mn&gt;0&lt;/mn&gt;&lt;/mrow&gt;&lt;/mfenced&gt;&lt;mo&gt;&amp;#xA0;&lt;/mo&gt;&lt;mo&gt;=&lt;/mo&gt;&lt;mo&gt;&amp;#x2009;&lt;/mo&gt;&lt;mn&gt;0&lt;/mn&gt;&lt;mspace linebreak=&quot;newline&quot;/&gt;&lt;mi&gt;P&lt;/mi&gt;&lt;mi&gt;e&lt;/mi&gt;&lt;mi&gt;o&lt;/mi&gt;&lt;mi&gt;r&lt;/mi&gt;&lt;mo&gt;&amp;#xA0;&lt;/mo&gt;&lt;mi&gt;c&lt;/mi&gt;&lt;mi&gt;a&lt;/mi&gt;&lt;mi&gt;s&lt;/mi&gt;&lt;mi&gt;o&lt;/mi&gt;&lt;mo&gt;:&lt;/mo&gt;&lt;mo&gt;&amp;#x2009;&lt;/mo&gt;&lt;mi&gt;G&lt;/mi&gt;&lt;mi&gt;i&lt;/mi&gt;&lt;mi&gt;n&lt;/mi&gt;&lt;mi&gt;i&lt;/mi&gt;&lt;mi&gt;I&lt;/mi&gt;&lt;mi&gt;n&lt;/mi&gt;&lt;mi&gt;d&lt;/mi&gt;&lt;mi&gt;e&lt;/mi&gt;&lt;mi&gt;x&lt;/mi&gt;&lt;mo&gt;&amp;#xA0;&lt;/mo&gt;&lt;mo&gt;=&lt;/mo&gt;&lt;mo&gt;&amp;#x2009;&lt;/mo&gt;&lt;mn&gt;1&lt;/mn&gt;&lt;mo&gt;-&lt;/mo&gt;&lt;mfenced&gt;&lt;mfrac&gt;&lt;mn&gt;1&lt;/mn&gt;&lt;mi&gt;m&lt;/mi&gt;&lt;/mfrac&gt;&lt;/mfenced&gt;&lt;/math&gt;" id="144" name="Google Shape;144;p25" title="M e j o r space c a s o colon thin space space G i n i I n d e x space equals thin space 1 minus open parentheses 1 plus 0 plus... plus 0 close parentheses space equals thin space 0&#10;P e o r space c a s o colon thin space G i n i I n d e x space equals thin space 1 minus open parentheses 1 over m close parentheses"/>
           <p:cNvPicPr preferRelativeResize="0"/>
           <p:nvPr/>
         </p:nvPicPr>
@@ -7388,8 +8822,1138 @@
         </p:blipFill>
         <p:spPr>
           <a:xfrm>
-            <a:off x="5469888" y="2035575"/>
+            <a:off x="569725" y="3941475"/>
+            <a:ext cx="5452425" cy="1041825"/>
+          </a:xfrm>
+          <a:prstGeom prst="rect">
+            <a:avLst/>
+          </a:prstGeom>
+          <a:noFill/>
+          <a:ln>
+            <a:noFill/>
+          </a:ln>
+        </p:spPr>
+      </p:pic>
+    </p:spTree>
+  </p:cSld>
+  <p:clrMapOvr>
+    <a:masterClrMapping/>
+  </p:clrMapOvr>
+</p:sld>
+</file>
+
+<file path=ppt/slides/slide14.xml><?xml version="1.0" encoding="utf-8"?>
+<p:sld xmlns:a="http://schemas.openxmlformats.org/drawingml/2006/main" xmlns:r="http://schemas.openxmlformats.org/officeDocument/2006/relationships" xmlns:mc="http://schemas.openxmlformats.org/markup-compatibility/2006" xmlns:mv="urn:schemas-microsoft-com:mac:vml" xmlns:p="http://schemas.openxmlformats.org/presentationml/2006/main" xmlns:c="http://schemas.openxmlformats.org/drawingml/2006/chart" xmlns:dgm="http://schemas.openxmlformats.org/drawingml/2006/diagram" xmlns:o="urn:schemas-microsoft-com:office:office" xmlns:v="urn:schemas-microsoft-com:vml" xmlns:pvml="urn:schemas-microsoft-com:office:powerpoint" xmlns:com="http://schemas.openxmlformats.org/drawingml/2006/compatibility" xmlns:p14="http://schemas.microsoft.com/office/powerpoint/2010/main" xmlns:p15="http://schemas.microsoft.com/office/powerpoint/2012/main" xmlns:ahyp="http://schemas.microsoft.com/office/drawing/2018/hyperlinkcolor">
+  <p:cSld>
+    <p:spTree>
+      <p:nvGrpSpPr>
+        <p:cNvPr id="148" name="Shape 148"/>
+        <p:cNvGrpSpPr/>
+        <p:nvPr/>
+      </p:nvGrpSpPr>
+      <p:grpSpPr>
+        <a:xfrm>
+          <a:off x="0" y="0"/>
+          <a:ext cx="0" cy="0"/>
+          <a:chOff x="0" y="0"/>
+          <a:chExt cx="0" cy="0"/>
+        </a:xfrm>
+      </p:grpSpPr>
+      <p:sp>
+        <p:nvSpPr>
+          <p:cNvPr id="149" name="Google Shape;149;p26"/>
+          <p:cNvSpPr txBox="1"/>
+          <p:nvPr>
+            <p:ph type="title"/>
+          </p:nvPr>
+        </p:nvSpPr>
+        <p:spPr>
+          <a:xfrm>
+            <a:off x="311700" y="292850"/>
+            <a:ext cx="8520600" cy="801000"/>
+          </a:xfrm>
+          <a:prstGeom prst="rect">
+            <a:avLst/>
+          </a:prstGeom>
+        </p:spPr>
+        <p:txBody>
+          <a:bodyPr anchorCtr="0" anchor="t" bIns="91425" lIns="91425" spcFirstLastPara="1" rIns="91425" wrap="square" tIns="91425">
+            <a:noAutofit/>
+          </a:bodyPr>
+          <a:lstStyle/>
+          <a:p>
+            <a:pPr indent="0" lvl="0" marL="0" rtl="0" algn="l">
+              <a:spcBef>
+                <a:spcPts val="0"/>
+              </a:spcBef>
+              <a:spcAft>
+                <a:spcPts val="0"/>
+              </a:spcAft>
+              <a:buNone/>
+            </a:pPr>
+            <a:r>
+              <a:rPr lang="es"/>
+              <a:t>impureza de gini: toothed</a:t>
+            </a:r>
+            <a:endParaRPr/>
+          </a:p>
+        </p:txBody>
+      </p:sp>
+      <p:sp>
+        <p:nvSpPr>
+          <p:cNvPr id="150" name="Google Shape;150;p26"/>
+          <p:cNvSpPr txBox="1"/>
+          <p:nvPr/>
+        </p:nvSpPr>
+        <p:spPr>
+          <a:xfrm>
+            <a:off x="6801900" y="4568875"/>
+            <a:ext cx="2342100" cy="600300"/>
+          </a:xfrm>
+          <a:prstGeom prst="rect">
+            <a:avLst/>
+          </a:prstGeom>
+          <a:noFill/>
+          <a:ln>
+            <a:noFill/>
+          </a:ln>
+        </p:spPr>
+        <p:txBody>
+          <a:bodyPr anchorCtr="0" anchor="t" bIns="91425" lIns="91425" spcFirstLastPara="1" rIns="91425" wrap="square" tIns="91425">
+            <a:spAutoFit/>
+          </a:bodyPr>
+          <a:lstStyle/>
+          <a:p>
+            <a:pPr indent="0" lvl="0" marL="0" rtl="0" algn="l">
+              <a:spcBef>
+                <a:spcPts val="0"/>
+              </a:spcBef>
+              <a:spcAft>
+                <a:spcPts val="0"/>
+              </a:spcAft>
+              <a:buNone/>
+            </a:pPr>
+            <a:r>
+              <a:rPr lang="es" sz="900"/>
+              <a:t>https://towardsdatascience.com/machine-learning-basics-descision-tree-from-scratch-part-ii-dee664d46831</a:t>
+            </a:r>
+            <a:endParaRPr sz="900"/>
+          </a:p>
+        </p:txBody>
+      </p:sp>
+      <p:pic>
+        <p:nvPicPr>
+          <p:cNvPr id="151" name="Google Shape;151;p26"/>
+          <p:cNvPicPr preferRelativeResize="0"/>
+          <p:nvPr/>
+        </p:nvPicPr>
+        <p:blipFill>
+          <a:blip r:embed="rId3">
+            <a:alphaModFix/>
+          </a:blip>
+          <a:stretch>
+            <a:fillRect/>
+          </a:stretch>
+        </p:blipFill>
+        <p:spPr>
+          <a:xfrm>
+            <a:off x="3986525" y="1064375"/>
+            <a:ext cx="5196599" cy="3282075"/>
+          </a:xfrm>
+          <a:prstGeom prst="rect">
+            <a:avLst/>
+          </a:prstGeom>
+          <a:noFill/>
+          <a:ln>
+            <a:noFill/>
+          </a:ln>
+        </p:spPr>
+      </p:pic>
+      <p:sp>
+        <p:nvSpPr>
+          <p:cNvPr id="152" name="Google Shape;152;p26"/>
+          <p:cNvSpPr/>
+          <p:nvPr/>
+        </p:nvSpPr>
+        <p:spPr>
+          <a:xfrm>
+            <a:off x="239275" y="4660400"/>
+            <a:ext cx="3173700" cy="445500"/>
+          </a:xfrm>
+          <a:prstGeom prst="rect">
+            <a:avLst/>
+          </a:prstGeom>
+          <a:noFill/>
+          <a:ln cap="flat" cmpd="sng" w="28575">
+            <a:solidFill>
+              <a:srgbClr val="FF0000"/>
+            </a:solidFill>
+            <a:prstDash val="solid"/>
+            <a:round/>
+            <a:headEnd len="sm" w="sm" type="none"/>
+            <a:tailEnd len="sm" w="sm" type="none"/>
+          </a:ln>
+        </p:spPr>
+        <p:txBody>
+          <a:bodyPr anchorCtr="0" anchor="ctr" bIns="91425" lIns="91425" spcFirstLastPara="1" rIns="91425" wrap="square" tIns="91425">
+            <a:noAutofit/>
+          </a:bodyPr>
+          <a:lstStyle/>
+          <a:p>
+            <a:pPr indent="0" lvl="0" marL="0" rtl="0" algn="l">
+              <a:spcBef>
+                <a:spcPts val="0"/>
+              </a:spcBef>
+              <a:spcAft>
+                <a:spcPts val="0"/>
+              </a:spcAft>
+              <a:buNone/>
+            </a:pPr>
+            <a:r>
+              <a:t/>
+            </a:r>
+            <a:endParaRPr/>
+          </a:p>
+        </p:txBody>
+      </p:sp>
+      <p:pic>
+        <p:nvPicPr>
+          <p:cNvPr descr="&lt;math xmlns=&quot;http://www.w3.org/1998/Math/MathML&quot;&gt;&lt;mi&gt;P&lt;/mi&gt;&lt;mfenced&gt;&lt;mrow&gt;&lt;mi&gt;t&lt;/mi&gt;&lt;mi&gt;o&lt;/mi&gt;&lt;mi&gt;o&lt;/mi&gt;&lt;mi&gt;t&lt;/mi&gt;&lt;mi&gt;h&lt;/mi&gt;&lt;mi&gt;e&lt;/mi&gt;&lt;mi&gt;d&lt;/mi&gt;&lt;mo&gt;=&lt;/mo&gt;&lt;mo&gt;=&lt;/mo&gt;&lt;mi&gt;T&lt;/mi&gt;&lt;mi&gt;r&lt;/mi&gt;&lt;mi&gt;u&lt;/mi&gt;&lt;mi&gt;e&lt;/mi&gt;&lt;/mrow&gt;&lt;/mfenced&gt;&lt;mo&gt;&amp;#xA0;&lt;/mo&gt;&lt;mo&gt;=&lt;/mo&gt;&lt;mo&gt;&amp;#x2009;&lt;/mo&gt;&lt;mo&gt;&amp;#xA0;&lt;/mo&gt;&lt;mfrac&gt;&lt;mn&gt;8&lt;/mn&gt;&lt;mn&gt;10&lt;/mn&gt;&lt;/mfrac&gt;&lt;mo&gt;&amp;#xA0;&lt;/mo&gt;&lt;mo&gt;=&lt;/mo&gt;&lt;mo&gt;&amp;#x2009;&lt;/mo&gt;&lt;mn&gt;0&lt;/mn&gt;&lt;mo&gt;.&lt;/mo&gt;&lt;mn&gt;8&lt;/mn&gt;&lt;mspace linebreak=&quot;newline&quot;/&gt;&lt;mi&gt;P&lt;/mi&gt;&lt;mfenced&gt;&lt;mrow&gt;&lt;mi&gt;t&lt;/mi&gt;&lt;mi&gt;o&lt;/mi&gt;&lt;mi&gt;o&lt;/mi&gt;&lt;mi&gt;t&lt;/mi&gt;&lt;mi&gt;h&lt;/mi&gt;&lt;mi&gt;e&lt;/mi&gt;&lt;mi&gt;d&lt;/mi&gt;&lt;mo&gt;=&lt;/mo&gt;&lt;mo&gt;=&lt;/mo&gt;&lt;mi&gt;F&lt;/mi&gt;&lt;mi&gt;a&lt;/mi&gt;&lt;mi&gt;l&lt;/mi&gt;&lt;mi&gt;s&lt;/mi&gt;&lt;mi&gt;e&lt;/mi&gt;&lt;/mrow&gt;&lt;/mfenced&gt;&lt;mo&gt;&amp;#xA0;&lt;/mo&gt;&lt;mo&gt;=&lt;/mo&gt;&lt;mo&gt;&amp;#x2009;&lt;/mo&gt;&lt;mn&gt;0&lt;/mn&gt;&lt;mo&gt;.&lt;/mo&gt;&lt;mn&gt;2&lt;/mn&gt;&lt;mspace linebreak=&quot;newline&quot;/&gt;&lt;mi&gt;P&lt;/mi&gt;&lt;mfenced&gt;&lt;mrow&gt;&lt;mi&gt;t&lt;/mi&gt;&lt;mi&gt;o&lt;/mi&gt;&lt;mi&gt;o&lt;/mi&gt;&lt;mi&gt;t&lt;/mi&gt;&lt;mi&gt;h&lt;/mi&gt;&lt;mi&gt;e&lt;/mi&gt;&lt;mi&gt;d&lt;/mi&gt;&lt;mo&gt;=&lt;/mo&gt;&lt;mo&gt;=&lt;/mo&gt;&lt;mi&gt;T&lt;/mi&gt;&lt;mi&gt;r&lt;/mi&gt;&lt;mi&gt;u&lt;/mi&gt;&lt;mi&gt;e&lt;/mi&gt;&lt;mo&gt;&amp;#xA0;&lt;/mo&gt;&lt;mo&gt;&amp;amp;&lt;/mo&gt;&lt;mo&gt;&amp;#xA0;&lt;/mo&gt;&lt;mi&gt;s&lt;/mi&gt;&lt;mi&gt;p&lt;/mi&gt;&lt;mi&gt;e&lt;/mi&gt;&lt;mi&gt;c&lt;/mi&gt;&lt;mi&gt;i&lt;/mi&gt;&lt;mi&gt;e&lt;/mi&gt;&lt;mi&gt;s&lt;/mi&gt;&lt;mo&gt;=&lt;/mo&gt;&lt;mo&gt;=&lt;/mo&gt;&lt;mi&gt;M&lt;/mi&gt;&lt;mi&gt;a&lt;/mi&gt;&lt;mi&gt;m&lt;/mi&gt;&lt;mi&gt;m&lt;/mi&gt;&lt;mi&gt;a&lt;/mi&gt;&lt;mi&gt;l&lt;/mi&gt;&lt;/mrow&gt;&lt;/mfenced&gt;&lt;mo&gt;&amp;#xA0;&lt;/mo&gt;&lt;mo&gt;=&lt;/mo&gt;&lt;mo&gt;&amp;#x2009;&lt;/mo&gt;&lt;mfrac&gt;&lt;mn&gt;5&lt;/mn&gt;&lt;mn&gt;8&lt;/mn&gt;&lt;/mfrac&gt;&lt;mo&gt;=&lt;/mo&gt;&lt;mn&gt;0&lt;/mn&gt;&lt;mo&gt;.&lt;/mo&gt;&lt;mn&gt;625&lt;/mn&gt;&lt;mspace linebreak=&quot;newline&quot;/&gt;&lt;mi&gt;P&lt;/mi&gt;&lt;mfenced&gt;&lt;mrow&gt;&lt;mi&gt;t&lt;/mi&gt;&lt;mi&gt;o&lt;/mi&gt;&lt;mi&gt;o&lt;/mi&gt;&lt;mi&gt;t&lt;/mi&gt;&lt;mi&gt;h&lt;/mi&gt;&lt;mi&gt;e&lt;/mi&gt;&lt;mi&gt;d&lt;/mi&gt;&lt;mo&gt;=&lt;/mo&gt;&lt;mo&gt;=&lt;/mo&gt;&lt;mi&gt;T&lt;/mi&gt;&lt;mi&gt;r&lt;/mi&gt;&lt;mi&gt;u&lt;/mi&gt;&lt;mi&gt;e&lt;/mi&gt;&lt;mo&gt;&amp;#xA0;&lt;/mo&gt;&lt;mo&gt;&amp;amp;&lt;/mo&gt;&lt;mo&gt;&amp;#xA0;&lt;/mo&gt;&lt;mi&gt;s&lt;/mi&gt;&lt;mi&gt;p&lt;/mi&gt;&lt;mi&gt;e&lt;/mi&gt;&lt;mi&gt;c&lt;/mi&gt;&lt;mi&gt;i&lt;/mi&gt;&lt;mi&gt;e&lt;/mi&gt;&lt;mi&gt;s&lt;/mi&gt;&lt;mo&gt;=&lt;/mo&gt;&lt;mo&gt;=&lt;/mo&gt;&lt;mi&gt;R&lt;/mi&gt;&lt;mi&gt;e&lt;/mi&gt;&lt;mi&gt;p&lt;/mi&gt;&lt;mi&gt;t&lt;/mi&gt;&lt;mi&gt;i&lt;/mi&gt;&lt;mi&gt;l&lt;/mi&gt;&lt;mi&gt;e&lt;/mi&gt;&lt;/mrow&gt;&lt;/mfenced&gt;&lt;mo&gt;&amp;#xA0;&lt;/mo&gt;&lt;mo&gt;=&lt;/mo&gt;&lt;mo&gt;&amp;#x2009;&lt;/mo&gt;&lt;mfrac&gt;&lt;mrow&gt;&lt;mn&gt;3&lt;/mn&gt;&lt;mo&gt;&amp;#xA0;&lt;/mo&gt;&lt;/mrow&gt;&lt;mn&gt;8&lt;/mn&gt;&lt;/mfrac&gt;&lt;mo&gt;&amp;#xA0;&lt;/mo&gt;&lt;mo&gt;=&lt;/mo&gt;&lt;mo&gt;&amp;#xA0;&lt;/mo&gt;&lt;mn&gt;0&lt;/mn&gt;&lt;mo&gt;.&lt;/mo&gt;&lt;mn&gt;375&lt;/mn&gt;&lt;mspace linebreak=&quot;newline&quot;/&gt;&lt;mi&gt;G&lt;/mi&gt;&lt;mi&gt;i&lt;/mi&gt;&lt;mi&gt;n&lt;/mi&gt;&lt;mi&gt;i&lt;/mi&gt;&lt;mi&gt;I&lt;/mi&gt;&lt;mi&gt;n&lt;/mi&gt;&lt;mi&gt;d&lt;/mi&gt;&lt;mi&gt;e&lt;/mi&gt;&lt;msub&gt;&lt;mi&gt;x&lt;/mi&gt;&lt;mrow&gt;&lt;mi&gt;t&lt;/mi&gt;&lt;mi&gt;o&lt;/mi&gt;&lt;mi&gt;o&lt;/mi&gt;&lt;mi&gt;t&lt;/mi&gt;&lt;mi&gt;h&lt;/mi&gt;&lt;mi&gt;e&lt;/mi&gt;&lt;mi&gt;d&lt;/mi&gt;&lt;mo&gt;=&lt;/mo&gt;&lt;mo&gt;=&lt;/mo&gt;&lt;mi&gt;T&lt;/mi&gt;&lt;mi&gt;r&lt;/mi&gt;&lt;mi&gt;u&lt;/mi&gt;&lt;mi&gt;e&lt;/mi&gt;&lt;/mrow&gt;&lt;/msub&gt;&lt;mo&gt;=&lt;/mo&gt;&lt;mn&gt;1&lt;/mn&gt;&lt;mo&gt;-&lt;/mo&gt;&lt;mfenced&gt;&lt;mrow&gt;&lt;mn&gt;0&lt;/mn&gt;&lt;mo&gt;.&lt;/mo&gt;&lt;msup&gt;&lt;mn&gt;625&lt;/mn&gt;&lt;mn&gt;2&lt;/mn&gt;&lt;/msup&gt;&lt;mo&gt;+&lt;/mo&gt;&lt;mn&gt;0&lt;/mn&gt;&lt;mo&gt;.&lt;/mo&gt;&lt;msup&gt;&lt;mn&gt;375&lt;/mn&gt;&lt;mn&gt;2&lt;/mn&gt;&lt;/msup&gt;&lt;/mrow&gt;&lt;/mfenced&gt;&lt;mo&gt;&amp;#xA0;&lt;/mo&gt;&lt;mo&gt;=&lt;/mo&gt;&lt;mo&gt;&amp;#xA0;&lt;/mo&gt;&lt;mn&gt;0&lt;/mn&gt;&lt;mo&gt;.&lt;/mo&gt;&lt;mn&gt;469&lt;/mn&gt;&lt;mspace linebreak=&quot;newline&quot;/&gt;&lt;mspace linebreak=&quot;newline&quot;/&gt;&lt;mi&gt;P&lt;/mi&gt;&lt;mfenced&gt;&lt;mrow&gt;&lt;mi&gt;t&lt;/mi&gt;&lt;mi&gt;o&lt;/mi&gt;&lt;mi&gt;o&lt;/mi&gt;&lt;mi&gt;t&lt;/mi&gt;&lt;mi&gt;h&lt;/mi&gt;&lt;mi&gt;e&lt;/mi&gt;&lt;mi&gt;d&lt;/mi&gt;&lt;mo&gt;=&lt;/mo&gt;&lt;mo&gt;=&lt;/mo&gt;&lt;mi&gt;F&lt;/mi&gt;&lt;mi&gt;a&lt;/mi&gt;&lt;mi&gt;l&lt;/mi&gt;&lt;mi&gt;s&lt;/mi&gt;&lt;mi&gt;e&lt;/mi&gt;&lt;mo&gt;&amp;#xA0;&lt;/mo&gt;&lt;mo&gt;&amp;amp;&lt;/mo&gt;&lt;mo&gt;&amp;#xA0;&lt;/mo&gt;&lt;mi&gt;s&lt;/mi&gt;&lt;mi&gt;p&lt;/mi&gt;&lt;mi&gt;e&lt;/mi&gt;&lt;mi&gt;c&lt;/mi&gt;&lt;mi&gt;i&lt;/mi&gt;&lt;mi&gt;e&lt;/mi&gt;&lt;mi&gt;s&lt;/mi&gt;&lt;mo&gt;=&lt;/mo&gt;&lt;mo&gt;=&lt;/mo&gt;&lt;mi&gt;M&lt;/mi&gt;&lt;mi&gt;a&lt;/mi&gt;&lt;mi&gt;m&lt;/mi&gt;&lt;mi&gt;m&lt;/mi&gt;&lt;mi&gt;a&lt;/mi&gt;&lt;mi&gt;l&lt;/mi&gt;&lt;/mrow&gt;&lt;/mfenced&gt;&lt;mo&gt;&amp;#xA0;&lt;/mo&gt;&lt;mo&gt;=&lt;/mo&gt;&lt;mo&gt;&amp;#x2009;&lt;/mo&gt;&lt;mfrac&gt;&lt;mn&gt;1&lt;/mn&gt;&lt;mn&gt;2&lt;/mn&gt;&lt;/mfrac&gt;&lt;mo&gt;=&lt;/mo&gt;&lt;mn&gt;0&lt;/mn&gt;&lt;mo&gt;.&lt;/mo&gt;&lt;mn&gt;5&lt;/mn&gt;&lt;mspace linebreak=&quot;newline&quot;/&gt;&lt;mi&gt;P&lt;/mi&gt;&lt;mfenced&gt;&lt;mrow&gt;&lt;mi&gt;t&lt;/mi&gt;&lt;mi&gt;o&lt;/mi&gt;&lt;mi&gt;o&lt;/mi&gt;&lt;mi&gt;t&lt;/mi&gt;&lt;mi&gt;h&lt;/mi&gt;&lt;mi&gt;e&lt;/mi&gt;&lt;mi&gt;d&lt;/mi&gt;&lt;mo&gt;=&lt;/mo&gt;&lt;mo&gt;=&lt;/mo&gt;&lt;mi&gt;F&lt;/mi&gt;&lt;mi&gt;a&lt;/mi&gt;&lt;mi&gt;l&lt;/mi&gt;&lt;mi&gt;s&lt;/mi&gt;&lt;mi&gt;e&lt;/mi&gt;&lt;mo&gt;&amp;#xA0;&lt;/mo&gt;&lt;mo&gt;&amp;amp;&lt;/mo&gt;&lt;mo&gt;&amp;#xA0;&lt;/mo&gt;&lt;mi&gt;s&lt;/mi&gt;&lt;mi&gt;p&lt;/mi&gt;&lt;mi&gt;e&lt;/mi&gt;&lt;mi&gt;c&lt;/mi&gt;&lt;mi&gt;i&lt;/mi&gt;&lt;mi&gt;e&lt;/mi&gt;&lt;mi&gt;s&lt;/mi&gt;&lt;mo&gt;=&lt;/mo&gt;&lt;mo&gt;=&lt;/mo&gt;&lt;mi&gt;R&lt;/mi&gt;&lt;mi&gt;e&lt;/mi&gt;&lt;mi&gt;p&lt;/mi&gt;&lt;mi&gt;t&lt;/mi&gt;&lt;mi&gt;i&lt;/mi&gt;&lt;mi&gt;l&lt;/mi&gt;&lt;mi&gt;e&lt;/mi&gt;&lt;/mrow&gt;&lt;/mfenced&gt;&lt;mo&gt;&amp;#xA0;&lt;/mo&gt;&lt;mo&gt;=&lt;/mo&gt;&lt;mo&gt;&amp;#x2009;&lt;/mo&gt;&lt;mfrac&gt;&lt;mrow&gt;&lt;mn&gt;1&lt;/mn&gt;&lt;mo&gt;&amp;#xA0;&lt;/mo&gt;&lt;/mrow&gt;&lt;mn&gt;2&lt;/mn&gt;&lt;/mfrac&gt;&lt;mo&gt;&amp;#xA0;&lt;/mo&gt;&lt;mo&gt;=&lt;/mo&gt;&lt;mo&gt;&amp;#xA0;&lt;/mo&gt;&lt;mn&gt;0&lt;/mn&gt;&lt;mo&gt;.&lt;/mo&gt;&lt;mn&gt;5&lt;/mn&gt;&lt;mspace linebreak=&quot;newline&quot;/&gt;&lt;mi&gt;G&lt;/mi&gt;&lt;mi&gt;i&lt;/mi&gt;&lt;mi&gt;n&lt;/mi&gt;&lt;mi&gt;i&lt;/mi&gt;&lt;mi&gt;I&lt;/mi&gt;&lt;mi&gt;n&lt;/mi&gt;&lt;mi&gt;d&lt;/mi&gt;&lt;mi&gt;e&lt;/mi&gt;&lt;msub&gt;&lt;mi&gt;x&lt;/mi&gt;&lt;mrow&gt;&lt;mi&gt;t&lt;/mi&gt;&lt;mi&gt;o&lt;/mi&gt;&lt;mi&gt;o&lt;/mi&gt;&lt;mi&gt;t&lt;/mi&gt;&lt;mi&gt;h&lt;/mi&gt;&lt;mi&gt;e&lt;/mi&gt;&lt;mi&gt;d&lt;/mi&gt;&lt;mo&gt;=&lt;/mo&gt;&lt;mo&gt;=&lt;/mo&gt;&lt;mi&gt;F&lt;/mi&gt;&lt;mi&gt;a&lt;/mi&gt;&lt;mi&gt;l&lt;/mi&gt;&lt;mi&gt;s&lt;/mi&gt;&lt;mi&gt;e&lt;/mi&gt;&lt;/mrow&gt;&lt;/msub&gt;&lt;mo&gt;=&lt;/mo&gt;&lt;mn&gt;1&lt;/mn&gt;&lt;mo&gt;-&lt;/mo&gt;&lt;mfenced&gt;&lt;mrow&gt;&lt;mn&gt;0&lt;/mn&gt;&lt;mo&gt;.&lt;/mo&gt;&lt;msup&gt;&lt;mn&gt;5&lt;/mn&gt;&lt;mn&gt;2&lt;/mn&gt;&lt;/msup&gt;&lt;mo&gt;+&lt;/mo&gt;&lt;mn&gt;0&lt;/mn&gt;&lt;mo&gt;.&lt;/mo&gt;&lt;msup&gt;&lt;mn&gt;5&lt;/mn&gt;&lt;mn&gt;2&lt;/mn&gt;&lt;/msup&gt;&lt;/mrow&gt;&lt;/mfenced&gt;&lt;mo&gt;=&lt;/mo&gt;&lt;mn&gt;0&lt;/mn&gt;&lt;mo&gt;.&lt;/mo&gt;&lt;mn&gt;5&lt;/mn&gt;&lt;mspace linebreak=&quot;newline&quot;/&gt;&lt;mspace linebreak=&quot;newline&quot;/&gt;&lt;mi&gt;G&lt;/mi&gt;&lt;mi&gt;i&lt;/mi&gt;&lt;mi&gt;n&lt;/mi&gt;&lt;mi&gt;i&lt;/mi&gt;&lt;mi&gt;I&lt;/mi&gt;&lt;mi&gt;n&lt;/mi&gt;&lt;mi&gt;d&lt;/mi&gt;&lt;mi&gt;e&lt;/mi&gt;&lt;msub&gt;&lt;mi&gt;x&lt;/mi&gt;&lt;mrow&gt;&lt;mi&gt;t&lt;/mi&gt;&lt;mi&gt;o&lt;/mi&gt;&lt;mi&gt;o&lt;/mi&gt;&lt;mi&gt;t&lt;/mi&gt;&lt;mi&gt;h&lt;/mi&gt;&lt;mi&gt;e&lt;/mi&gt;&lt;mi&gt;d&lt;/mi&gt;&lt;/mrow&gt;&lt;/msub&gt;&lt;mo&gt;=&lt;/mo&gt;&lt;mo&gt;&amp;#xA0;&lt;/mo&gt;&lt;mfenced&gt;&lt;mfrac&gt;&lt;mn&gt;8&lt;/mn&gt;&lt;mn&gt;10&lt;/mn&gt;&lt;/mfrac&gt;&lt;/mfenced&gt;&lt;mn&gt;0&lt;/mn&gt;&lt;mo&gt;.&lt;/mo&gt;&lt;mn&gt;469&lt;/mn&gt;&lt;mo&gt;&amp;#xA0;&lt;/mo&gt;&lt;mo&gt;+&lt;/mo&gt;&lt;mo&gt;&amp;#xA0;&lt;/mo&gt;&lt;mfenced&gt;&lt;mfrac&gt;&lt;mn&gt;2&lt;/mn&gt;&lt;mn&gt;10&lt;/mn&gt;&lt;/mfrac&gt;&lt;/mfenced&gt;&lt;mn&gt;0&lt;/mn&gt;&lt;mo&gt;.&lt;/mo&gt;&lt;mn&gt;5&lt;/mn&gt;&lt;mo&gt;&amp;#xA0;&lt;/mo&gt;&lt;mo&gt;=&lt;/mo&gt;&lt;mo&gt;&amp;#xA0;&lt;/mo&gt;&lt;mn&gt;0&lt;/mn&gt;&lt;mo&gt;.&lt;/mo&gt;&lt;mn&gt;475&lt;/mn&gt;&lt;/math&gt;" id="153" name="Google Shape;153;p26" title="P open parentheses t o o t h e d equals equals T r u e close parentheses space equals thin space space 8 over 10 space equals thin space 0.8&#10;P open parentheses t o o t h e d equals equals F a l s e close parentheses space equals thin space 0.2&#10;P open parentheses t o o t h e d equals equals T r u e space &amp; space s p e c i e s equals equals M a m m a l close parentheses space equals thin space 5 over 8 equals 0.625&#10;P open parentheses t o o t h e d equals equals T r u e space &amp; space s p e c i e s equals equals R e p t i l e close parentheses space equals thin space fraction numerator 3 space over denominator 8 end fraction space equals space 0.375&#10;G i n i I n d e x subscript t o o t h e d equals equals T r u e end subscript equals 1 minus open parentheses 0.625 squared plus 0.375 squared close parentheses space equals space 0.469&#10;&#10;P open parentheses t o o t h e d equals equals F a l s e space &amp; space s p e c i e s equals equals M a m m a l close parentheses space equals thin space 1 half equals 0.5&#10;P open parentheses t o o t h e d equals equals F a l s e space &amp; space s p e c i e s equals equals R e p t i l e close parentheses space equals thin space fraction numerator 1 space over denominator 2 end fraction space equals space 0.5&#10;G i n i I n d e x subscript t o o t h e d equals equals F a l s e end subscript equals 1 minus open parentheses 0.5 squared plus 0.5 squared close parentheses equals 0.5&#10;&#10;G i n i I n d e x subscript t o o t h e d end subscript equals space open parentheses 8 over 10 close parentheses 0.469 space plus space open parentheses 2 over 10 close parentheses 0.5 space equals space 0.475"/>
+          <p:cNvPicPr preferRelativeResize="0"/>
+          <p:nvPr/>
+        </p:nvPicPr>
+        <p:blipFill>
+          <a:blip r:embed="rId4">
+            <a:alphaModFix/>
+          </a:blip>
+          <a:stretch>
+            <a:fillRect/>
+          </a:stretch>
+        </p:blipFill>
+        <p:spPr>
+          <a:xfrm>
+            <a:off x="304800" y="1093850"/>
+            <a:ext cx="3525151" cy="3964401"/>
+          </a:xfrm>
+          <a:prstGeom prst="rect">
+            <a:avLst/>
+          </a:prstGeom>
+          <a:noFill/>
+          <a:ln>
+            <a:noFill/>
+          </a:ln>
+        </p:spPr>
+      </p:pic>
+    </p:spTree>
+  </p:cSld>
+  <p:clrMapOvr>
+    <a:masterClrMapping/>
+  </p:clrMapOvr>
+</p:sld>
+</file>
+
+<file path=ppt/slides/slide15.xml><?xml version="1.0" encoding="utf-8"?>
+<p:sld xmlns:a="http://schemas.openxmlformats.org/drawingml/2006/main" xmlns:r="http://schemas.openxmlformats.org/officeDocument/2006/relationships" xmlns:mc="http://schemas.openxmlformats.org/markup-compatibility/2006" xmlns:mv="urn:schemas-microsoft-com:mac:vml" xmlns:p="http://schemas.openxmlformats.org/presentationml/2006/main" xmlns:c="http://schemas.openxmlformats.org/drawingml/2006/chart" xmlns:dgm="http://schemas.openxmlformats.org/drawingml/2006/diagram" xmlns:o="urn:schemas-microsoft-com:office:office" xmlns:v="urn:schemas-microsoft-com:vml" xmlns:pvml="urn:schemas-microsoft-com:office:powerpoint" xmlns:com="http://schemas.openxmlformats.org/drawingml/2006/compatibility" xmlns:p14="http://schemas.microsoft.com/office/powerpoint/2010/main" xmlns:p15="http://schemas.microsoft.com/office/powerpoint/2012/main" xmlns:ahyp="http://schemas.microsoft.com/office/drawing/2018/hyperlinkcolor">
+  <p:cSld>
+    <p:spTree>
+      <p:nvGrpSpPr>
+        <p:cNvPr id="157" name="Shape 157"/>
+        <p:cNvGrpSpPr/>
+        <p:nvPr/>
+      </p:nvGrpSpPr>
+      <p:grpSpPr>
+        <a:xfrm>
+          <a:off x="0" y="0"/>
+          <a:ext cx="0" cy="0"/>
+          <a:chOff x="0" y="0"/>
+          <a:chExt cx="0" cy="0"/>
+        </a:xfrm>
+      </p:grpSpPr>
+      <p:sp>
+        <p:nvSpPr>
+          <p:cNvPr id="158" name="Google Shape;158;p27"/>
+          <p:cNvSpPr txBox="1"/>
+          <p:nvPr>
+            <p:ph type="title"/>
+          </p:nvPr>
+        </p:nvSpPr>
+        <p:spPr>
+          <a:xfrm>
+            <a:off x="311700" y="292850"/>
+            <a:ext cx="8520600" cy="801000"/>
+          </a:xfrm>
+          <a:prstGeom prst="rect">
+            <a:avLst/>
+          </a:prstGeom>
+        </p:spPr>
+        <p:txBody>
+          <a:bodyPr anchorCtr="0" anchor="t" bIns="91425" lIns="91425" spcFirstLastPara="1" rIns="91425" wrap="square" tIns="91425">
+            <a:noAutofit/>
+          </a:bodyPr>
+          <a:lstStyle/>
+          <a:p>
+            <a:pPr indent="0" lvl="0" marL="0" rtl="0" algn="l">
+              <a:spcBef>
+                <a:spcPts val="0"/>
+              </a:spcBef>
+              <a:spcAft>
+                <a:spcPts val="0"/>
+              </a:spcAft>
+              <a:buNone/>
+            </a:pPr>
+            <a:r>
+              <a:rPr lang="es"/>
+              <a:t>impureza de gini: legs</a:t>
+            </a:r>
+            <a:endParaRPr/>
+          </a:p>
+        </p:txBody>
+      </p:sp>
+      <p:sp>
+        <p:nvSpPr>
+          <p:cNvPr id="159" name="Google Shape;159;p27"/>
+          <p:cNvSpPr txBox="1"/>
+          <p:nvPr/>
+        </p:nvSpPr>
+        <p:spPr>
+          <a:xfrm>
+            <a:off x="6801900" y="4568875"/>
+            <a:ext cx="2342100" cy="600300"/>
+          </a:xfrm>
+          <a:prstGeom prst="rect">
+            <a:avLst/>
+          </a:prstGeom>
+          <a:noFill/>
+          <a:ln>
+            <a:noFill/>
+          </a:ln>
+        </p:spPr>
+        <p:txBody>
+          <a:bodyPr anchorCtr="0" anchor="t" bIns="91425" lIns="91425" spcFirstLastPara="1" rIns="91425" wrap="square" tIns="91425">
+            <a:spAutoFit/>
+          </a:bodyPr>
+          <a:lstStyle/>
+          <a:p>
+            <a:pPr indent="0" lvl="0" marL="0" rtl="0" algn="l">
+              <a:spcBef>
+                <a:spcPts val="0"/>
+              </a:spcBef>
+              <a:spcAft>
+                <a:spcPts val="0"/>
+              </a:spcAft>
+              <a:buNone/>
+            </a:pPr>
+            <a:r>
+              <a:rPr lang="es" sz="900"/>
+              <a:t>https://towardsdatascience.com/machine-learning-basics-descision-tree-from-scratch-part-ii-dee664d46831</a:t>
+            </a:r>
+            <a:endParaRPr sz="900"/>
+          </a:p>
+        </p:txBody>
+      </p:sp>
+      <p:pic>
+        <p:nvPicPr>
+          <p:cNvPr id="160" name="Google Shape;160;p27"/>
+          <p:cNvPicPr preferRelativeResize="0"/>
+          <p:nvPr/>
+        </p:nvPicPr>
+        <p:blipFill>
+          <a:blip r:embed="rId3">
+            <a:alphaModFix/>
+          </a:blip>
+          <a:stretch>
+            <a:fillRect/>
+          </a:stretch>
+        </p:blipFill>
+        <p:spPr>
+          <a:xfrm>
+            <a:off x="4302225" y="1322450"/>
+            <a:ext cx="4765576" cy="2243900"/>
+          </a:xfrm>
+          <a:prstGeom prst="rect">
+            <a:avLst/>
+          </a:prstGeom>
+          <a:noFill/>
+          <a:ln>
+            <a:noFill/>
+          </a:ln>
+        </p:spPr>
+      </p:pic>
+      <p:pic>
+        <p:nvPicPr>
+          <p:cNvPr descr="&lt;math xmlns=&quot;http://www.w3.org/1998/Math/MathML&quot;&gt;&lt;mi&gt;P&lt;/mi&gt;&lt;mfenced&gt;&lt;mrow&gt;&lt;mi&gt;L&lt;/mi&gt;&lt;mi&gt;e&lt;/mi&gt;&lt;mi&gt;g&lt;/mi&gt;&lt;mi&gt;s&lt;/mi&gt;&lt;mo&gt;=&lt;/mo&gt;&lt;mo&gt;=&lt;/mo&gt;&lt;mi&gt;T&lt;/mi&gt;&lt;mi&gt;r&lt;/mi&gt;&lt;mi&gt;u&lt;/mi&gt;&lt;mi&gt;e&lt;/mi&gt;&lt;/mrow&gt;&lt;/mfenced&gt;&lt;mo&gt;&amp;#xA0;&lt;/mo&gt;&lt;mo&gt;&amp;#xA0;&lt;/mo&gt;&lt;mo&gt;=&lt;/mo&gt;&lt;mo&gt;&amp;#x2009;&lt;/mo&gt;&lt;mn&gt;0&lt;/mn&gt;&lt;mo&gt;.&lt;/mo&gt;&lt;mn&gt;7&lt;/mn&gt;&lt;mspace linebreak=&quot;newline&quot;/&gt;&lt;mi&gt;P&lt;/mi&gt;&lt;mfenced&gt;&lt;mrow&gt;&lt;mi&gt;L&lt;/mi&gt;&lt;mi&gt;e&lt;/mi&gt;&lt;mi&gt;g&lt;/mi&gt;&lt;mi&gt;s&lt;/mi&gt;&lt;mo&gt;=&lt;/mo&gt;&lt;mo&gt;=&lt;/mo&gt;&lt;mi&gt;F&lt;/mi&gt;&lt;mi&gt;a&lt;/mi&gt;&lt;mi&gt;l&lt;/mi&gt;&lt;mi&gt;s&lt;/mi&gt;&lt;mi&gt;e&lt;/mi&gt;&lt;/mrow&gt;&lt;/mfenced&gt;&lt;mo&gt;&amp;#xA0;&lt;/mo&gt;&lt;mo&gt;=&lt;/mo&gt;&lt;mo&gt;&amp;#x2009;&lt;/mo&gt;&lt;mn&gt;0&lt;/mn&gt;&lt;mo&gt;.&lt;/mo&gt;&lt;mn&gt;3&lt;/mn&gt;&lt;mspace linebreak=&quot;newline&quot;/&gt;&lt;mi&gt;P&lt;/mi&gt;&lt;mfenced&gt;&lt;mrow&gt;&lt;mi&gt;L&lt;/mi&gt;&lt;mi&gt;e&lt;/mi&gt;&lt;mi&gt;g&lt;/mi&gt;&lt;mi&gt;s&lt;/mi&gt;&lt;mo&gt;=&lt;/mo&gt;&lt;mo&gt;=&lt;/mo&gt;&lt;mi&gt;T&lt;/mi&gt;&lt;mi&gt;r&lt;/mi&gt;&lt;mi&gt;u&lt;/mi&gt;&lt;mi&gt;e&lt;/mi&gt;&lt;mo&gt;&amp;#xA0;&lt;/mo&gt;&lt;mo&gt;&amp;amp;&lt;/mo&gt;&lt;mo&gt;&amp;#xA0;&lt;/mo&gt;&lt;mi&gt;s&lt;/mi&gt;&lt;mi&gt;p&lt;/mi&gt;&lt;mi&gt;e&lt;/mi&gt;&lt;mi&gt;c&lt;/mi&gt;&lt;mi&gt;i&lt;/mi&gt;&lt;mi&gt;e&lt;/mi&gt;&lt;mi&gt;s&lt;/mi&gt;&lt;mo&gt;=&lt;/mo&gt;&lt;mo&gt;=&lt;/mo&gt;&lt;mi&gt;M&lt;/mi&gt;&lt;mi&gt;a&lt;/mi&gt;&lt;mi&gt;m&lt;/mi&gt;&lt;mi&gt;m&lt;/mi&gt;&lt;mi&gt;a&lt;/mi&gt;&lt;mi&gt;l&lt;/mi&gt;&lt;/mrow&gt;&lt;/mfenced&gt;&lt;mo&gt;&amp;#xA0;&lt;/mo&gt;&lt;mo&gt;=&lt;/mo&gt;&lt;mo&gt;&amp;#x2009;&lt;/mo&gt;&lt;mfrac&gt;&lt;mn&gt;6&lt;/mn&gt;&lt;mn&gt;7&lt;/mn&gt;&lt;/mfrac&gt;&lt;mo&gt;=&lt;/mo&gt;&lt;mn&gt;0&lt;/mn&gt;&lt;mo&gt;.&lt;/mo&gt;&lt;mn&gt;8571&lt;/mn&gt;&lt;mspace linebreak=&quot;newline&quot;/&gt;&lt;mi&gt;P&lt;/mi&gt;&lt;mfenced&gt;&lt;mrow&gt;&lt;mi&gt;L&lt;/mi&gt;&lt;mi&gt;e&lt;/mi&gt;&lt;mi&gt;g&lt;/mi&gt;&lt;mi&gt;s&lt;/mi&gt;&lt;mo&gt;=&lt;/mo&gt;&lt;mo&gt;=&lt;/mo&gt;&lt;mi&gt;T&lt;/mi&gt;&lt;mi&gt;r&lt;/mi&gt;&lt;mi&gt;u&lt;/mi&gt;&lt;mi&gt;e&lt;/mi&gt;&lt;mo&gt;&amp;#xA0;&lt;/mo&gt;&lt;mo&gt;&amp;#x2229;&lt;/mo&gt;&lt;mo&gt;&amp;#xA0;&lt;/mo&gt;&lt;mi&gt;s&lt;/mi&gt;&lt;mi&gt;p&lt;/mi&gt;&lt;mi&gt;e&lt;/mi&gt;&lt;mi&gt;c&lt;/mi&gt;&lt;mi&gt;i&lt;/mi&gt;&lt;mi&gt;e&lt;/mi&gt;&lt;mi&gt;s&lt;/mi&gt;&lt;mo&gt;=&lt;/mo&gt;&lt;mo&gt;=&lt;/mo&gt;&lt;mi&gt;R&lt;/mi&gt;&lt;mi&gt;e&lt;/mi&gt;&lt;mi&gt;p&lt;/mi&gt;&lt;mi&gt;t&lt;/mi&gt;&lt;mi&gt;i&lt;/mi&gt;&lt;mi&gt;l&lt;/mi&gt;&lt;mi&gt;e&lt;/mi&gt;&lt;/mrow&gt;&lt;/mfenced&gt;&lt;mo&gt;&amp;#xA0;&lt;/mo&gt;&lt;mo&gt;=&lt;/mo&gt;&lt;mo&gt;&amp;#x2009;&lt;/mo&gt;&lt;mfrac&gt;&lt;mrow&gt;&lt;mn&gt;1&lt;/mn&gt;&lt;mo&gt;&amp;#xA0;&lt;/mo&gt;&lt;/mrow&gt;&lt;mn&gt;7&lt;/mn&gt;&lt;/mfrac&gt;&lt;mo&gt;&amp;#xA0;&lt;/mo&gt;&lt;mo&gt;=&lt;/mo&gt;&lt;mo&gt;&amp;#xA0;&lt;/mo&gt;&lt;mn&gt;0&lt;/mn&gt;&lt;mo&gt;.&lt;/mo&gt;&lt;mn&gt;1429&lt;/mn&gt;&lt;mspace linebreak=&quot;newline&quot;/&gt;&lt;mi&gt;G&lt;/mi&gt;&lt;mi&gt;i&lt;/mi&gt;&lt;mi&gt;n&lt;/mi&gt;&lt;mi&gt;i&lt;/mi&gt;&lt;mi&gt;I&lt;/mi&gt;&lt;mi&gt;n&lt;/mi&gt;&lt;mi&gt;d&lt;/mi&gt;&lt;mi&gt;e&lt;/mi&gt;&lt;msub&gt;&lt;mi&gt;x&lt;/mi&gt;&lt;mrow&gt;&lt;mi&gt;L&lt;/mi&gt;&lt;mi&gt;e&lt;/mi&gt;&lt;mi&gt;g&lt;/mi&gt;&lt;mi&gt;s&lt;/mi&gt;&lt;mo&gt;=&lt;/mo&gt;&lt;mo&gt;=&lt;/mo&gt;&lt;mi&gt;T&lt;/mi&gt;&lt;mi&gt;r&lt;/mi&gt;&lt;mi&gt;u&lt;/mi&gt;&lt;mi&gt;e&lt;/mi&gt;&lt;/mrow&gt;&lt;/msub&gt;&lt;mo&gt;=&lt;/mo&gt;&lt;mn&gt;1&lt;/mn&gt;&lt;mo&gt;-&lt;/mo&gt;&lt;mfenced&gt;&lt;mrow&gt;&lt;mn&gt;0&lt;/mn&gt;&lt;mo&gt;.&lt;/mo&gt;&lt;msup&gt;&lt;mn&gt;8571&lt;/mn&gt;&lt;mn&gt;2&lt;/mn&gt;&lt;/msup&gt;&lt;mo&gt;+&lt;/mo&gt;&lt;mn&gt;0&lt;/mn&gt;&lt;mo&gt;.&lt;/mo&gt;&lt;msup&gt;&lt;mn&gt;1429&lt;/mn&gt;&lt;mn&gt;2&lt;/mn&gt;&lt;/msup&gt;&lt;/mrow&gt;&lt;/mfenced&gt;&lt;mo&gt;&amp;#xA0;&lt;/mo&gt;&lt;mo&gt;=&lt;/mo&gt;&lt;mo&gt;&amp;#xA0;&lt;/mo&gt;&lt;mn&gt;0&lt;/mn&gt;&lt;mo&gt;.&lt;/mo&gt;&lt;mn&gt;2449&lt;/mn&gt;&lt;mspace linebreak=&quot;newline&quot;/&gt;&lt;mspace linebreak=&quot;newline&quot;/&gt;&lt;mi&gt;P&lt;/mi&gt;&lt;mfenced&gt;&lt;mrow&gt;&lt;mi&gt;L&lt;/mi&gt;&lt;mi&gt;e&lt;/mi&gt;&lt;mi&gt;g&lt;/mi&gt;&lt;mi&gt;s&lt;/mi&gt;&lt;mo&gt;=&lt;/mo&gt;&lt;mo&gt;=&lt;/mo&gt;&lt;mi&gt;F&lt;/mi&gt;&lt;mi&gt;a&lt;/mi&gt;&lt;mi&gt;l&lt;/mi&gt;&lt;mi&gt;s&lt;/mi&gt;&lt;mi&gt;e&lt;/mi&gt;&lt;mo&gt;&amp;#xA0;&lt;/mo&gt;&lt;mo&gt;&amp;#x2229;&lt;/mo&gt;&lt;mo&gt;&amp;#xA0;&lt;/mo&gt;&lt;mi&gt;s&lt;/mi&gt;&lt;mi&gt;p&lt;/mi&gt;&lt;mi&gt;e&lt;/mi&gt;&lt;mi&gt;c&lt;/mi&gt;&lt;mi&gt;i&lt;/mi&gt;&lt;mi&gt;e&lt;/mi&gt;&lt;mi&gt;s&lt;/mi&gt;&lt;mo&gt;=&lt;/mo&gt;&lt;mo&gt;=&lt;/mo&gt;&lt;mi&gt;M&lt;/mi&gt;&lt;mi&gt;a&lt;/mi&gt;&lt;mi&gt;m&lt;/mi&gt;&lt;mi&gt;m&lt;/mi&gt;&lt;mi&gt;a&lt;/mi&gt;&lt;mi&gt;l&lt;/mi&gt;&lt;/mrow&gt;&lt;/mfenced&gt;&lt;mo&gt;&amp;#xA0;&lt;/mo&gt;&lt;mo&gt;=&lt;/mo&gt;&lt;mo&gt;&amp;#x2009;&lt;/mo&gt;&lt;mn&gt;0&lt;/mn&gt;&lt;mspace linebreak=&quot;newline&quot;/&gt;&lt;mi&gt;P&lt;/mi&gt;&lt;mfenced&gt;&lt;mrow&gt;&lt;mi&gt;L&lt;/mi&gt;&lt;mi&gt;e&lt;/mi&gt;&lt;mi&gt;g&lt;/mi&gt;&lt;mi&gt;s&lt;/mi&gt;&lt;mo&gt;=&lt;/mo&gt;&lt;mo&gt;=&lt;/mo&gt;&lt;mi&gt;F&lt;/mi&gt;&lt;mi&gt;a&lt;/mi&gt;&lt;mi&gt;l&lt;/mi&gt;&lt;mi&gt;s&lt;/mi&gt;&lt;mi&gt;e&lt;/mi&gt;&lt;mo&gt;&amp;#xA0;&lt;/mo&gt;&lt;mo&gt;&amp;#x2229;&lt;/mo&gt;&lt;mo&gt;&amp;#xA0;&lt;/mo&gt;&lt;mi&gt;s&lt;/mi&gt;&lt;mi&gt;p&lt;/mi&gt;&lt;mi&gt;e&lt;/mi&gt;&lt;mi&gt;c&lt;/mi&gt;&lt;mi&gt;i&lt;/mi&gt;&lt;mi&gt;e&lt;/mi&gt;&lt;mi&gt;s&lt;/mi&gt;&lt;mo&gt;=&lt;/mo&gt;&lt;mo&gt;=&lt;/mo&gt;&lt;mi&gt;R&lt;/mi&gt;&lt;mi&gt;e&lt;/mi&gt;&lt;mi&gt;p&lt;/mi&gt;&lt;mi&gt;t&lt;/mi&gt;&lt;mi&gt;i&lt;/mi&gt;&lt;mi&gt;l&lt;/mi&gt;&lt;mi&gt;e&lt;/mi&gt;&lt;/mrow&gt;&lt;/mfenced&gt;&lt;mo&gt;&amp;#xA0;&lt;/mo&gt;&lt;mo&gt;=&lt;/mo&gt;&lt;mo&gt;&amp;#x2009;&lt;/mo&gt;&lt;mn&gt;1&lt;/mn&gt;&lt;mspace linebreak=&quot;newline&quot;/&gt;&lt;mi&gt;G&lt;/mi&gt;&lt;mi&gt;i&lt;/mi&gt;&lt;mi&gt;n&lt;/mi&gt;&lt;mi&gt;i&lt;/mi&gt;&lt;mi&gt;I&lt;/mi&gt;&lt;mi&gt;n&lt;/mi&gt;&lt;mi&gt;d&lt;/mi&gt;&lt;mi&gt;e&lt;/mi&gt;&lt;msub&gt;&lt;mi&gt;x&lt;/mi&gt;&lt;mrow&gt;&lt;mi&gt;L&lt;/mi&gt;&lt;mi&gt;e&lt;/mi&gt;&lt;mi&gt;g&lt;/mi&gt;&lt;mi&gt;s&lt;/mi&gt;&lt;mo&gt;=&lt;/mo&gt;&lt;mo&gt;=&lt;/mo&gt;&lt;mi&gt;F&lt;/mi&gt;&lt;mi&gt;a&lt;/mi&gt;&lt;mi&gt;l&lt;/mi&gt;&lt;mi&gt;s&lt;/mi&gt;&lt;mi&gt;e&lt;/mi&gt;&lt;/mrow&gt;&lt;/msub&gt;&lt;mo&gt;=&lt;/mo&gt;&lt;mn&gt;1&lt;/mn&gt;&lt;mo&gt;-&lt;/mo&gt;&lt;mfenced&gt;&lt;mrow&gt;&lt;msup&gt;&lt;mn&gt;0&lt;/mn&gt;&lt;mn&gt;2&lt;/mn&gt;&lt;/msup&gt;&lt;mo&gt;+&lt;/mo&gt;&lt;msup&gt;&lt;mn&gt;1&lt;/mn&gt;&lt;mn&gt;2&lt;/mn&gt;&lt;/msup&gt;&lt;/mrow&gt;&lt;/mfenced&gt;&lt;mo&gt;=&lt;/mo&gt;&lt;mn&gt;0&lt;/mn&gt;&lt;mspace linebreak=&quot;newline&quot;/&gt;&lt;mspace linebreak=&quot;newline&quot;/&gt;&lt;mi&gt;G&lt;/mi&gt;&lt;mi&gt;i&lt;/mi&gt;&lt;mi&gt;n&lt;/mi&gt;&lt;mi&gt;i&lt;/mi&gt;&lt;mi&gt;I&lt;/mi&gt;&lt;mi&gt;n&lt;/mi&gt;&lt;mi&gt;d&lt;/mi&gt;&lt;mi&gt;e&lt;/mi&gt;&lt;msub&gt;&lt;mi&gt;x&lt;/mi&gt;&lt;mrow&gt;&lt;mi&gt;L&lt;/mi&gt;&lt;mi&gt;e&lt;/mi&gt;&lt;mi&gt;g&lt;/mi&gt;&lt;mi&gt;s&lt;/mi&gt;&lt;/mrow&gt;&lt;/msub&gt;&lt;mo&gt;=&lt;/mo&gt;&lt;mo&gt;&amp;#xA0;&lt;/mo&gt;&lt;mfenced&gt;&lt;mfrac&gt;&lt;mn&gt;7&lt;/mn&gt;&lt;mn&gt;10&lt;/mn&gt;&lt;/mfrac&gt;&lt;/mfenced&gt;&lt;mn&gt;0&lt;/mn&gt;&lt;mo&gt;.&lt;/mo&gt;&lt;mn&gt;2449&lt;/mn&gt;&lt;mo&gt;&amp;#xA0;&lt;/mo&gt;&lt;mo&gt;+&lt;/mo&gt;&lt;mo&gt;&amp;#xA0;&lt;/mo&gt;&lt;mfenced&gt;&lt;mfrac&gt;&lt;mn&gt;3&lt;/mn&gt;&lt;mn&gt;10&lt;/mn&gt;&lt;/mfrac&gt;&lt;/mfenced&gt;&lt;mn&gt;0&lt;/mn&gt;&lt;mo&gt;&amp;#xA0;&lt;/mo&gt;&lt;mo&gt;=&lt;/mo&gt;&lt;mo&gt;&amp;#xA0;&lt;/mo&gt;&lt;mn&gt;0&lt;/mn&gt;&lt;mo&gt;.&lt;/mo&gt;&lt;mn&gt;2449&lt;/mn&gt;&lt;/math&gt;" id="161" name="Google Shape;161;p27" title="P open parentheses L e g s equals equals T r u e close parentheses space space equals thin space 0.7&#10;P open parentheses L e g s equals equals F a l s e close parentheses space equals thin space 0.3&#10;P open parentheses L e g s equals equals T r u e space &amp; space s p e c i e s equals equals M a m m a l close parentheses space equals thin space 6 over 7 equals 0.8571&#10;P open parentheses L e g s equals equals T r u e space intersection space s p e c i e s equals equals R e p t i l e close parentheses space equals thin space fraction numerator 1 space over denominator 7 end fraction space equals space 0.1429&#10;G i n i I n d e x subscript L e g s equals equals T r u e end subscript equals 1 minus open parentheses 0.8571 squared plus 0.1429 squared close parentheses space equals space 0.2449&#10;&#10;P open parentheses L e g s equals equals F a l s e space intersection space s p e c i e s equals equals M a m m a l close parentheses space equals thin space 0&#10;P open parentheses L e g s equals equals F a l s e space intersection space s p e c i e s equals equals R e p t i l e close parentheses space equals thin space 1&#10;G i n i I n d e x subscript L e g s equals equals F a l s e end subscript equals 1 minus open parentheses 0 squared plus 1 squared close parentheses equals 0&#10;&#10;G i n i I n d e x subscript L e g s end subscript equals space open parentheses 7 over 10 close parentheses 0.2449 space plus space open parentheses 3 over 10 close parentheses 0 space equals space 0.2449"/>
+          <p:cNvPicPr preferRelativeResize="0"/>
+          <p:nvPr/>
+        </p:nvPicPr>
+        <p:blipFill>
+          <a:blip r:embed="rId4">
+            <a:alphaModFix/>
+          </a:blip>
+          <a:stretch>
+            <a:fillRect/>
+          </a:stretch>
+        </p:blipFill>
+        <p:spPr>
+          <a:xfrm>
+            <a:off x="152400" y="1246250"/>
+            <a:ext cx="4008049" cy="3765474"/>
+          </a:xfrm>
+          <a:prstGeom prst="rect">
+            <a:avLst/>
+          </a:prstGeom>
+          <a:noFill/>
+          <a:ln>
+            <a:noFill/>
+          </a:ln>
+        </p:spPr>
+      </p:pic>
+      <p:sp>
+        <p:nvSpPr>
+          <p:cNvPr id="162" name="Google Shape;162;p27"/>
+          <p:cNvSpPr/>
+          <p:nvPr/>
+        </p:nvSpPr>
+        <p:spPr>
+          <a:xfrm>
+            <a:off x="101075" y="4513175"/>
+            <a:ext cx="3647700" cy="498600"/>
+          </a:xfrm>
+          <a:prstGeom prst="rect">
+            <a:avLst/>
+          </a:prstGeom>
+          <a:noFill/>
+          <a:ln cap="flat" cmpd="sng" w="28575">
+            <a:solidFill>
+              <a:srgbClr val="FF0000"/>
+            </a:solidFill>
+            <a:prstDash val="solid"/>
+            <a:round/>
+            <a:headEnd len="sm" w="sm" type="none"/>
+            <a:tailEnd len="sm" w="sm" type="none"/>
+          </a:ln>
+        </p:spPr>
+        <p:txBody>
+          <a:bodyPr anchorCtr="0" anchor="ctr" bIns="91425" lIns="91425" spcFirstLastPara="1" rIns="91425" wrap="square" tIns="91425">
+            <a:noAutofit/>
+          </a:bodyPr>
+          <a:lstStyle/>
+          <a:p>
+            <a:pPr indent="0" lvl="0" marL="0" rtl="0" algn="l">
+              <a:spcBef>
+                <a:spcPts val="0"/>
+              </a:spcBef>
+              <a:spcAft>
+                <a:spcPts val="0"/>
+              </a:spcAft>
+              <a:buNone/>
+            </a:pPr>
+            <a:r>
+              <a:t/>
+            </a:r>
+            <a:endParaRPr/>
+          </a:p>
+        </p:txBody>
+      </p:sp>
+    </p:spTree>
+  </p:cSld>
+  <p:clrMapOvr>
+    <a:masterClrMapping/>
+  </p:clrMapOvr>
+</p:sld>
+</file>
+
+<file path=ppt/slides/slide16.xml><?xml version="1.0" encoding="utf-8"?>
+<p:sld xmlns:a="http://schemas.openxmlformats.org/drawingml/2006/main" xmlns:r="http://schemas.openxmlformats.org/officeDocument/2006/relationships" xmlns:mc="http://schemas.openxmlformats.org/markup-compatibility/2006" xmlns:mv="urn:schemas-microsoft-com:mac:vml" xmlns:p="http://schemas.openxmlformats.org/presentationml/2006/main" xmlns:c="http://schemas.openxmlformats.org/drawingml/2006/chart" xmlns:dgm="http://schemas.openxmlformats.org/drawingml/2006/diagram" xmlns:o="urn:schemas-microsoft-com:office:office" xmlns:v="urn:schemas-microsoft-com:vml" xmlns:pvml="urn:schemas-microsoft-com:office:powerpoint" xmlns:com="http://schemas.openxmlformats.org/drawingml/2006/compatibility" xmlns:p14="http://schemas.microsoft.com/office/powerpoint/2010/main" xmlns:p15="http://schemas.microsoft.com/office/powerpoint/2012/main" xmlns:ahyp="http://schemas.microsoft.com/office/drawing/2018/hyperlinkcolor">
+  <p:cSld>
+    <p:spTree>
+      <p:nvGrpSpPr>
+        <p:cNvPr id="166" name="Shape 166"/>
+        <p:cNvGrpSpPr/>
+        <p:nvPr/>
+      </p:nvGrpSpPr>
+      <p:grpSpPr>
+        <a:xfrm>
+          <a:off x="0" y="0"/>
+          <a:ext cx="0" cy="0"/>
+          <a:chOff x="0" y="0"/>
+          <a:chExt cx="0" cy="0"/>
+        </a:xfrm>
+      </p:grpSpPr>
+      <p:sp>
+        <p:nvSpPr>
+          <p:cNvPr id="167" name="Google Shape;167;p28"/>
+          <p:cNvSpPr txBox="1"/>
+          <p:nvPr>
+            <p:ph type="title"/>
+          </p:nvPr>
+        </p:nvSpPr>
+        <p:spPr>
+          <a:xfrm>
+            <a:off x="311700" y="292850"/>
+            <a:ext cx="8520600" cy="801000"/>
+          </a:xfrm>
+          <a:prstGeom prst="rect">
+            <a:avLst/>
+          </a:prstGeom>
+        </p:spPr>
+        <p:txBody>
+          <a:bodyPr anchorCtr="0" anchor="t" bIns="91425" lIns="91425" spcFirstLastPara="1" rIns="91425" wrap="square" tIns="91425">
+            <a:noAutofit/>
+          </a:bodyPr>
+          <a:lstStyle/>
+          <a:p>
+            <a:pPr indent="0" lvl="0" marL="0" rtl="0" algn="l">
+              <a:spcBef>
+                <a:spcPts val="0"/>
+              </a:spcBef>
+              <a:spcAft>
+                <a:spcPts val="0"/>
+              </a:spcAft>
+              <a:buNone/>
+            </a:pPr>
+            <a:r>
+              <a:rPr lang="es"/>
+              <a:t>impureza de gini: breathes</a:t>
+            </a:r>
+            <a:endParaRPr/>
+          </a:p>
+        </p:txBody>
+      </p:sp>
+      <p:sp>
+        <p:nvSpPr>
+          <p:cNvPr id="168" name="Google Shape;168;p28"/>
+          <p:cNvSpPr txBox="1"/>
+          <p:nvPr/>
+        </p:nvSpPr>
+        <p:spPr>
+          <a:xfrm>
+            <a:off x="6801900" y="4568875"/>
+            <a:ext cx="2342100" cy="600300"/>
+          </a:xfrm>
+          <a:prstGeom prst="rect">
+            <a:avLst/>
+          </a:prstGeom>
+          <a:noFill/>
+          <a:ln>
+            <a:noFill/>
+          </a:ln>
+        </p:spPr>
+        <p:txBody>
+          <a:bodyPr anchorCtr="0" anchor="t" bIns="91425" lIns="91425" spcFirstLastPara="1" rIns="91425" wrap="square" tIns="91425">
+            <a:spAutoFit/>
+          </a:bodyPr>
+          <a:lstStyle/>
+          <a:p>
+            <a:pPr indent="0" lvl="0" marL="0" rtl="0" algn="l">
+              <a:spcBef>
+                <a:spcPts val="0"/>
+              </a:spcBef>
+              <a:spcAft>
+                <a:spcPts val="0"/>
+              </a:spcAft>
+              <a:buNone/>
+            </a:pPr>
+            <a:r>
+              <a:rPr lang="es" sz="900"/>
+              <a:t>https://towardsdatascience.com/machine-learning-basics-descision-tree-from-scratch-part-ii-dee664d46831</a:t>
+            </a:r>
+            <a:endParaRPr sz="900"/>
+          </a:p>
+        </p:txBody>
+      </p:sp>
+      <p:pic>
+        <p:nvPicPr>
+          <p:cNvPr id="169" name="Google Shape;169;p28"/>
+          <p:cNvPicPr preferRelativeResize="0"/>
+          <p:nvPr/>
+        </p:nvPicPr>
+        <p:blipFill>
+          <a:blip r:embed="rId3">
+            <a:alphaModFix/>
+          </a:blip>
+          <a:stretch>
+            <a:fillRect/>
+          </a:stretch>
+        </p:blipFill>
+        <p:spPr>
+          <a:xfrm>
+            <a:off x="5906100" y="1093850"/>
+            <a:ext cx="2628300" cy="3135103"/>
+          </a:xfrm>
+          <a:prstGeom prst="rect">
+            <a:avLst/>
+          </a:prstGeom>
+          <a:noFill/>
+          <a:ln>
+            <a:noFill/>
+          </a:ln>
+        </p:spPr>
+      </p:pic>
+      <p:pic>
+        <p:nvPicPr>
+          <p:cNvPr descr="&lt;math xmlns=&quot;http://www.w3.org/1998/Math/MathML&quot;&gt;&lt;mi&gt;P&lt;/mi&gt;&lt;mfenced&gt;&lt;mrow&gt;&lt;mi&gt;B&lt;/mi&gt;&lt;mi&gt;r&lt;/mi&gt;&lt;mi&gt;e&lt;/mi&gt;&lt;mi&gt;a&lt;/mi&gt;&lt;mi&gt;t&lt;/mi&gt;&lt;mi&gt;h&lt;/mi&gt;&lt;mi&gt;e&lt;/mi&gt;&lt;mi&gt;s&lt;/mi&gt;&lt;mo&gt;=&lt;/mo&gt;&lt;mo&gt;=&lt;/mo&gt;&lt;mi&gt;T&lt;/mi&gt;&lt;mi&gt;r&lt;/mi&gt;&lt;mi&gt;u&lt;/mi&gt;&lt;mi&gt;e&lt;/mi&gt;&lt;/mrow&gt;&lt;/mfenced&gt;&lt;mo&gt;&amp;#xA0;&lt;/mo&gt;&lt;mo&gt;&amp;#xA0;&lt;/mo&gt;&lt;mo&gt;=&lt;/mo&gt;&lt;mo&gt;&amp;#x2009;&lt;/mo&gt;&lt;mn&gt;0&lt;/mn&gt;&lt;mo&gt;.&lt;/mo&gt;&lt;mn&gt;9&lt;/mn&gt;&lt;mspace linebreak=&quot;newline&quot;/&gt;&lt;mi&gt;P&lt;/mi&gt;&lt;mfenced&gt;&lt;mrow&gt;&lt;mi&gt;B&lt;/mi&gt;&lt;mi&gt;r&lt;/mi&gt;&lt;mi&gt;e&lt;/mi&gt;&lt;mi&gt;a&lt;/mi&gt;&lt;mi&gt;t&lt;/mi&gt;&lt;mi&gt;h&lt;/mi&gt;&lt;mi&gt;e&lt;/mi&gt;&lt;mi&gt;s&lt;/mi&gt;&lt;mo&gt;=&lt;/mo&gt;&lt;mo&gt;=&lt;/mo&gt;&lt;mi&gt;F&lt;/mi&gt;&lt;mi&gt;a&lt;/mi&gt;&lt;mi&gt;l&lt;/mi&gt;&lt;mi&gt;s&lt;/mi&gt;&lt;mi&gt;e&lt;/mi&gt;&lt;/mrow&gt;&lt;/mfenced&gt;&lt;mo&gt;&amp;#xA0;&lt;/mo&gt;&lt;mo&gt;=&lt;/mo&gt;&lt;mo&gt;&amp;#x2009;&lt;/mo&gt;&lt;mn&gt;0&lt;/mn&gt;&lt;mo&gt;.&lt;/mo&gt;&lt;mn&gt;1&lt;/mn&gt;&lt;mspace linebreak=&quot;newline&quot;/&gt;&lt;mi&gt;P&lt;/mi&gt;&lt;mfenced&gt;&lt;mrow&gt;&lt;mi&gt;B&lt;/mi&gt;&lt;mi&gt;r&lt;/mi&gt;&lt;mi&gt;e&lt;/mi&gt;&lt;mi&gt;a&lt;/mi&gt;&lt;mi&gt;t&lt;/mi&gt;&lt;mi&gt;h&lt;/mi&gt;&lt;mi&gt;e&lt;/mi&gt;&lt;mi&gt;s&lt;/mi&gt;&lt;mo&gt;=&lt;/mo&gt;&lt;mo&gt;=&lt;/mo&gt;&lt;mi&gt;T&lt;/mi&gt;&lt;mi&gt;r&lt;/mi&gt;&lt;mi&gt;u&lt;/mi&gt;&lt;mi&gt;e&lt;/mi&gt;&lt;mo&gt;&amp;#xA0;&lt;/mo&gt;&lt;mo&gt;&amp;amp;&lt;/mo&gt;&lt;mo&gt;&amp;#xA0;&lt;/mo&gt;&lt;mi&gt;s&lt;/mi&gt;&lt;mi&gt;p&lt;/mi&gt;&lt;mi&gt;e&lt;/mi&gt;&lt;mi&gt;c&lt;/mi&gt;&lt;mi&gt;i&lt;/mi&gt;&lt;mi&gt;e&lt;/mi&gt;&lt;mi&gt;s&lt;/mi&gt;&lt;mo&gt;=&lt;/mo&gt;&lt;mo&gt;=&lt;/mo&gt;&lt;mi&gt;M&lt;/mi&gt;&lt;mi&gt;a&lt;/mi&gt;&lt;mi&gt;m&lt;/mi&gt;&lt;mi&gt;m&lt;/mi&gt;&lt;mi&gt;a&lt;/mi&gt;&lt;mi&gt;l&lt;/mi&gt;&lt;/mrow&gt;&lt;/mfenced&gt;&lt;mo&gt;&amp;#xA0;&lt;/mo&gt;&lt;mo&gt;=&lt;/mo&gt;&lt;mo&gt;&amp;#x2009;&lt;/mo&gt;&lt;mfrac&gt;&lt;mn&gt;6&lt;/mn&gt;&lt;mn&gt;9&lt;/mn&gt;&lt;/mfrac&gt;&lt;mspace linebreak=&quot;newline&quot;/&gt;&lt;mi&gt;P&lt;/mi&gt;&lt;mfenced&gt;&lt;mrow&gt;&lt;mi&gt;B&lt;/mi&gt;&lt;mi&gt;r&lt;/mi&gt;&lt;mi&gt;e&lt;/mi&gt;&lt;mi&gt;a&lt;/mi&gt;&lt;mi&gt;t&lt;/mi&gt;&lt;mi&gt;h&lt;/mi&gt;&lt;mi&gt;e&lt;/mi&gt;&lt;mi&gt;s&lt;/mi&gt;&lt;mo&gt;=&lt;/mo&gt;&lt;mo&gt;=&lt;/mo&gt;&lt;mi&gt;T&lt;/mi&gt;&lt;mi&gt;r&lt;/mi&gt;&lt;mi&gt;u&lt;/mi&gt;&lt;mi&gt;e&lt;/mi&gt;&lt;mo&gt;&amp;#xA0;&lt;/mo&gt;&lt;mo&gt;&amp;#x2229;&lt;/mo&gt;&lt;mo&gt;&amp;#xA0;&lt;/mo&gt;&lt;mi&gt;s&lt;/mi&gt;&lt;mi&gt;p&lt;/mi&gt;&lt;mi&gt;e&lt;/mi&gt;&lt;mi&gt;c&lt;/mi&gt;&lt;mi&gt;i&lt;/mi&gt;&lt;mi&gt;e&lt;/mi&gt;&lt;mi&gt;s&lt;/mi&gt;&lt;mo&gt;=&lt;/mo&gt;&lt;mo&gt;=&lt;/mo&gt;&lt;mi&gt;R&lt;/mi&gt;&lt;mi&gt;e&lt;/mi&gt;&lt;mi&gt;p&lt;/mi&gt;&lt;mi&gt;t&lt;/mi&gt;&lt;mi&gt;i&lt;/mi&gt;&lt;mi&gt;l&lt;/mi&gt;&lt;mi&gt;e&lt;/mi&gt;&lt;/mrow&gt;&lt;/mfenced&gt;&lt;mo&gt;&amp;#xA0;&lt;/mo&gt;&lt;mo&gt;=&lt;/mo&gt;&lt;mo&gt;&amp;#x2009;&lt;/mo&gt;&lt;mfrac&gt;&lt;mrow&gt;&lt;mn&gt;3&lt;/mn&gt;&lt;mo&gt;&amp;#xA0;&lt;/mo&gt;&lt;/mrow&gt;&lt;mn&gt;9&lt;/mn&gt;&lt;/mfrac&gt;&lt;mo&gt;&amp;#xA0;&lt;/mo&gt;&lt;mspace linebreak=&quot;newline&quot;/&gt;&lt;mi&gt;G&lt;/mi&gt;&lt;mi&gt;i&lt;/mi&gt;&lt;mi&gt;n&lt;/mi&gt;&lt;mi&gt;i&lt;/mi&gt;&lt;mi&gt;I&lt;/mi&gt;&lt;mi&gt;n&lt;/mi&gt;&lt;mi&gt;d&lt;/mi&gt;&lt;mi&gt;e&lt;/mi&gt;&lt;msub&gt;&lt;mi&gt;x&lt;/mi&gt;&lt;mrow&gt;&lt;mi&gt;B&lt;/mi&gt;&lt;mi&gt;r&lt;/mi&gt;&lt;mi&gt;e&lt;/mi&gt;&lt;mi&gt;a&lt;/mi&gt;&lt;mi&gt;t&lt;/mi&gt;&lt;mi&gt;h&lt;/mi&gt;&lt;mi&gt;e&lt;/mi&gt;&lt;mi&gt;s&lt;/mi&gt;&lt;mo&gt;=&lt;/mo&gt;&lt;mo&gt;=&lt;/mo&gt;&lt;mi&gt;T&lt;/mi&gt;&lt;mi&gt;r&lt;/mi&gt;&lt;mi&gt;u&lt;/mi&gt;&lt;mi&gt;e&lt;/mi&gt;&lt;/mrow&gt;&lt;/msub&gt;&lt;mo&gt;=&lt;/mo&gt;&lt;mn&gt;1&lt;/mn&gt;&lt;mo&gt;-&lt;/mo&gt;&lt;mfenced&gt;&lt;mrow&gt;&lt;msup&gt;&lt;mfenced&gt;&lt;mfrac&gt;&lt;mn&gt;6&lt;/mn&gt;&lt;mn&gt;9&lt;/mn&gt;&lt;/mfrac&gt;&lt;/mfenced&gt;&lt;mn&gt;2&lt;/mn&gt;&lt;/msup&gt;&lt;mo&gt;+&lt;/mo&gt;&lt;msup&gt;&lt;mfenced&gt;&lt;mfrac&gt;&lt;mn&gt;3&lt;/mn&gt;&lt;mn&gt;9&lt;/mn&gt;&lt;/mfrac&gt;&lt;/mfenced&gt;&lt;mn&gt;2&lt;/mn&gt;&lt;/msup&gt;&lt;/mrow&gt;&lt;/mfenced&gt;&lt;mo&gt;&amp;#xA0;&lt;/mo&gt;&lt;mo&gt;=&lt;/mo&gt;&lt;mo&gt;&amp;#xA0;&lt;/mo&gt;&lt;mn&gt;0&lt;/mn&gt;&lt;mo&gt;.&lt;/mo&gt;&lt;mn&gt;4445&lt;/mn&gt;&lt;mspace linebreak=&quot;newline&quot;/&gt;&lt;mspace linebreak=&quot;newline&quot;/&gt;&lt;mi&gt;P&lt;/mi&gt;&lt;mfenced&gt;&lt;mrow&gt;&lt;mi&gt;B&lt;/mi&gt;&lt;mi&gt;r&lt;/mi&gt;&lt;mi&gt;e&lt;/mi&gt;&lt;mi&gt;a&lt;/mi&gt;&lt;mi&gt;t&lt;/mi&gt;&lt;mi&gt;h&lt;/mi&gt;&lt;mi&gt;e&lt;/mi&gt;&lt;mi&gt;s&lt;/mi&gt;&lt;mo&gt;=&lt;/mo&gt;&lt;mo&gt;=&lt;/mo&gt;&lt;mi&gt;F&lt;/mi&gt;&lt;mi&gt;a&lt;/mi&gt;&lt;mi&gt;l&lt;/mi&gt;&lt;mi&gt;s&lt;/mi&gt;&lt;mi&gt;e&lt;/mi&gt;&lt;mo&gt;&amp;#xA0;&lt;/mo&gt;&lt;mo&gt;&amp;#x2229;&lt;/mo&gt;&lt;mo&gt;&amp;#xA0;&lt;/mo&gt;&lt;mi&gt;s&lt;/mi&gt;&lt;mi&gt;p&lt;/mi&gt;&lt;mi&gt;e&lt;/mi&gt;&lt;mi&gt;c&lt;/mi&gt;&lt;mi&gt;i&lt;/mi&gt;&lt;mi&gt;e&lt;/mi&gt;&lt;mi&gt;s&lt;/mi&gt;&lt;mo&gt;=&lt;/mo&gt;&lt;mo&gt;=&lt;/mo&gt;&lt;mi&gt;M&lt;/mi&gt;&lt;mi&gt;a&lt;/mi&gt;&lt;mi&gt;m&lt;/mi&gt;&lt;mi&gt;m&lt;/mi&gt;&lt;mi&gt;a&lt;/mi&gt;&lt;mi&gt;l&lt;/mi&gt;&lt;/mrow&gt;&lt;/mfenced&gt;&lt;mo&gt;&amp;#xA0;&lt;/mo&gt;&lt;mo&gt;=&lt;/mo&gt;&lt;mo&gt;&amp;#x2009;&lt;/mo&gt;&lt;mn&gt;0&lt;/mn&gt;&lt;mspace linebreak=&quot;newline&quot;/&gt;&lt;mi&gt;P&lt;/mi&gt;&lt;mfenced&gt;&lt;mrow&gt;&lt;mi&gt;B&lt;/mi&gt;&lt;mi&gt;r&lt;/mi&gt;&lt;mi&gt;e&lt;/mi&gt;&lt;mi&gt;a&lt;/mi&gt;&lt;mi&gt;t&lt;/mi&gt;&lt;mi&gt;h&lt;/mi&gt;&lt;mi&gt;e&lt;/mi&gt;&lt;mi&gt;s&lt;/mi&gt;&lt;mo&gt;=&lt;/mo&gt;&lt;mo&gt;=&lt;/mo&gt;&lt;mi&gt;F&lt;/mi&gt;&lt;mi&gt;a&lt;/mi&gt;&lt;mi&gt;l&lt;/mi&gt;&lt;mi&gt;s&lt;/mi&gt;&lt;mi&gt;e&lt;/mi&gt;&lt;mo&gt;&amp;#xA0;&lt;/mo&gt;&lt;mo&gt;&amp;#x2229;&lt;/mo&gt;&lt;mo&gt;&amp;#xA0;&lt;/mo&gt;&lt;mi&gt;s&lt;/mi&gt;&lt;mi&gt;p&lt;/mi&gt;&lt;mi&gt;e&lt;/mi&gt;&lt;mi&gt;c&lt;/mi&gt;&lt;mi&gt;i&lt;/mi&gt;&lt;mi&gt;e&lt;/mi&gt;&lt;mi&gt;s&lt;/mi&gt;&lt;mo&gt;=&lt;/mo&gt;&lt;mo&gt;=&lt;/mo&gt;&lt;mi&gt;R&lt;/mi&gt;&lt;mi&gt;e&lt;/mi&gt;&lt;mi&gt;p&lt;/mi&gt;&lt;mi&gt;t&lt;/mi&gt;&lt;mi&gt;i&lt;/mi&gt;&lt;mi&gt;l&lt;/mi&gt;&lt;mi&gt;e&lt;/mi&gt;&lt;/mrow&gt;&lt;/mfenced&gt;&lt;mo&gt;&amp;#xA0;&lt;/mo&gt;&lt;mo&gt;=&lt;/mo&gt;&lt;mo&gt;&amp;#x2009;&lt;/mo&gt;&lt;mn&gt;1&lt;/mn&gt;&lt;mspace linebreak=&quot;newline&quot;/&gt;&lt;mi&gt;G&lt;/mi&gt;&lt;mi&gt;i&lt;/mi&gt;&lt;mi&gt;n&lt;/mi&gt;&lt;mi&gt;i&lt;/mi&gt;&lt;mi&gt;I&lt;/mi&gt;&lt;mi&gt;n&lt;/mi&gt;&lt;mi&gt;d&lt;/mi&gt;&lt;mi&gt;e&lt;/mi&gt;&lt;msub&gt;&lt;mi&gt;x&lt;/mi&gt;&lt;mrow&gt;&lt;mi&gt;B&lt;/mi&gt;&lt;mi&gt;r&lt;/mi&gt;&lt;mi&gt;e&lt;/mi&gt;&lt;mi&gt;a&lt;/mi&gt;&lt;mi&gt;t&lt;/mi&gt;&lt;mi&gt;h&lt;/mi&gt;&lt;mi&gt;e&lt;/mi&gt;&lt;mi&gt;s&lt;/mi&gt;&lt;mo&gt;=&lt;/mo&gt;&lt;mo&gt;=&lt;/mo&gt;&lt;mi&gt;F&lt;/mi&gt;&lt;mi&gt;a&lt;/mi&gt;&lt;mi&gt;l&lt;/mi&gt;&lt;mi&gt;s&lt;/mi&gt;&lt;mi&gt;e&lt;/mi&gt;&lt;/mrow&gt;&lt;/msub&gt;&lt;mo&gt;=&lt;/mo&gt;&lt;mn&gt;1&lt;/mn&gt;&lt;mo&gt;-&lt;/mo&gt;&lt;mfenced&gt;&lt;mrow&gt;&lt;msup&gt;&lt;mn&gt;0&lt;/mn&gt;&lt;mn&gt;2&lt;/mn&gt;&lt;/msup&gt;&lt;mo&gt;+&lt;/mo&gt;&lt;msup&gt;&lt;mn&gt;1&lt;/mn&gt;&lt;mn&gt;2&lt;/mn&gt;&lt;/msup&gt;&lt;/mrow&gt;&lt;/mfenced&gt;&lt;mo&gt;=&lt;/mo&gt;&lt;mn&gt;0&lt;/mn&gt;&lt;mspace linebreak=&quot;newline&quot;/&gt;&lt;mspace linebreak=&quot;newline&quot;/&gt;&lt;mi&gt;G&lt;/mi&gt;&lt;mi&gt;i&lt;/mi&gt;&lt;mi&gt;n&lt;/mi&gt;&lt;mi&gt;i&lt;/mi&gt;&lt;mi&gt;I&lt;/mi&gt;&lt;mi&gt;n&lt;/mi&gt;&lt;mi&gt;d&lt;/mi&gt;&lt;mi&gt;e&lt;/mi&gt;&lt;msub&gt;&lt;mi&gt;x&lt;/mi&gt;&lt;mrow&gt;&lt;mi&gt;B&lt;/mi&gt;&lt;mi&gt;r&lt;/mi&gt;&lt;mi&gt;e&lt;/mi&gt;&lt;mi&gt;a&lt;/mi&gt;&lt;mi&gt;t&lt;/mi&gt;&lt;mi&gt;h&lt;/mi&gt;&lt;mi&gt;e&lt;/mi&gt;&lt;mi&gt;s&lt;/mi&gt;&lt;/mrow&gt;&lt;/msub&gt;&lt;mo&gt;=&lt;/mo&gt;&lt;mo&gt;&amp;#xA0;&lt;/mo&gt;&lt;mfenced&gt;&lt;mfrac&gt;&lt;mn&gt;9&lt;/mn&gt;&lt;mn&gt;10&lt;/mn&gt;&lt;/mfrac&gt;&lt;/mfenced&gt;&lt;mn&gt;0&lt;/mn&gt;&lt;mo&gt;.&lt;/mo&gt;&lt;mn&gt;4445&lt;/mn&gt;&lt;mo&gt;+&lt;/mo&gt;&lt;mo&gt;&amp;#xA0;&lt;/mo&gt;&lt;mfenced&gt;&lt;mfrac&gt;&lt;mn&gt;1&lt;/mn&gt;&lt;mn&gt;10&lt;/mn&gt;&lt;/mfrac&gt;&lt;/mfenced&gt;&lt;mn&gt;0&lt;/mn&gt;&lt;mo&gt;&amp;#xA0;&lt;/mo&gt;&lt;mo&gt;=&lt;/mo&gt;&lt;mo&gt;&amp;#xA0;&lt;/mo&gt;&lt;mn&gt;0&lt;/mn&gt;&lt;mo&gt;.&lt;/mo&gt;&lt;mn&gt;4&lt;/mn&gt;&lt;/math&gt;" id="170" name="Google Shape;170;p28" title="P open parentheses B r e a t h e s equals equals T r u e close parentheses space space equals thin space 0.9&#10;P open parentheses B r e a t h e s equals equals F a l s e close parentheses space equals thin space 0.1&#10;P open parentheses B r e a t h e s equals equals T r u e space &amp; space s p e c i e s equals equals M a m m a l close parentheses space equals thin space 6 over 9&#10;P open parentheses B r e a t h e s equals equals T r u e space intersection space s p e c i e s equals equals R e p t i l e close parentheses space equals thin space fraction numerator 3 space over denominator 9 end fraction space&#10;G i n i I n d e x subscript B r e a t h e s equals equals T r u e end subscript equals 1 minus open parentheses open parentheses 6 over 9 close parentheses squared plus open parentheses 3 over 9 close parentheses squared close parentheses space equals space 0.4445&#10;&#10;P open parentheses B r e a t h e s equals equals F a l s e space intersection space s p e c i e s equals equals M a m m a l close parentheses space equals thin space 0&#10;P open parentheses B r e a t h e s equals equals F a l s e space intersection space s p e c i e s equals equals R e p t i l e close parentheses space equals thin space 1&#10;G i n i I n d e x subscript B r e a t h e s equals equals F a l s e end subscript equals 1 minus open parentheses 0 squared plus 1 squared close parentheses equals 0&#10;&#10;G i n i I n d e x subscript B r e a t h e s end subscript equals space open parentheses 9 over 10 close parentheses 0.4445 plus space open parentheses 1 over 10 close parentheses 0 space equals space 0.4"/>
+          <p:cNvPicPr preferRelativeResize="0"/>
+          <p:nvPr/>
+        </p:nvPicPr>
+        <p:blipFill>
+          <a:blip r:embed="rId4">
+            <a:alphaModFix/>
+          </a:blip>
+          <a:stretch>
+            <a:fillRect/>
+          </a:stretch>
+        </p:blipFill>
+        <p:spPr>
+          <a:xfrm>
+            <a:off x="609600" y="1170050"/>
+            <a:ext cx="3818154" cy="3922926"/>
+          </a:xfrm>
+          <a:prstGeom prst="rect">
+            <a:avLst/>
+          </a:prstGeom>
+          <a:noFill/>
+          <a:ln>
+            <a:noFill/>
+          </a:ln>
+        </p:spPr>
+      </p:pic>
+      <p:sp>
+        <p:nvSpPr>
+          <p:cNvPr id="171" name="Google Shape;171;p28"/>
+          <p:cNvSpPr/>
+          <p:nvPr/>
+        </p:nvSpPr>
+        <p:spPr>
+          <a:xfrm>
+            <a:off x="558275" y="4589375"/>
+            <a:ext cx="3489000" cy="554100"/>
+          </a:xfrm>
+          <a:prstGeom prst="rect">
+            <a:avLst/>
+          </a:prstGeom>
+          <a:noFill/>
+          <a:ln cap="flat" cmpd="sng" w="28575">
+            <a:solidFill>
+              <a:srgbClr val="FF0000"/>
+            </a:solidFill>
+            <a:prstDash val="solid"/>
+            <a:round/>
+            <a:headEnd len="sm" w="sm" type="none"/>
+            <a:tailEnd len="sm" w="sm" type="none"/>
+          </a:ln>
+        </p:spPr>
+        <p:txBody>
+          <a:bodyPr anchorCtr="0" anchor="ctr" bIns="91425" lIns="91425" spcFirstLastPara="1" rIns="91425" wrap="square" tIns="91425">
+            <a:noAutofit/>
+          </a:bodyPr>
+          <a:lstStyle/>
+          <a:p>
+            <a:pPr indent="0" lvl="0" marL="0" rtl="0" algn="l">
+              <a:spcBef>
+                <a:spcPts val="0"/>
+              </a:spcBef>
+              <a:spcAft>
+                <a:spcPts val="0"/>
+              </a:spcAft>
+              <a:buNone/>
+            </a:pPr>
+            <a:r>
+              <a:t/>
+            </a:r>
+            <a:endParaRPr/>
+          </a:p>
+        </p:txBody>
+      </p:sp>
+    </p:spTree>
+  </p:cSld>
+  <p:clrMapOvr>
+    <a:masterClrMapping/>
+  </p:clrMapOvr>
+</p:sld>
+</file>
+
+<file path=ppt/slides/slide17.xml><?xml version="1.0" encoding="utf-8"?>
+<p:sld xmlns:a="http://schemas.openxmlformats.org/drawingml/2006/main" xmlns:r="http://schemas.openxmlformats.org/officeDocument/2006/relationships" xmlns:mc="http://schemas.openxmlformats.org/markup-compatibility/2006" xmlns:mv="urn:schemas-microsoft-com:mac:vml" xmlns:p="http://schemas.openxmlformats.org/presentationml/2006/main" xmlns:c="http://schemas.openxmlformats.org/drawingml/2006/chart" xmlns:dgm="http://schemas.openxmlformats.org/drawingml/2006/diagram" xmlns:o="urn:schemas-microsoft-com:office:office" xmlns:v="urn:schemas-microsoft-com:vml" xmlns:pvml="urn:schemas-microsoft-com:office:powerpoint" xmlns:com="http://schemas.openxmlformats.org/drawingml/2006/compatibility" xmlns:p14="http://schemas.microsoft.com/office/powerpoint/2010/main" xmlns:p15="http://schemas.microsoft.com/office/powerpoint/2012/main" xmlns:ahyp="http://schemas.microsoft.com/office/drawing/2018/hyperlinkcolor">
+  <p:cSld>
+    <p:spTree>
+      <p:nvGrpSpPr>
+        <p:cNvPr id="175" name="Shape 175"/>
+        <p:cNvGrpSpPr/>
+        <p:nvPr/>
+      </p:nvGrpSpPr>
+      <p:grpSpPr>
+        <a:xfrm>
+          <a:off x="0" y="0"/>
+          <a:ext cx="0" cy="0"/>
+          <a:chOff x="0" y="0"/>
+          <a:chExt cx="0" cy="0"/>
+        </a:xfrm>
+      </p:grpSpPr>
+      <p:sp>
+        <p:nvSpPr>
+          <p:cNvPr id="176" name="Google Shape;176;p29"/>
+          <p:cNvSpPr txBox="1"/>
+          <p:nvPr>
+            <p:ph type="title"/>
+          </p:nvPr>
+        </p:nvSpPr>
+        <p:spPr>
+          <a:xfrm>
+            <a:off x="5240675" y="292850"/>
+            <a:ext cx="3591900" cy="801000"/>
+          </a:xfrm>
+          <a:prstGeom prst="rect">
+            <a:avLst/>
+          </a:prstGeom>
+        </p:spPr>
+        <p:txBody>
+          <a:bodyPr anchorCtr="0" anchor="t" bIns="91425" lIns="91425" spcFirstLastPara="1" rIns="91425" wrap="square" tIns="91425">
+            <a:noAutofit/>
+          </a:bodyPr>
+          <a:lstStyle/>
+          <a:p>
+            <a:pPr indent="0" lvl="0" marL="0" rtl="0" algn="l">
+              <a:spcBef>
+                <a:spcPts val="0"/>
+              </a:spcBef>
+              <a:spcAft>
+                <a:spcPts val="0"/>
+              </a:spcAft>
+              <a:buNone/>
+            </a:pPr>
+            <a:r>
+              <a:rPr lang="es"/>
+              <a:t>construcción del árbol</a:t>
+            </a:r>
+            <a:endParaRPr/>
+          </a:p>
+        </p:txBody>
+      </p:sp>
+      <p:sp>
+        <p:nvSpPr>
+          <p:cNvPr id="177" name="Google Shape;177;p29"/>
+          <p:cNvSpPr txBox="1"/>
+          <p:nvPr/>
+        </p:nvSpPr>
+        <p:spPr>
+          <a:xfrm>
+            <a:off x="6801900" y="4568875"/>
+            <a:ext cx="2342100" cy="600300"/>
+          </a:xfrm>
+          <a:prstGeom prst="rect">
+            <a:avLst/>
+          </a:prstGeom>
+          <a:noFill/>
+          <a:ln>
+            <a:noFill/>
+          </a:ln>
+        </p:spPr>
+        <p:txBody>
+          <a:bodyPr anchorCtr="0" anchor="t" bIns="91425" lIns="91425" spcFirstLastPara="1" rIns="91425" wrap="square" tIns="91425">
+            <a:spAutoFit/>
+          </a:bodyPr>
+          <a:lstStyle/>
+          <a:p>
+            <a:pPr indent="0" lvl="0" marL="0" rtl="0" algn="l">
+              <a:spcBef>
+                <a:spcPts val="0"/>
+              </a:spcBef>
+              <a:spcAft>
+                <a:spcPts val="0"/>
+              </a:spcAft>
+              <a:buNone/>
+            </a:pPr>
+            <a:r>
+              <a:rPr lang="es" sz="900"/>
+              <a:t>https://towardsdatascience.com/machine-learning-basics-descision-tree-from-scratch-part-ii-dee664d46831</a:t>
+            </a:r>
+            <a:endParaRPr sz="900"/>
+          </a:p>
+        </p:txBody>
+      </p:sp>
+      <p:pic>
+        <p:nvPicPr>
+          <p:cNvPr id="178" name="Google Shape;178;p29"/>
+          <p:cNvPicPr preferRelativeResize="0"/>
+          <p:nvPr/>
+        </p:nvPicPr>
+        <p:blipFill>
+          <a:blip r:embed="rId3">
+            <a:alphaModFix/>
+          </a:blip>
+          <a:stretch>
+            <a:fillRect/>
+          </a:stretch>
+        </p:blipFill>
+        <p:spPr>
+          <a:xfrm>
+            <a:off x="370065" y="76200"/>
+            <a:ext cx="4621385" cy="4991100"/>
+          </a:xfrm>
+          <a:prstGeom prst="rect">
+            <a:avLst/>
+          </a:prstGeom>
+          <a:noFill/>
+          <a:ln>
+            <a:noFill/>
+          </a:ln>
+        </p:spPr>
+      </p:pic>
+      <p:sp>
+        <p:nvSpPr>
+          <p:cNvPr id="179" name="Google Shape;179;p29"/>
+          <p:cNvSpPr txBox="1"/>
+          <p:nvPr>
+            <p:ph idx="1" type="body"/>
+          </p:nvPr>
+        </p:nvSpPr>
+        <p:spPr>
+          <a:xfrm>
+            <a:off x="5088275" y="1814800"/>
+            <a:ext cx="3903300" cy="2839200"/>
+          </a:xfrm>
+          <a:prstGeom prst="rect">
+            <a:avLst/>
+          </a:prstGeom>
+        </p:spPr>
+        <p:txBody>
+          <a:bodyPr anchorCtr="0" anchor="t" bIns="91425" lIns="91425" spcFirstLastPara="1" rIns="91425" wrap="square" tIns="91425">
+            <a:noAutofit/>
+          </a:bodyPr>
+          <a:lstStyle/>
+          <a:p>
+            <a:pPr indent="0" lvl="0" marL="0" rtl="0" algn="l">
+              <a:spcBef>
+                <a:spcPts val="0"/>
+              </a:spcBef>
+              <a:spcAft>
+                <a:spcPts val="1600"/>
+              </a:spcAft>
+              <a:buNone/>
+            </a:pPr>
+            <a:r>
+              <a:rPr lang="es"/>
+              <a:t>Si repetimos este proceso hasta llegar a todas las hojas (clases) tendremos nuestro esqueleto de árbol de decisión listo para los datos de prueba.</a:t>
+            </a:r>
+            <a:endParaRPr/>
+          </a:p>
+        </p:txBody>
+      </p:sp>
+    </p:spTree>
+  </p:cSld>
+  <p:clrMapOvr>
+    <a:masterClrMapping/>
+  </p:clrMapOvr>
+</p:sld>
+</file>
+
+<file path=ppt/slides/slide18.xml><?xml version="1.0" encoding="utf-8"?>
+<p:sld xmlns:a="http://schemas.openxmlformats.org/drawingml/2006/main" xmlns:r="http://schemas.openxmlformats.org/officeDocument/2006/relationships" xmlns:mc="http://schemas.openxmlformats.org/markup-compatibility/2006" xmlns:mv="urn:schemas-microsoft-com:mac:vml" xmlns:p="http://schemas.openxmlformats.org/presentationml/2006/main" xmlns:c="http://schemas.openxmlformats.org/drawingml/2006/chart" xmlns:dgm="http://schemas.openxmlformats.org/drawingml/2006/diagram" xmlns:o="urn:schemas-microsoft-com:office:office" xmlns:v="urn:schemas-microsoft-com:vml" xmlns:pvml="urn:schemas-microsoft-com:office:powerpoint" xmlns:com="http://schemas.openxmlformats.org/drawingml/2006/compatibility" xmlns:p14="http://schemas.microsoft.com/office/powerpoint/2010/main" xmlns:p15="http://schemas.microsoft.com/office/powerpoint/2012/main" xmlns:ahyp="http://schemas.microsoft.com/office/drawing/2018/hyperlinkcolor">
+  <p:cSld>
+    <p:spTree>
+      <p:nvGrpSpPr>
+        <p:cNvPr id="183" name="Shape 183"/>
+        <p:cNvGrpSpPr/>
+        <p:nvPr/>
+      </p:nvGrpSpPr>
+      <p:grpSpPr>
+        <a:xfrm>
+          <a:off x="0" y="0"/>
+          <a:ext cx="0" cy="0"/>
+          <a:chOff x="0" y="0"/>
+          <a:chExt cx="0" cy="0"/>
+        </a:xfrm>
+      </p:grpSpPr>
+      <p:sp>
+        <p:nvSpPr>
+          <p:cNvPr id="184" name="Google Shape;184;p30"/>
+          <p:cNvSpPr txBox="1"/>
+          <p:nvPr>
+            <p:ph type="title"/>
+          </p:nvPr>
+        </p:nvSpPr>
+        <p:spPr>
+          <a:xfrm>
+            <a:off x="311700" y="292850"/>
+            <a:ext cx="8520600" cy="801000"/>
+          </a:xfrm>
+          <a:prstGeom prst="rect">
+            <a:avLst/>
+          </a:prstGeom>
+        </p:spPr>
+        <p:txBody>
+          <a:bodyPr anchorCtr="0" anchor="t" bIns="91425" lIns="91425" spcFirstLastPara="1" rIns="91425" wrap="square" tIns="91425">
+            <a:noAutofit/>
+          </a:bodyPr>
+          <a:lstStyle/>
+          <a:p>
+            <a:pPr indent="0" lvl="0" marL="0" rtl="0" algn="l">
+              <a:spcBef>
+                <a:spcPts val="0"/>
+              </a:spcBef>
+              <a:spcAft>
+                <a:spcPts val="0"/>
+              </a:spcAft>
+              <a:buNone/>
+            </a:pPr>
+            <a:r>
+              <a:rPr lang="es"/>
+              <a:t>poda</a:t>
+            </a:r>
+            <a:endParaRPr/>
+          </a:p>
+        </p:txBody>
+      </p:sp>
+      <p:sp>
+        <p:nvSpPr>
+          <p:cNvPr id="185" name="Google Shape;185;p30"/>
+          <p:cNvSpPr txBox="1"/>
+          <p:nvPr>
+            <p:ph idx="1" type="body"/>
+          </p:nvPr>
+        </p:nvSpPr>
+        <p:spPr>
+          <a:xfrm>
+            <a:off x="311700" y="1228675"/>
+            <a:ext cx="8152500" cy="3330300"/>
+          </a:xfrm>
+          <a:prstGeom prst="rect">
+            <a:avLst/>
+          </a:prstGeom>
+        </p:spPr>
+        <p:txBody>
+          <a:bodyPr anchorCtr="0" anchor="t" bIns="91425" lIns="91425" spcFirstLastPara="1" rIns="91425" wrap="square" tIns="91425">
+            <a:noAutofit/>
+          </a:bodyPr>
+          <a:lstStyle/>
+          <a:p>
+            <a:pPr indent="0" lvl="0" marL="0" rtl="0" algn="l">
+              <a:spcBef>
+                <a:spcPts val="0"/>
+              </a:spcBef>
+              <a:spcAft>
+                <a:spcPts val="0"/>
+              </a:spcAft>
+              <a:buNone/>
+            </a:pPr>
+            <a:r>
+              <a:rPr lang="es"/>
+              <a:t>El criterio de paro (de generación de nodos de decisión) influye en el rendimiento del modelo. Usualmente se prefieren árboles con pocos niveles. </a:t>
+            </a:r>
+            <a:endParaRPr/>
+          </a:p>
+          <a:p>
+            <a:pPr indent="0" lvl="0" marL="0" rtl="0" algn="l">
+              <a:spcBef>
+                <a:spcPts val="1600"/>
+              </a:spcBef>
+              <a:spcAft>
+                <a:spcPts val="1600"/>
+              </a:spcAft>
+              <a:buNone/>
+            </a:pPr>
+            <a:r>
+              <a:t/>
+            </a:r>
+            <a:endParaRPr/>
+          </a:p>
+        </p:txBody>
+      </p:sp>
+      <p:pic>
+        <p:nvPicPr>
+          <p:cNvPr id="186" name="Google Shape;186;p30"/>
+          <p:cNvPicPr preferRelativeResize="0"/>
+          <p:nvPr/>
+        </p:nvPicPr>
+        <p:blipFill>
+          <a:blip r:embed="rId3">
+            <a:alphaModFix/>
+          </a:blip>
+          <a:stretch>
+            <a:fillRect/>
+          </a:stretch>
+        </p:blipFill>
+        <p:spPr>
+          <a:xfrm>
+            <a:off x="946575" y="2829697"/>
+            <a:ext cx="3102300" cy="1119410"/>
+          </a:xfrm>
+          <a:prstGeom prst="rect">
+            <a:avLst/>
+          </a:prstGeom>
+          <a:noFill/>
+          <a:ln>
+            <a:noFill/>
+          </a:ln>
+        </p:spPr>
+      </p:pic>
+      <p:pic>
+        <p:nvPicPr>
+          <p:cNvPr id="187" name="Google Shape;187;p30"/>
+          <p:cNvPicPr preferRelativeResize="0"/>
+          <p:nvPr/>
+        </p:nvPicPr>
+        <p:blipFill>
+          <a:blip r:embed="rId4">
+            <a:alphaModFix/>
+          </a:blip>
+          <a:stretch>
+            <a:fillRect/>
+          </a:stretch>
+        </p:blipFill>
+        <p:spPr>
+          <a:xfrm>
+            <a:off x="5469888" y="2416575"/>
             <a:ext cx="2632226" cy="2053775"/>
+          </a:xfrm>
+          <a:prstGeom prst="rect">
+            <a:avLst/>
+          </a:prstGeom>
+          <a:noFill/>
+          <a:ln>
+            <a:noFill/>
+          </a:ln>
+        </p:spPr>
+      </p:pic>
+    </p:spTree>
+  </p:cSld>
+  <p:clrMapOvr>
+    <a:masterClrMapping/>
+  </p:clrMapOvr>
+</p:sld>
+</file>
+
+<file path=ppt/slides/slide19.xml><?xml version="1.0" encoding="utf-8"?>
+<p:sld xmlns:a="http://schemas.openxmlformats.org/drawingml/2006/main" xmlns:r="http://schemas.openxmlformats.org/officeDocument/2006/relationships" xmlns:mc="http://schemas.openxmlformats.org/markup-compatibility/2006" xmlns:mv="urn:schemas-microsoft-com:mac:vml" xmlns:p="http://schemas.openxmlformats.org/presentationml/2006/main" xmlns:c="http://schemas.openxmlformats.org/drawingml/2006/chart" xmlns:dgm="http://schemas.openxmlformats.org/drawingml/2006/diagram" xmlns:o="urn:schemas-microsoft-com:office:office" xmlns:v="urn:schemas-microsoft-com:vml" xmlns:pvml="urn:schemas-microsoft-com:office:powerpoint" xmlns:com="http://schemas.openxmlformats.org/drawingml/2006/compatibility" xmlns:p14="http://schemas.microsoft.com/office/powerpoint/2010/main" xmlns:p15="http://schemas.microsoft.com/office/powerpoint/2012/main" xmlns:ahyp="http://schemas.microsoft.com/office/drawing/2018/hyperlinkcolor">
+  <p:cSld>
+    <p:spTree>
+      <p:nvGrpSpPr>
+        <p:cNvPr id="191" name="Shape 191"/>
+        <p:cNvGrpSpPr/>
+        <p:nvPr/>
+      </p:nvGrpSpPr>
+      <p:grpSpPr>
+        <a:xfrm>
+          <a:off x="0" y="0"/>
+          <a:ext cx="0" cy="0"/>
+          <a:chOff x="0" y="0"/>
+          <a:chExt cx="0" cy="0"/>
+        </a:xfrm>
+      </p:grpSpPr>
+      <p:sp>
+        <p:nvSpPr>
+          <p:cNvPr id="192" name="Google Shape;192;p31"/>
+          <p:cNvSpPr txBox="1"/>
+          <p:nvPr>
+            <p:ph type="title"/>
+          </p:nvPr>
+        </p:nvSpPr>
+        <p:spPr>
+          <a:xfrm>
+            <a:off x="311700" y="292850"/>
+            <a:ext cx="8520600" cy="801000"/>
+          </a:xfrm>
+          <a:prstGeom prst="rect">
+            <a:avLst/>
+          </a:prstGeom>
+        </p:spPr>
+        <p:txBody>
+          <a:bodyPr anchorCtr="0" anchor="t" bIns="91425" lIns="91425" spcFirstLastPara="1" rIns="91425" wrap="square" tIns="91425">
+            <a:noAutofit/>
+          </a:bodyPr>
+          <a:lstStyle/>
+          <a:p>
+            <a:pPr indent="0" lvl="0" marL="0" rtl="0" algn="l">
+              <a:spcBef>
+                <a:spcPts val="0"/>
+              </a:spcBef>
+              <a:spcAft>
+                <a:spcPts val="0"/>
+              </a:spcAft>
+              <a:buNone/>
+            </a:pPr>
+            <a:r>
+              <a:rPr lang="es"/>
+              <a:t>varianza vs. sesgo</a:t>
+            </a:r>
+            <a:endParaRPr/>
+          </a:p>
+        </p:txBody>
+      </p:sp>
+      <p:pic>
+        <p:nvPicPr>
+          <p:cNvPr id="193" name="Google Shape;193;p31"/>
+          <p:cNvPicPr preferRelativeResize="0"/>
+          <p:nvPr/>
+        </p:nvPicPr>
+        <p:blipFill>
+          <a:blip r:embed="rId3">
+            <a:alphaModFix/>
+          </a:blip>
+          <a:stretch>
+            <a:fillRect/>
+          </a:stretch>
+        </p:blipFill>
+        <p:spPr>
+          <a:xfrm>
+            <a:off x="1905000" y="1246250"/>
+            <a:ext cx="5220544" cy="3744850"/>
+          </a:xfrm>
+          <a:prstGeom prst="rect">
+            <a:avLst/>
+          </a:prstGeom>
+          <a:noFill/>
+          <a:ln>
+            <a:noFill/>
+          </a:ln>
+        </p:spPr>
+      </p:pic>
+      <p:pic>
+        <p:nvPicPr>
+          <p:cNvPr id="194" name="Google Shape;194;p31"/>
+          <p:cNvPicPr preferRelativeResize="0"/>
+          <p:nvPr/>
+        </p:nvPicPr>
+        <p:blipFill>
+          <a:blip r:embed="rId4">
+            <a:alphaModFix/>
+          </a:blip>
+          <a:stretch>
+            <a:fillRect/>
+          </a:stretch>
+        </p:blipFill>
+        <p:spPr>
+          <a:xfrm>
+            <a:off x="108375" y="2067699"/>
+            <a:ext cx="2219889" cy="801000"/>
+          </a:xfrm>
+          <a:prstGeom prst="rect">
+            <a:avLst/>
+          </a:prstGeom>
+          <a:noFill/>
+          <a:ln>
+            <a:noFill/>
+          </a:ln>
+        </p:spPr>
+      </p:pic>
+      <p:pic>
+        <p:nvPicPr>
+          <p:cNvPr id="195" name="Google Shape;195;p31"/>
+          <p:cNvPicPr preferRelativeResize="0"/>
+          <p:nvPr/>
+        </p:nvPicPr>
+        <p:blipFill>
+          <a:blip r:embed="rId5">
+            <a:alphaModFix/>
+          </a:blip>
+          <a:stretch>
+            <a:fillRect/>
+          </a:stretch>
+        </p:blipFill>
+        <p:spPr>
+          <a:xfrm>
+            <a:off x="6958650" y="1730775"/>
+            <a:ext cx="2134076" cy="1665075"/>
           </a:xfrm>
           <a:prstGeom prst="rect">
             <a:avLst/>
@@ -7465,49 +10029,9 @@
           </a:p>
         </p:txBody>
       </p:sp>
-      <p:sp>
-        <p:nvSpPr>
-          <p:cNvPr id="63" name="Google Shape;63;p14"/>
-          <p:cNvSpPr txBox="1"/>
-          <p:nvPr>
-            <p:ph idx="1" type="body"/>
-          </p:nvPr>
-        </p:nvSpPr>
-        <p:spPr>
-          <a:xfrm>
-            <a:off x="311700" y="1228675"/>
-            <a:ext cx="3787500" cy="3340200"/>
-          </a:xfrm>
-          <a:prstGeom prst="rect">
-            <a:avLst/>
-          </a:prstGeom>
-        </p:spPr>
-        <p:txBody>
-          <a:bodyPr anchorCtr="0" anchor="t" bIns="91425" lIns="91425" spcFirstLastPara="1" rIns="91425" wrap="square" tIns="91425">
-            <a:noAutofit/>
-          </a:bodyPr>
-          <a:lstStyle/>
-          <a:p>
-            <a:pPr indent="0" lvl="0" marL="0" rtl="0" algn="l">
-              <a:spcBef>
-                <a:spcPts val="0"/>
-              </a:spcBef>
-              <a:spcAft>
-                <a:spcPts val="1600"/>
-              </a:spcAft>
-              <a:buNone/>
-            </a:pPr>
-            <a:r>
-              <a:rPr lang="es"/>
-              <a:t>Es un grafo acíclico en términos de estructuras de datos. Está compuesto por nodos y aristas. Un árbol enraizado tiene un nodo raíz inicial. Un árbol tiene h niveles, todos los nodos tienen al menos un nodo hijo excepto los que se encuentran en los hojas.</a:t>
-            </a:r>
-            <a:endParaRPr/>
-          </a:p>
-        </p:txBody>
-      </p:sp>
       <p:pic>
         <p:nvPicPr>
-          <p:cNvPr id="64" name="Google Shape;64;p14"/>
+          <p:cNvPr id="63" name="Google Shape;63;p14"/>
           <p:cNvPicPr preferRelativeResize="0"/>
           <p:nvPr/>
         </p:nvPicPr>
@@ -7521,8 +10045,8 @@
         </p:blipFill>
         <p:spPr>
           <a:xfrm>
-            <a:off x="5181601" y="-19050"/>
-            <a:ext cx="3380477" cy="2571750"/>
+            <a:off x="6090609" y="285750"/>
+            <a:ext cx="3004865" cy="2286001"/>
           </a:xfrm>
           <a:prstGeom prst="rect">
             <a:avLst/>
@@ -7535,7 +10059,7 @@
       </p:pic>
       <p:pic>
         <p:nvPicPr>
-          <p:cNvPr id="65" name="Google Shape;65;p14"/>
+          <p:cNvPr id="64" name="Google Shape;64;p14"/>
           <p:cNvPicPr preferRelativeResize="0"/>
           <p:nvPr/>
         </p:nvPicPr>
@@ -7549,8 +10073,64 @@
         </p:blipFill>
         <p:spPr>
           <a:xfrm>
-            <a:off x="4556400" y="2705101"/>
-            <a:ext cx="4151262" cy="2285999"/>
+            <a:off x="291925" y="1246250"/>
+            <a:ext cx="3627375" cy="3627375"/>
+          </a:xfrm>
+          <a:prstGeom prst="rect">
+            <a:avLst/>
+          </a:prstGeom>
+          <a:noFill/>
+          <a:ln>
+            <a:noFill/>
+          </a:ln>
+        </p:spPr>
+      </p:pic>
+      <p:pic>
+        <p:nvPicPr>
+          <p:cNvPr id="65" name="Google Shape;65;p14"/>
+          <p:cNvPicPr preferRelativeResize="0"/>
+          <p:nvPr/>
+        </p:nvPicPr>
+        <p:blipFill>
+          <a:blip r:embed="rId5">
+            <a:alphaModFix/>
+          </a:blip>
+          <a:stretch>
+            <a:fillRect/>
+          </a:stretch>
+        </p:blipFill>
+        <p:spPr>
+          <a:xfrm>
+            <a:off x="4833700" y="2781300"/>
+            <a:ext cx="3388757" cy="2209800"/>
+          </a:xfrm>
+          <a:prstGeom prst="rect">
+            <a:avLst/>
+          </a:prstGeom>
+          <a:noFill/>
+          <a:ln>
+            <a:noFill/>
+          </a:ln>
+        </p:spPr>
+      </p:pic>
+      <p:pic>
+        <p:nvPicPr>
+          <p:cNvPr id="66" name="Google Shape;66;p14"/>
+          <p:cNvPicPr preferRelativeResize="0"/>
+          <p:nvPr/>
+        </p:nvPicPr>
+        <p:blipFill>
+          <a:blip r:embed="rId6">
+            <a:alphaModFix/>
+          </a:blip>
+          <a:stretch>
+            <a:fillRect/>
+          </a:stretch>
+        </p:blipFill>
+        <p:spPr>
+          <a:xfrm>
+            <a:off x="3527495" y="94325"/>
+            <a:ext cx="2456229" cy="2571750"/>
           </a:xfrm>
           <a:prstGeom prst="rect">
             <a:avLst/>
@@ -7574,7 +10154,7 @@
   <p:cSld>
     <p:spTree>
       <p:nvGrpSpPr>
-        <p:cNvPr id="69" name="Shape 69"/>
+        <p:cNvPr id="70" name="Shape 70"/>
         <p:cNvGrpSpPr/>
         <p:nvPr/>
       </p:nvGrpSpPr>
@@ -7588,7 +10168,7 @@
       </p:grpSpPr>
       <p:sp>
         <p:nvSpPr>
-          <p:cNvPr id="70" name="Google Shape;70;p15"/>
+          <p:cNvPr id="71" name="Google Shape;71;p15"/>
           <p:cNvSpPr txBox="1"/>
           <p:nvPr>
             <p:ph type="title"/>
@@ -7620,7 +10200,7 @@
             </a:pPr>
             <a:r>
               <a:rPr lang="es"/>
-              <a:t>Árbol de decisión</a:t>
+              <a:t>¿qué es un árbol?</a:t>
             </a:r>
             <a:endParaRPr/>
           </a:p>
@@ -7628,7 +10208,7 @@
       </p:sp>
       <p:sp>
         <p:nvSpPr>
-          <p:cNvPr id="71" name="Google Shape;71;p15"/>
+          <p:cNvPr id="72" name="Google Shape;72;p15"/>
           <p:cNvSpPr txBox="1"/>
           <p:nvPr>
             <p:ph idx="1" type="body"/>
@@ -7654,29 +10234,13 @@
                 <a:spcPts val="0"/>
               </a:spcBef>
               <a:spcAft>
-                <a:spcPts val="0"/>
+                <a:spcPts val="1600"/>
               </a:spcAft>
               <a:buNone/>
             </a:pPr>
             <a:r>
               <a:rPr lang="es"/>
-              <a:t>Los árboles de decisión usualmente son binarios, es decir cada nodo tiene 2 hijos.</a:t>
-            </a:r>
-            <a:endParaRPr/>
-          </a:p>
-          <a:p>
-            <a:pPr indent="0" lvl="0" marL="0" rtl="0" algn="l">
-              <a:spcBef>
-                <a:spcPts val="1600"/>
-              </a:spcBef>
-              <a:spcAft>
-                <a:spcPts val="1600"/>
-              </a:spcAft>
-              <a:buNone/>
-            </a:pPr>
-            <a:r>
-              <a:rPr lang="es"/>
-              <a:t>Son simples y útiles para interpretación</a:t>
+              <a:t>Es un grafo acíclico en términos de estructuras de datos. Está compuesto por nodos y aristas. Un árbol enraizado tiene un nodo raíz inicial. Un árbol tiene h niveles, todos los nodos tienen al menos un nodo hijo excepto los que se encuentran en los hojas.</a:t>
             </a:r>
             <a:endParaRPr/>
           </a:p>
@@ -7684,7 +10248,7 @@
       </p:sp>
       <p:pic>
         <p:nvPicPr>
-          <p:cNvPr id="72" name="Google Shape;72;p15"/>
+          <p:cNvPr id="73" name="Google Shape;73;p15"/>
           <p:cNvPicPr preferRelativeResize="0"/>
           <p:nvPr/>
         </p:nvPicPr>
@@ -7698,36 +10262,8 @@
         </p:blipFill>
         <p:spPr>
           <a:xfrm>
-            <a:off x="4251600" y="179450"/>
-            <a:ext cx="4740000" cy="2617676"/>
-          </a:xfrm>
-          <a:prstGeom prst="rect">
-            <a:avLst/>
-          </a:prstGeom>
-          <a:noFill/>
-          <a:ln>
-            <a:noFill/>
-          </a:ln>
-        </p:spPr>
-      </p:pic>
-      <p:pic>
-        <p:nvPicPr>
-          <p:cNvPr id="73" name="Google Shape;73;p15"/>
-          <p:cNvPicPr preferRelativeResize="0"/>
-          <p:nvPr/>
-        </p:nvPicPr>
-        <p:blipFill>
-          <a:blip r:embed="rId4">
-            <a:alphaModFix/>
-          </a:blip>
-          <a:stretch>
-            <a:fillRect/>
-          </a:stretch>
-        </p:blipFill>
-        <p:spPr>
-          <a:xfrm>
-            <a:off x="4251600" y="3025726"/>
-            <a:ext cx="4739999" cy="1793092"/>
+            <a:off x="4556400" y="1333501"/>
+            <a:ext cx="4151262" cy="2285999"/>
           </a:xfrm>
           <a:prstGeom prst="rect">
             <a:avLst/>
@@ -7773,15 +10309,15 @@
         </p:nvSpPr>
         <p:spPr>
           <a:xfrm>
-            <a:off x="490250" y="526350"/>
-            <a:ext cx="8159700" cy="4090800"/>
+            <a:off x="311700" y="292850"/>
+            <a:ext cx="8520600" cy="801000"/>
           </a:xfrm>
           <a:prstGeom prst="rect">
             <a:avLst/>
           </a:prstGeom>
         </p:spPr>
         <p:txBody>
-          <a:bodyPr anchorCtr="0" anchor="ctr" bIns="91425" lIns="91425" spcFirstLastPara="1" rIns="91425" wrap="square" tIns="91425">
+          <a:bodyPr anchorCtr="0" anchor="t" bIns="91425" lIns="91425" spcFirstLastPara="1" rIns="91425" wrap="square" tIns="91425">
             <a:noAutofit/>
           </a:bodyPr>
           <a:lstStyle/>
@@ -7797,12 +10333,124 @@
             </a:pPr>
             <a:r>
               <a:rPr lang="es"/>
-              <a:t>6.3.1	árboles de regresión</a:t>
+              <a:t>Árbol de decisión</a:t>
             </a:r>
             <a:endParaRPr/>
           </a:p>
         </p:txBody>
       </p:sp>
+      <p:sp>
+        <p:nvSpPr>
+          <p:cNvPr id="79" name="Google Shape;79;p16"/>
+          <p:cNvSpPr txBox="1"/>
+          <p:nvPr>
+            <p:ph idx="1" type="body"/>
+          </p:nvPr>
+        </p:nvSpPr>
+        <p:spPr>
+          <a:xfrm>
+            <a:off x="311700" y="1228675"/>
+            <a:ext cx="3294900" cy="3340200"/>
+          </a:xfrm>
+          <a:prstGeom prst="rect">
+            <a:avLst/>
+          </a:prstGeom>
+        </p:spPr>
+        <p:txBody>
+          <a:bodyPr anchorCtr="0" anchor="t" bIns="91425" lIns="91425" spcFirstLastPara="1" rIns="91425" wrap="square" tIns="91425">
+            <a:noAutofit/>
+          </a:bodyPr>
+          <a:lstStyle/>
+          <a:p>
+            <a:pPr indent="0" lvl="0" marL="0" rtl="0" algn="l">
+              <a:spcBef>
+                <a:spcPts val="0"/>
+              </a:spcBef>
+              <a:spcAft>
+                <a:spcPts val="0"/>
+              </a:spcAft>
+              <a:buNone/>
+            </a:pPr>
+            <a:r>
+              <a:rPr lang="es"/>
+              <a:t>Los árboles de decisión usualmente son binarios, es decir cada nodo tiene 2 hijos.</a:t>
+            </a:r>
+            <a:endParaRPr/>
+          </a:p>
+          <a:p>
+            <a:pPr indent="0" lvl="0" marL="0" rtl="0" algn="l">
+              <a:spcBef>
+                <a:spcPts val="1600"/>
+              </a:spcBef>
+              <a:spcAft>
+                <a:spcPts val="1600"/>
+              </a:spcAft>
+              <a:buNone/>
+            </a:pPr>
+            <a:r>
+              <a:rPr lang="es"/>
+              <a:t>Son simples y útiles para interpretación</a:t>
+            </a:r>
+            <a:endParaRPr/>
+          </a:p>
+        </p:txBody>
+      </p:sp>
+      <p:pic>
+        <p:nvPicPr>
+          <p:cNvPr id="80" name="Google Shape;80;p16"/>
+          <p:cNvPicPr preferRelativeResize="0"/>
+          <p:nvPr/>
+        </p:nvPicPr>
+        <p:blipFill>
+          <a:blip r:embed="rId3">
+            <a:alphaModFix/>
+          </a:blip>
+          <a:stretch>
+            <a:fillRect/>
+          </a:stretch>
+        </p:blipFill>
+        <p:spPr>
+          <a:xfrm>
+            <a:off x="4251600" y="179450"/>
+            <a:ext cx="4740000" cy="2617676"/>
+          </a:xfrm>
+          <a:prstGeom prst="rect">
+            <a:avLst/>
+          </a:prstGeom>
+          <a:noFill/>
+          <a:ln>
+            <a:noFill/>
+          </a:ln>
+        </p:spPr>
+      </p:pic>
+      <p:pic>
+        <p:nvPicPr>
+          <p:cNvPr id="81" name="Google Shape;81;p16"/>
+          <p:cNvPicPr preferRelativeResize="0"/>
+          <p:nvPr/>
+        </p:nvPicPr>
+        <p:blipFill>
+          <a:blip r:embed="rId4">
+            <a:alphaModFix/>
+          </a:blip>
+          <a:stretch>
+            <a:fillRect/>
+          </a:stretch>
+        </p:blipFill>
+        <p:spPr>
+          <a:xfrm>
+            <a:off x="4251600" y="3025726"/>
+            <a:ext cx="4739999" cy="1793092"/>
+          </a:xfrm>
+          <a:prstGeom prst="rect">
+            <a:avLst/>
+          </a:prstGeom>
+          <a:noFill/>
+          <a:ln>
+            <a:noFill/>
+          </a:ln>
+        </p:spPr>
+      </p:pic>
     </p:spTree>
   </p:cSld>
   <p:clrMapOvr>
@@ -7816,7 +10464,7 @@
   <p:cSld>
     <p:spTree>
       <p:nvGrpSpPr>
-        <p:cNvPr id="82" name="Shape 82"/>
+        <p:cNvPr id="85" name="Shape 85"/>
         <p:cNvGrpSpPr/>
         <p:nvPr/>
       </p:nvGrpSpPr>
@@ -7830,7 +10478,7 @@
       </p:grpSpPr>
       <p:sp>
         <p:nvSpPr>
-          <p:cNvPr id="83" name="Google Shape;83;p17"/>
+          <p:cNvPr id="86" name="Google Shape;86;p17"/>
           <p:cNvSpPr txBox="1"/>
           <p:nvPr>
             <p:ph type="title"/>
@@ -7838,15 +10486,15 @@
         </p:nvSpPr>
         <p:spPr>
           <a:xfrm>
-            <a:off x="311700" y="292850"/>
-            <a:ext cx="8520600" cy="801000"/>
+            <a:off x="490250" y="526350"/>
+            <a:ext cx="8159700" cy="4090800"/>
           </a:xfrm>
           <a:prstGeom prst="rect">
             <a:avLst/>
           </a:prstGeom>
         </p:spPr>
         <p:txBody>
-          <a:bodyPr anchorCtr="0" anchor="t" bIns="91425" lIns="91425" spcFirstLastPara="1" rIns="91425" wrap="square" tIns="91425">
+          <a:bodyPr anchorCtr="0" anchor="ctr" bIns="91425" lIns="91425" spcFirstLastPara="1" rIns="91425" wrap="square" tIns="91425">
             <a:noAutofit/>
           </a:bodyPr>
           <a:lstStyle/>
@@ -7862,139 +10510,12 @@
             </a:pPr>
             <a:r>
               <a:rPr lang="es"/>
-              <a:t>Árbol de regresión</a:t>
+              <a:t>6.3.1	árboles de regresión</a:t>
             </a:r>
             <a:endParaRPr/>
           </a:p>
         </p:txBody>
       </p:sp>
-      <p:sp>
-        <p:nvSpPr>
-          <p:cNvPr id="84" name="Google Shape;84;p17"/>
-          <p:cNvSpPr txBox="1"/>
-          <p:nvPr>
-            <p:ph idx="1" type="body"/>
-          </p:nvPr>
-        </p:nvSpPr>
-        <p:spPr>
-          <a:xfrm>
-            <a:off x="311700" y="1228675"/>
-            <a:ext cx="4992000" cy="3752100"/>
-          </a:xfrm>
-          <a:prstGeom prst="rect">
-            <a:avLst/>
-          </a:prstGeom>
-        </p:spPr>
-        <p:txBody>
-          <a:bodyPr anchorCtr="0" anchor="t" bIns="91425" lIns="91425" spcFirstLastPara="1" rIns="91425" wrap="square" tIns="91425">
-            <a:noAutofit/>
-          </a:bodyPr>
-          <a:lstStyle/>
-          <a:p>
-            <a:pPr indent="0" lvl="0" marL="0" rtl="0" algn="l">
-              <a:spcBef>
-                <a:spcPts val="0"/>
-              </a:spcBef>
-              <a:spcAft>
-                <a:spcPts val="0"/>
-              </a:spcAft>
-              <a:buNone/>
-            </a:pPr>
-            <a:r>
-              <a:rPr lang="es"/>
-              <a:t>Ejemplo: Predecir el salario de un jugador de baseball basado en el número de años que ha jugado en ligas profesionales y el número de hits que hizo el año pasado.</a:t>
-            </a:r>
-            <a:endParaRPr/>
-          </a:p>
-          <a:p>
-            <a:pPr indent="0" lvl="0" marL="0" rtl="0" algn="l">
-              <a:spcBef>
-                <a:spcPts val="1600"/>
-              </a:spcBef>
-              <a:spcAft>
-                <a:spcPts val="0"/>
-              </a:spcAft>
-              <a:buNone/>
-            </a:pPr>
-            <a:r>
-              <a:rPr lang="es"/>
-              <a:t>observa las regiones de partición de los salarios.</a:t>
-            </a:r>
-            <a:endParaRPr/>
-          </a:p>
-          <a:p>
-            <a:pPr indent="0" lvl="0" marL="0" rtl="0" algn="l">
-              <a:spcBef>
-                <a:spcPts val="1600"/>
-              </a:spcBef>
-              <a:spcAft>
-                <a:spcPts val="1600"/>
-              </a:spcAft>
-              <a:buNone/>
-            </a:pPr>
-            <a:r>
-              <a:t/>
-            </a:r>
-            <a:endParaRPr/>
-          </a:p>
-        </p:txBody>
-      </p:sp>
-      <p:pic>
-        <p:nvPicPr>
-          <p:cNvPr id="85" name="Google Shape;85;p17"/>
-          <p:cNvPicPr preferRelativeResize="0"/>
-          <p:nvPr/>
-        </p:nvPicPr>
-        <p:blipFill>
-          <a:blip r:embed="rId3">
-            <a:alphaModFix/>
-          </a:blip>
-          <a:stretch>
-            <a:fillRect/>
-          </a:stretch>
-        </p:blipFill>
-        <p:spPr>
-          <a:xfrm>
-            <a:off x="5623198" y="86275"/>
-            <a:ext cx="2375128" cy="2485475"/>
-          </a:xfrm>
-          <a:prstGeom prst="rect">
-            <a:avLst/>
-          </a:prstGeom>
-          <a:noFill/>
-          <a:ln>
-            <a:noFill/>
-          </a:ln>
-        </p:spPr>
-      </p:pic>
-      <p:pic>
-        <p:nvPicPr>
-          <p:cNvPr id="86" name="Google Shape;86;p17"/>
-          <p:cNvPicPr preferRelativeResize="0"/>
-          <p:nvPr/>
-        </p:nvPicPr>
-        <p:blipFill>
-          <a:blip r:embed="rId4">
-            <a:alphaModFix/>
-          </a:blip>
-          <a:stretch>
-            <a:fillRect/>
-          </a:stretch>
-        </p:blipFill>
-        <p:spPr>
-          <a:xfrm>
-            <a:off x="5463257" y="2571750"/>
-            <a:ext cx="2962294" cy="2571750"/>
-          </a:xfrm>
-          <a:prstGeom prst="rect">
-            <a:avLst/>
-          </a:prstGeom>
-          <a:noFill/>
-          <a:ln>
-            <a:noFill/>
-          </a:ln>
-        </p:spPr>
-      </p:pic>
     </p:spTree>
   </p:cSld>
   <p:clrMapOvr>
@@ -8030,15 +10551,15 @@
         </p:nvSpPr>
         <p:spPr>
           <a:xfrm>
-            <a:off x="490250" y="526350"/>
-            <a:ext cx="8159700" cy="4090800"/>
+            <a:off x="311700" y="292850"/>
+            <a:ext cx="8520600" cy="801000"/>
           </a:xfrm>
           <a:prstGeom prst="rect">
             <a:avLst/>
           </a:prstGeom>
         </p:spPr>
         <p:txBody>
-          <a:bodyPr anchorCtr="0" anchor="ctr" bIns="91425" lIns="91425" spcFirstLastPara="1" rIns="91425" wrap="square" tIns="91425">
+          <a:bodyPr anchorCtr="0" anchor="t" bIns="91425" lIns="91425" spcFirstLastPara="1" rIns="91425" wrap="square" tIns="91425">
             <a:noAutofit/>
           </a:bodyPr>
           <a:lstStyle/>
@@ -8054,12 +10575,139 @@
             </a:pPr>
             <a:r>
               <a:rPr lang="es"/>
-              <a:t>6.3.2	árboles de clasificación</a:t>
+              <a:t>Árbol de regresión</a:t>
             </a:r>
             <a:endParaRPr/>
           </a:p>
         </p:txBody>
       </p:sp>
+      <p:sp>
+        <p:nvSpPr>
+          <p:cNvPr id="92" name="Google Shape;92;p18"/>
+          <p:cNvSpPr txBox="1"/>
+          <p:nvPr>
+            <p:ph idx="1" type="body"/>
+          </p:nvPr>
+        </p:nvSpPr>
+        <p:spPr>
+          <a:xfrm>
+            <a:off x="311700" y="1228675"/>
+            <a:ext cx="4992000" cy="3752100"/>
+          </a:xfrm>
+          <a:prstGeom prst="rect">
+            <a:avLst/>
+          </a:prstGeom>
+        </p:spPr>
+        <p:txBody>
+          <a:bodyPr anchorCtr="0" anchor="t" bIns="91425" lIns="91425" spcFirstLastPara="1" rIns="91425" wrap="square" tIns="91425">
+            <a:noAutofit/>
+          </a:bodyPr>
+          <a:lstStyle/>
+          <a:p>
+            <a:pPr indent="0" lvl="0" marL="0" rtl="0" algn="l">
+              <a:spcBef>
+                <a:spcPts val="0"/>
+              </a:spcBef>
+              <a:spcAft>
+                <a:spcPts val="0"/>
+              </a:spcAft>
+              <a:buNone/>
+            </a:pPr>
+            <a:r>
+              <a:rPr lang="es"/>
+              <a:t>Ejemplo: Predecir el salario de un jugador de baseball basado en el número de años que ha jugado en ligas profesionales y el número de hits que hizo el año pasado.</a:t>
+            </a:r>
+            <a:endParaRPr/>
+          </a:p>
+          <a:p>
+            <a:pPr indent="0" lvl="0" marL="0" rtl="0" algn="l">
+              <a:spcBef>
+                <a:spcPts val="1600"/>
+              </a:spcBef>
+              <a:spcAft>
+                <a:spcPts val="0"/>
+              </a:spcAft>
+              <a:buNone/>
+            </a:pPr>
+            <a:r>
+              <a:rPr lang="es"/>
+              <a:t>observa las regiones de partición de los salarios.</a:t>
+            </a:r>
+            <a:endParaRPr/>
+          </a:p>
+          <a:p>
+            <a:pPr indent="0" lvl="0" marL="0" rtl="0" algn="l">
+              <a:spcBef>
+                <a:spcPts val="1600"/>
+              </a:spcBef>
+              <a:spcAft>
+                <a:spcPts val="1600"/>
+              </a:spcAft>
+              <a:buNone/>
+            </a:pPr>
+            <a:r>
+              <a:t/>
+            </a:r>
+            <a:endParaRPr/>
+          </a:p>
+        </p:txBody>
+      </p:sp>
+      <p:pic>
+        <p:nvPicPr>
+          <p:cNvPr id="93" name="Google Shape;93;p18"/>
+          <p:cNvPicPr preferRelativeResize="0"/>
+          <p:nvPr/>
+        </p:nvPicPr>
+        <p:blipFill>
+          <a:blip r:embed="rId3">
+            <a:alphaModFix/>
+          </a:blip>
+          <a:stretch>
+            <a:fillRect/>
+          </a:stretch>
+        </p:blipFill>
+        <p:spPr>
+          <a:xfrm>
+            <a:off x="5623198" y="86275"/>
+            <a:ext cx="2375128" cy="2485475"/>
+          </a:xfrm>
+          <a:prstGeom prst="rect">
+            <a:avLst/>
+          </a:prstGeom>
+          <a:noFill/>
+          <a:ln>
+            <a:noFill/>
+          </a:ln>
+        </p:spPr>
+      </p:pic>
+      <p:pic>
+        <p:nvPicPr>
+          <p:cNvPr id="94" name="Google Shape;94;p18"/>
+          <p:cNvPicPr preferRelativeResize="0"/>
+          <p:nvPr/>
+        </p:nvPicPr>
+        <p:blipFill>
+          <a:blip r:embed="rId4">
+            <a:alphaModFix/>
+          </a:blip>
+          <a:stretch>
+            <a:fillRect/>
+          </a:stretch>
+        </p:blipFill>
+        <p:spPr>
+          <a:xfrm>
+            <a:off x="5463257" y="2571750"/>
+            <a:ext cx="2962294" cy="2571750"/>
+          </a:xfrm>
+          <a:prstGeom prst="rect">
+            <a:avLst/>
+          </a:prstGeom>
+          <a:noFill/>
+          <a:ln>
+            <a:noFill/>
+          </a:ln>
+        </p:spPr>
+      </p:pic>
     </p:spTree>
   </p:cSld>
   <p:clrMapOvr>
@@ -8073,7 +10721,7 @@
   <p:cSld>
     <p:spTree>
       <p:nvGrpSpPr>
-        <p:cNvPr id="95" name="Shape 95"/>
+        <p:cNvPr id="98" name="Shape 98"/>
         <p:cNvGrpSpPr/>
         <p:nvPr/>
       </p:nvGrpSpPr>
@@ -8087,7 +10735,7 @@
       </p:grpSpPr>
       <p:sp>
         <p:nvSpPr>
-          <p:cNvPr id="96" name="Google Shape;96;p19"/>
+          <p:cNvPr id="99" name="Google Shape;99;p19"/>
           <p:cNvSpPr txBox="1"/>
           <p:nvPr>
             <p:ph type="title"/>
@@ -8095,15 +10743,15 @@
         </p:nvSpPr>
         <p:spPr>
           <a:xfrm>
-            <a:off x="311700" y="292850"/>
-            <a:ext cx="8520600" cy="801000"/>
+            <a:off x="490250" y="526350"/>
+            <a:ext cx="8159700" cy="4090800"/>
           </a:xfrm>
           <a:prstGeom prst="rect">
             <a:avLst/>
           </a:prstGeom>
         </p:spPr>
         <p:txBody>
-          <a:bodyPr anchorCtr="0" anchor="t" bIns="91425" lIns="91425" spcFirstLastPara="1" rIns="91425" wrap="square" tIns="91425">
+          <a:bodyPr anchorCtr="0" anchor="ctr" bIns="91425" lIns="91425" spcFirstLastPara="1" rIns="91425" wrap="square" tIns="91425">
             <a:noAutofit/>
           </a:bodyPr>
           <a:lstStyle/>
@@ -8119,108 +10767,12 @@
             </a:pPr>
             <a:r>
               <a:rPr lang="es"/>
-              <a:t>Árbol de clasificación</a:t>
+              <a:t>6.3.2	árboles de clasificación</a:t>
             </a:r>
             <a:endParaRPr/>
           </a:p>
         </p:txBody>
       </p:sp>
-      <p:pic>
-        <p:nvPicPr>
-          <p:cNvPr id="97" name="Google Shape;97;p19"/>
-          <p:cNvPicPr preferRelativeResize="0"/>
-          <p:nvPr/>
-        </p:nvPicPr>
-        <p:blipFill>
-          <a:blip r:embed="rId3">
-            <a:alphaModFix/>
-          </a:blip>
-          <a:stretch>
-            <a:fillRect/>
-          </a:stretch>
-        </p:blipFill>
-        <p:spPr>
-          <a:xfrm>
-            <a:off x="762000" y="2547007"/>
-            <a:ext cx="3462000" cy="2596493"/>
-          </a:xfrm>
-          <a:prstGeom prst="rect">
-            <a:avLst/>
-          </a:prstGeom>
-          <a:noFill/>
-          <a:ln>
-            <a:noFill/>
-          </a:ln>
-        </p:spPr>
-      </p:pic>
-      <p:sp>
-        <p:nvSpPr>
-          <p:cNvPr id="98" name="Google Shape;98;p19"/>
-          <p:cNvSpPr txBox="1"/>
-          <p:nvPr>
-            <p:ph idx="1" type="body"/>
-          </p:nvPr>
-        </p:nvSpPr>
-        <p:spPr>
-          <a:xfrm>
-            <a:off x="311700" y="1228675"/>
-            <a:ext cx="4992000" cy="3752100"/>
-          </a:xfrm>
-          <a:prstGeom prst="rect">
-            <a:avLst/>
-          </a:prstGeom>
-        </p:spPr>
-        <p:txBody>
-          <a:bodyPr anchorCtr="0" anchor="t" bIns="91425" lIns="91425" spcFirstLastPara="1" rIns="91425" wrap="square" tIns="91425">
-            <a:noAutofit/>
-          </a:bodyPr>
-          <a:lstStyle/>
-          <a:p>
-            <a:pPr indent="0" lvl="0" marL="0" rtl="0" algn="l">
-              <a:spcBef>
-                <a:spcPts val="0"/>
-              </a:spcBef>
-              <a:spcAft>
-                <a:spcPts val="1600"/>
-              </a:spcAft>
-              <a:buNone/>
-            </a:pPr>
-            <a:r>
-              <a:rPr lang="es"/>
-              <a:t>Ejemplo: Determinar qué tipo de Iris es la instancia dados su longitud y anchura de sépalo y pétalo.</a:t>
-            </a:r>
-            <a:endParaRPr/>
-          </a:p>
-        </p:txBody>
-      </p:sp>
-      <p:pic>
-        <p:nvPicPr>
-          <p:cNvPr id="99" name="Google Shape;99;p19"/>
-          <p:cNvPicPr preferRelativeResize="0"/>
-          <p:nvPr/>
-        </p:nvPicPr>
-        <p:blipFill>
-          <a:blip r:embed="rId4">
-            <a:alphaModFix/>
-          </a:blip>
-          <a:stretch>
-            <a:fillRect/>
-          </a:stretch>
-        </p:blipFill>
-        <p:spPr>
-          <a:xfrm>
-            <a:off x="4211651" y="632500"/>
-            <a:ext cx="4779949" cy="3752100"/>
-          </a:xfrm>
-          <a:prstGeom prst="rect">
-            <a:avLst/>
-          </a:prstGeom>
-          <a:noFill/>
-          <a:ln>
-            <a:noFill/>
-          </a:ln>
-        </p:spPr>
-      </p:pic>
     </p:spTree>
   </p:cSld>
   <p:clrMapOvr>
@@ -8256,15 +10808,15 @@
         </p:nvSpPr>
         <p:spPr>
           <a:xfrm>
-            <a:off x="490250" y="526350"/>
-            <a:ext cx="8159700" cy="4090800"/>
+            <a:off x="311700" y="292850"/>
+            <a:ext cx="8520600" cy="801000"/>
           </a:xfrm>
           <a:prstGeom prst="rect">
             <a:avLst/>
           </a:prstGeom>
         </p:spPr>
         <p:txBody>
-          <a:bodyPr anchorCtr="0" anchor="ctr" bIns="91425" lIns="91425" spcFirstLastPara="1" rIns="91425" wrap="square" tIns="91425">
+          <a:bodyPr anchorCtr="0" anchor="t" bIns="91425" lIns="91425" spcFirstLastPara="1" rIns="91425" wrap="square" tIns="91425">
             <a:noAutofit/>
           </a:bodyPr>
           <a:lstStyle/>
@@ -8280,12 +10832,108 @@
             </a:pPr>
             <a:r>
               <a:rPr lang="es"/>
-              <a:t>6.3.3		algoritmo cart</a:t>
+              <a:t>Árbol de clasificación</a:t>
             </a:r>
             <a:endParaRPr/>
           </a:p>
         </p:txBody>
       </p:sp>
+      <p:pic>
+        <p:nvPicPr>
+          <p:cNvPr id="105" name="Google Shape;105;p20"/>
+          <p:cNvPicPr preferRelativeResize="0"/>
+          <p:nvPr/>
+        </p:nvPicPr>
+        <p:blipFill>
+          <a:blip r:embed="rId3">
+            <a:alphaModFix/>
+          </a:blip>
+          <a:stretch>
+            <a:fillRect/>
+          </a:stretch>
+        </p:blipFill>
+        <p:spPr>
+          <a:xfrm>
+            <a:off x="762000" y="2547007"/>
+            <a:ext cx="3462000" cy="2596493"/>
+          </a:xfrm>
+          <a:prstGeom prst="rect">
+            <a:avLst/>
+          </a:prstGeom>
+          <a:noFill/>
+          <a:ln>
+            <a:noFill/>
+          </a:ln>
+        </p:spPr>
+      </p:pic>
+      <p:sp>
+        <p:nvSpPr>
+          <p:cNvPr id="106" name="Google Shape;106;p20"/>
+          <p:cNvSpPr txBox="1"/>
+          <p:nvPr>
+            <p:ph idx="1" type="body"/>
+          </p:nvPr>
+        </p:nvSpPr>
+        <p:spPr>
+          <a:xfrm>
+            <a:off x="311700" y="1228675"/>
+            <a:ext cx="4992000" cy="3752100"/>
+          </a:xfrm>
+          <a:prstGeom prst="rect">
+            <a:avLst/>
+          </a:prstGeom>
+        </p:spPr>
+        <p:txBody>
+          <a:bodyPr anchorCtr="0" anchor="t" bIns="91425" lIns="91425" spcFirstLastPara="1" rIns="91425" wrap="square" tIns="91425">
+            <a:noAutofit/>
+          </a:bodyPr>
+          <a:lstStyle/>
+          <a:p>
+            <a:pPr indent="0" lvl="0" marL="0" rtl="0" algn="l">
+              <a:spcBef>
+                <a:spcPts val="0"/>
+              </a:spcBef>
+              <a:spcAft>
+                <a:spcPts val="1600"/>
+              </a:spcAft>
+              <a:buNone/>
+            </a:pPr>
+            <a:r>
+              <a:rPr lang="es"/>
+              <a:t>Ejemplo: Determinar qué tipo de Iris es la instancia dados su longitud y anchura de sépalo y pétalo.</a:t>
+            </a:r>
+            <a:endParaRPr/>
+          </a:p>
+        </p:txBody>
+      </p:sp>
+      <p:pic>
+        <p:nvPicPr>
+          <p:cNvPr id="107" name="Google Shape;107;p20"/>
+          <p:cNvPicPr preferRelativeResize="0"/>
+          <p:nvPr/>
+        </p:nvPicPr>
+        <p:blipFill>
+          <a:blip r:embed="rId4">
+            <a:alphaModFix/>
+          </a:blip>
+          <a:stretch>
+            <a:fillRect/>
+          </a:stretch>
+        </p:blipFill>
+        <p:spPr>
+          <a:xfrm>
+            <a:off x="4211651" y="708700"/>
+            <a:ext cx="4779949" cy="3752100"/>
+          </a:xfrm>
+          <a:prstGeom prst="rect">
+            <a:avLst/>
+          </a:prstGeom>
+          <a:noFill/>
+          <a:ln>
+            <a:noFill/>
+          </a:ln>
+        </p:spPr>
+      </p:pic>
     </p:spTree>
   </p:cSld>
   <p:clrMapOvr>
@@ -8299,7 +10947,7 @@
   <p:cSld>
     <p:spTree>
       <p:nvGrpSpPr>
-        <p:cNvPr id="108" name="Shape 108"/>
+        <p:cNvPr id="111" name="Shape 111"/>
         <p:cNvGrpSpPr/>
         <p:nvPr/>
       </p:nvGrpSpPr>
@@ -8313,7 +10961,7 @@
       </p:grpSpPr>
       <p:sp>
         <p:nvSpPr>
-          <p:cNvPr id="109" name="Google Shape;109;p21"/>
+          <p:cNvPr id="112" name="Google Shape;112;p21"/>
           <p:cNvSpPr txBox="1"/>
           <p:nvPr>
             <p:ph type="title"/>
@@ -8321,15 +10969,15 @@
         </p:nvSpPr>
         <p:spPr>
           <a:xfrm>
-            <a:off x="311700" y="292850"/>
-            <a:ext cx="8520600" cy="801000"/>
+            <a:off x="490250" y="526350"/>
+            <a:ext cx="8159700" cy="4090800"/>
           </a:xfrm>
           <a:prstGeom prst="rect">
             <a:avLst/>
           </a:prstGeom>
         </p:spPr>
         <p:txBody>
-          <a:bodyPr anchorCtr="0" anchor="t" bIns="91425" lIns="91425" spcFirstLastPara="1" rIns="91425" wrap="square" tIns="91425">
+          <a:bodyPr anchorCtr="0" anchor="ctr" bIns="91425" lIns="91425" spcFirstLastPara="1" rIns="91425" wrap="square" tIns="91425">
             <a:noAutofit/>
           </a:bodyPr>
           <a:lstStyle/>
@@ -8345,132 +10993,7 @@
             </a:pPr>
             <a:r>
               <a:rPr lang="es"/>
-              <a:t>¿cómo se determinan los nodos de decisión?</a:t>
-            </a:r>
-            <a:endParaRPr/>
-          </a:p>
-        </p:txBody>
-      </p:sp>
-      <p:sp>
-        <p:nvSpPr>
-          <p:cNvPr id="110" name="Google Shape;110;p21"/>
-          <p:cNvSpPr txBox="1"/>
-          <p:nvPr>
-            <p:ph idx="1" type="body"/>
-          </p:nvPr>
-        </p:nvSpPr>
-        <p:spPr>
-          <a:xfrm>
-            <a:off x="311700" y="1228675"/>
-            <a:ext cx="4992000" cy="3752100"/>
-          </a:xfrm>
-          <a:prstGeom prst="rect">
-            <a:avLst/>
-          </a:prstGeom>
-        </p:spPr>
-        <p:txBody>
-          <a:bodyPr anchorCtr="0" anchor="t" bIns="91425" lIns="91425" spcFirstLastPara="1" rIns="91425" wrap="square" tIns="91425">
-            <a:noAutofit/>
-          </a:bodyPr>
-          <a:lstStyle/>
-          <a:p>
-            <a:pPr indent="0" lvl="0" marL="0" rtl="0" algn="l">
-              <a:spcBef>
-                <a:spcPts val="0"/>
-              </a:spcBef>
-              <a:spcAft>
-                <a:spcPts val="0"/>
-              </a:spcAft>
-              <a:buNone/>
-            </a:pPr>
-            <a:r>
-              <a:t/>
-            </a:r>
-            <a:endParaRPr/>
-          </a:p>
-          <a:p>
-            <a:pPr indent="0" lvl="0" marL="0" rtl="0" algn="l">
-              <a:spcBef>
-                <a:spcPts val="1600"/>
-              </a:spcBef>
-              <a:spcAft>
-                <a:spcPts val="1600"/>
-              </a:spcAft>
-              <a:buNone/>
-            </a:pPr>
-            <a:r>
-              <a:t/>
-            </a:r>
-            <a:endParaRPr/>
-          </a:p>
-        </p:txBody>
-      </p:sp>
-      <p:sp>
-        <p:nvSpPr>
-          <p:cNvPr id="111" name="Google Shape;111;p21"/>
-          <p:cNvSpPr txBox="1"/>
-          <p:nvPr>
-            <p:ph idx="1" type="body"/>
-          </p:nvPr>
-        </p:nvSpPr>
-        <p:spPr>
-          <a:xfrm>
-            <a:off x="311700" y="1228675"/>
-            <a:ext cx="8152500" cy="3330300"/>
-          </a:xfrm>
-          <a:prstGeom prst="rect">
-            <a:avLst/>
-          </a:prstGeom>
-        </p:spPr>
-        <p:txBody>
-          <a:bodyPr anchorCtr="0" anchor="t" bIns="91425" lIns="91425" spcFirstLastPara="1" rIns="91425" wrap="square" tIns="91425">
-            <a:noAutofit/>
-          </a:bodyPr>
-          <a:lstStyle/>
-          <a:p>
-            <a:pPr indent="0" lvl="0" marL="0" rtl="0" algn="l">
-              <a:spcBef>
-                <a:spcPts val="0"/>
-              </a:spcBef>
-              <a:spcAft>
-                <a:spcPts val="0"/>
-              </a:spcAft>
-              <a:buNone/>
-            </a:pPr>
-            <a:r>
-              <a:rPr lang="es"/>
-              <a:t>La creación de un árbol binario de decisión es un proceso de dividir en espacio de entrada (variables predictoras). Usualmente se usa un enfoque voraz recursivo  para hacer la división del espacio de entrada. </a:t>
-            </a:r>
-            <a:endParaRPr/>
-          </a:p>
-          <a:p>
-            <a:pPr indent="0" lvl="0" marL="0" rtl="0" algn="l">
-              <a:spcBef>
-                <a:spcPts val="1600"/>
-              </a:spcBef>
-              <a:spcAft>
-                <a:spcPts val="0"/>
-              </a:spcAft>
-              <a:buNone/>
-            </a:pPr>
-            <a:r>
-              <a:rPr lang="es"/>
-              <a:t>Este procedimiento es numérico, el split con el menor costo es el seleccionado. Para regresión se usa una función de costo, para clasificación se usa el índice de Gini que indica la pureza de los nodos hoja. </a:t>
-            </a:r>
-            <a:endParaRPr/>
-          </a:p>
-          <a:p>
-            <a:pPr indent="0" lvl="0" marL="0" rtl="0" algn="l">
-              <a:spcBef>
-                <a:spcPts val="1600"/>
-              </a:spcBef>
-              <a:spcAft>
-                <a:spcPts val="1600"/>
-              </a:spcAft>
-              <a:buNone/>
-            </a:pPr>
-            <a:r>
-              <a:t/>
+              <a:t>6.3.3		algoritmo cart</a:t>
             </a:r>
             <a:endParaRPr/>
           </a:p>
